--- a/M09-art_gallery_problem.pptx
+++ b/M09-art_gallery_problem.pptx
@@ -5,10 +5,10 @@
     <p:sldMasterId id="2147483744" r:id="rId1"/>
   </p:sldMasterIdLst>
   <p:notesMasterIdLst>
-    <p:notesMasterId r:id="rId40"/>
+    <p:notesMasterId r:id="rId30"/>
   </p:notesMasterIdLst>
   <p:handoutMasterIdLst>
-    <p:handoutMasterId r:id="rId41"/>
+    <p:handoutMasterId r:id="rId31"/>
   </p:handoutMasterIdLst>
   <p:sldIdLst>
     <p:sldId id="256" r:id="rId2"/>
@@ -28,27 +28,17 @@
     <p:sldId id="294" r:id="rId16"/>
     <p:sldId id="295" r:id="rId17"/>
     <p:sldId id="297" r:id="rId18"/>
-    <p:sldId id="334" r:id="rId19"/>
-    <p:sldId id="343" r:id="rId20"/>
-    <p:sldId id="344" r:id="rId21"/>
-    <p:sldId id="345" r:id="rId22"/>
-    <p:sldId id="905" r:id="rId23"/>
-    <p:sldId id="906" r:id="rId24"/>
-    <p:sldId id="908" r:id="rId25"/>
-    <p:sldId id="923" r:id="rId26"/>
-    <p:sldId id="346" r:id="rId27"/>
-    <p:sldId id="926" r:id="rId28"/>
-    <p:sldId id="927" r:id="rId29"/>
-    <p:sldId id="347" r:id="rId30"/>
-    <p:sldId id="348" r:id="rId31"/>
-    <p:sldId id="349" r:id="rId32"/>
-    <p:sldId id="337" r:id="rId33"/>
-    <p:sldId id="298" r:id="rId34"/>
-    <p:sldId id="299" r:id="rId35"/>
-    <p:sldId id="300" r:id="rId36"/>
-    <p:sldId id="928" r:id="rId37"/>
-    <p:sldId id="301" r:id="rId38"/>
-    <p:sldId id="929" r:id="rId39"/>
+    <p:sldId id="923" r:id="rId19"/>
+    <p:sldId id="347" r:id="rId20"/>
+    <p:sldId id="348" r:id="rId21"/>
+    <p:sldId id="349" r:id="rId22"/>
+    <p:sldId id="337" r:id="rId23"/>
+    <p:sldId id="298" r:id="rId24"/>
+    <p:sldId id="299" r:id="rId25"/>
+    <p:sldId id="300" r:id="rId26"/>
+    <p:sldId id="928" r:id="rId27"/>
+    <p:sldId id="301" r:id="rId28"/>
+    <p:sldId id="929" r:id="rId29"/>
   </p:sldIdLst>
   <p:sldSz cx="12192000" cy="6858000"/>
   <p:notesSz cx="6858000" cy="9144000"/>
@@ -248,7 +238,7 @@
           <a:p>
             <a:fld id="{C787A165-4FDD-49E5-9F6D-D505BB88ABC6}" type="datetimeFigureOut">
               <a:rPr lang="en-US" smtClean="0"/>
-              <a:t>9/30/19</a:t>
+              <a:t>8/12/20</a:t>
             </a:fld>
             <a:endParaRPr lang="en-US"/>
           </a:p>
@@ -414,7 +404,7 @@
           <a:p>
             <a:fld id="{5D612DD9-5214-4F09-A917-0755DC49A4D5}" type="datetimeFigureOut">
               <a:rPr lang="en-US" smtClean="0"/>
-              <a:t>9/30/19</a:t>
+              <a:t>8/12/20</a:t>
             </a:fld>
             <a:endParaRPr lang="en-US"/>
           </a:p>
@@ -762,145 +752,6 @@
     <p:extLst>
       <p:ext uri="{BB962C8B-B14F-4D97-AF65-F5344CB8AC3E}">
         <p14:creationId xmlns:p14="http://schemas.microsoft.com/office/powerpoint/2010/main" val="3940978275"/>
-      </p:ext>
-    </p:extLst>
-  </p:cSld>
-  <p:clrMapOvr>
-    <a:masterClrMapping/>
-  </p:clrMapOvr>
-</p:notes>
-</file>
-
-<file path=ppt/notesSlides/notesSlide2.xml><?xml version="1.0" encoding="utf-8"?>
-<p:notes xmlns:a="http://schemas.openxmlformats.org/drawingml/2006/main" xmlns:r="http://schemas.openxmlformats.org/officeDocument/2006/relationships" xmlns:p="http://schemas.openxmlformats.org/presentationml/2006/main">
-  <p:cSld>
-    <p:spTree>
-      <p:nvGrpSpPr>
-        <p:cNvPr id="1" name=""/>
-        <p:cNvGrpSpPr/>
-        <p:nvPr/>
-      </p:nvGrpSpPr>
-      <p:grpSpPr>
-        <a:xfrm>
-          <a:off x="0" y="0"/>
-          <a:ext cx="0" cy="0"/>
-          <a:chOff x="0" y="0"/>
-          <a:chExt cx="0" cy="0"/>
-        </a:xfrm>
-      </p:grpSpPr>
-      <p:sp>
-        <p:nvSpPr>
-          <p:cNvPr id="2" name="Slide Image Placeholder 1"/>
-          <p:cNvSpPr>
-            <a:spLocks noGrp="1" noRot="1" noChangeAspect="1"/>
-          </p:cNvSpPr>
-          <p:nvPr>
-            <p:ph type="sldImg"/>
-          </p:nvPr>
-        </p:nvSpPr>
-        <p:spPr>
-          <a:xfrm>
-            <a:off x="381000" y="685800"/>
-            <a:ext cx="6096000" cy="3429000"/>
-          </a:xfrm>
-        </p:spPr>
-      </p:sp>
-      <p:sp>
-        <p:nvSpPr>
-          <p:cNvPr id="3" name="Notes Placeholder 2"/>
-          <p:cNvSpPr>
-            <a:spLocks noGrp="1"/>
-          </p:cNvSpPr>
-          <p:nvPr>
-            <p:ph type="body" idx="1"/>
-          </p:nvPr>
-        </p:nvSpPr>
-        <p:spPr/>
-        <p:txBody>
-          <a:bodyPr/>
-          <a:lstStyle/>
-          <a:p>
-            <a:r>
-              <a:rPr lang="en-US" sz="1200" b="0" i="0" u="none" strike="noStrike" kern="1200" baseline="0" dirty="0">
-                <a:solidFill>
-                  <a:schemeClr val="tx1"/>
-                </a:solidFill>
-                <a:latin typeface="+mn-lt"/>
-                <a:ea typeface="+mn-ea"/>
-                <a:cs typeface="+mn-cs"/>
-              </a:rPr>
-              <a:t>By induction, the two polygons can be triangulated using</a:t>
-            </a:r>
-          </a:p>
-          <a:p>
-            <a:r>
-              <a:rPr lang="en-US" sz="1200" b="0" i="0" u="none" strike="noStrike" kern="1200" baseline="0" dirty="0">
-                <a:solidFill>
-                  <a:schemeClr val="tx1"/>
-                </a:solidFill>
-                <a:latin typeface="+mn-lt"/>
-                <a:ea typeface="+mn-ea"/>
-                <a:cs typeface="+mn-cs"/>
-              </a:rPr>
-              <a:t>m - 2 and n - m + 2 - 2 = n - m triangles. So the original</a:t>
-            </a:r>
-          </a:p>
-          <a:p>
-            <a:r>
-              <a:rPr lang="en-US" sz="1200" b="0" i="0" u="none" strike="noStrike" kern="1200" baseline="0" dirty="0">
-                <a:solidFill>
-                  <a:schemeClr val="tx1"/>
-                </a:solidFill>
-                <a:latin typeface="+mn-lt"/>
-                <a:ea typeface="+mn-ea"/>
-                <a:cs typeface="+mn-cs"/>
-              </a:rPr>
-              <a:t>polygon is triangulated using m - 2 + n - m = n - 2</a:t>
-            </a:r>
-          </a:p>
-          <a:p>
-            <a:r>
-              <a:rPr lang="en-US" sz="1200" b="0" i="0" u="none" strike="noStrike" kern="1200" baseline="0" dirty="0">
-                <a:solidFill>
-                  <a:schemeClr val="tx1"/>
-                </a:solidFill>
-                <a:latin typeface="+mn-lt"/>
-                <a:ea typeface="+mn-ea"/>
-                <a:cs typeface="+mn-cs"/>
-              </a:rPr>
-              <a:t>triangles</a:t>
-            </a:r>
-            <a:endParaRPr lang="en-US" dirty="0"/>
-          </a:p>
-        </p:txBody>
-      </p:sp>
-      <p:sp>
-        <p:nvSpPr>
-          <p:cNvPr id="4" name="Slide Number Placeholder 3"/>
-          <p:cNvSpPr>
-            <a:spLocks noGrp="1"/>
-          </p:cNvSpPr>
-          <p:nvPr>
-            <p:ph type="sldNum" sz="quarter" idx="10"/>
-          </p:nvPr>
-        </p:nvSpPr>
-        <p:spPr/>
-        <p:txBody>
-          <a:bodyPr/>
-          <a:lstStyle/>
-          <a:p>
-            <a:fld id="{31DA5BA5-4C4A-4C12-9934-7DE5F3F1D62A}" type="slidenum">
-              <a:rPr lang="en-US" smtClean="0"/>
-              <a:t>26</a:t>
-            </a:fld>
-            <a:endParaRPr lang="en-US"/>
-          </a:p>
-        </p:txBody>
-      </p:sp>
-    </p:spTree>
-    <p:extLst>
-      <p:ext uri="{BB962C8B-B14F-4D97-AF65-F5344CB8AC3E}">
-        <p14:creationId xmlns:p14="http://schemas.microsoft.com/office/powerpoint/2010/main" val="97985147"/>
       </p:ext>
     </p:extLst>
   </p:cSld>
@@ -1852,213 +1703,6 @@
           </a:p>
         </p:txBody>
       </p:sp>
-      <p:sp>
-        <p:nvSpPr>
-          <p:cNvPr id="20" name="Subtitle 2">
-            <a:extLst>
-              <a:ext uri="{FF2B5EF4-FFF2-40B4-BE49-F238E27FC236}">
-                <a16:creationId xmlns:a16="http://schemas.microsoft.com/office/drawing/2014/main" id="{FEC5CEB5-FFF5-064D-9948-3644B345D677}"/>
-              </a:ext>
-            </a:extLst>
-          </p:cNvPr>
-          <p:cNvSpPr txBox="1">
-            <a:spLocks/>
-          </p:cNvSpPr>
-          <p:nvPr userDrawn="1"/>
-        </p:nvSpPr>
-        <p:spPr>
-          <a:xfrm>
-            <a:off x="749301" y="4836803"/>
-            <a:ext cx="7356107" cy="268597"/>
-          </a:xfrm>
-          <a:prstGeom prst="rect">
-            <a:avLst/>
-          </a:prstGeom>
-        </p:spPr>
-        <p:txBody>
-          <a:bodyPr vert="horz" lIns="91440" tIns="45720" rIns="91440" bIns="45720" rtlCol="0" anchor="ctr">
-            <a:normAutofit fontScale="92500" lnSpcReduction="10000"/>
-          </a:bodyPr>
-          <a:lstStyle>
-            <a:lvl1pPr marL="228588" indent="-228588" algn="l" defTabSz="914353" rtl="0" eaLnBrk="1" latinLnBrk="0" hangingPunct="1">
-              <a:lnSpc>
-                <a:spcPct val="90000"/>
-              </a:lnSpc>
-              <a:spcBef>
-                <a:spcPts val="1000"/>
-              </a:spcBef>
-              <a:buFont typeface="Arial" panose="020B0604020202020204" pitchFamily="34" charset="0"/>
-              <a:buChar char="•"/>
-              <a:defRPr sz="2800" kern="1200">
-                <a:solidFill>
-                  <a:schemeClr val="tx1"/>
-                </a:solidFill>
-                <a:latin typeface="Gill Sans MT" panose="020B0502020104020203" pitchFamily="34" charset="0"/>
-                <a:ea typeface="+mn-ea"/>
-                <a:cs typeface="+mn-cs"/>
-              </a:defRPr>
-            </a:lvl1pPr>
-            <a:lvl2pPr marL="685765" indent="-228588" algn="l" defTabSz="914353" rtl="0" eaLnBrk="1" latinLnBrk="0" hangingPunct="1">
-              <a:lnSpc>
-                <a:spcPct val="90000"/>
-              </a:lnSpc>
-              <a:spcBef>
-                <a:spcPts val="500"/>
-              </a:spcBef>
-              <a:buFont typeface="Arial" panose="020B0604020202020204" pitchFamily="34" charset="0"/>
-              <a:buChar char="•"/>
-              <a:defRPr sz="2400" kern="1200">
-                <a:solidFill>
-                  <a:schemeClr val="tx1"/>
-                </a:solidFill>
-                <a:latin typeface="Gill Sans MT" panose="020B0502020104020203" pitchFamily="34" charset="0"/>
-                <a:ea typeface="+mn-ea"/>
-                <a:cs typeface="+mn-cs"/>
-              </a:defRPr>
-            </a:lvl2pPr>
-            <a:lvl3pPr marL="1142942" indent="-228588" algn="l" defTabSz="914353" rtl="0" eaLnBrk="1" latinLnBrk="0" hangingPunct="1">
-              <a:lnSpc>
-                <a:spcPct val="90000"/>
-              </a:lnSpc>
-              <a:spcBef>
-                <a:spcPts val="500"/>
-              </a:spcBef>
-              <a:buFont typeface="Arial" panose="020B0604020202020204" pitchFamily="34" charset="0"/>
-              <a:buChar char="•"/>
-              <a:defRPr sz="2000" kern="1200">
-                <a:solidFill>
-                  <a:schemeClr val="tx1"/>
-                </a:solidFill>
-                <a:latin typeface="Gill Sans MT" panose="020B0502020104020203" pitchFamily="34" charset="0"/>
-                <a:ea typeface="+mn-ea"/>
-                <a:cs typeface="+mn-cs"/>
-              </a:defRPr>
-            </a:lvl3pPr>
-            <a:lvl4pPr marL="1600118" indent="-228588" algn="l" defTabSz="914353" rtl="0" eaLnBrk="1" latinLnBrk="0" hangingPunct="1">
-              <a:lnSpc>
-                <a:spcPct val="90000"/>
-              </a:lnSpc>
-              <a:spcBef>
-                <a:spcPts val="500"/>
-              </a:spcBef>
-              <a:buFont typeface="Arial" panose="020B0604020202020204" pitchFamily="34" charset="0"/>
-              <a:buChar char="•"/>
-              <a:defRPr sz="1800" kern="1200">
-                <a:solidFill>
-                  <a:schemeClr val="tx1"/>
-                </a:solidFill>
-                <a:latin typeface="Gill Sans MT" panose="020B0502020104020203" pitchFamily="34" charset="0"/>
-                <a:ea typeface="+mn-ea"/>
-                <a:cs typeface="+mn-cs"/>
-              </a:defRPr>
-            </a:lvl4pPr>
-            <a:lvl5pPr marL="2057295" indent="-228588" algn="l" defTabSz="914353" rtl="0" eaLnBrk="1" latinLnBrk="0" hangingPunct="1">
-              <a:lnSpc>
-                <a:spcPct val="90000"/>
-              </a:lnSpc>
-              <a:spcBef>
-                <a:spcPts val="500"/>
-              </a:spcBef>
-              <a:buFont typeface="Arial" panose="020B0604020202020204" pitchFamily="34" charset="0"/>
-              <a:buChar char="•"/>
-              <a:defRPr sz="1800" kern="1200">
-                <a:solidFill>
-                  <a:schemeClr val="tx1"/>
-                </a:solidFill>
-                <a:latin typeface="Gill Sans MT" panose="020B0502020104020203" pitchFamily="34" charset="0"/>
-                <a:ea typeface="+mn-ea"/>
-                <a:cs typeface="+mn-cs"/>
-              </a:defRPr>
-            </a:lvl5pPr>
-            <a:lvl6pPr marL="2514471" indent="-228588" algn="l" defTabSz="914353" rtl="0" eaLnBrk="1" latinLnBrk="0" hangingPunct="1">
-              <a:lnSpc>
-                <a:spcPct val="90000"/>
-              </a:lnSpc>
-              <a:spcBef>
-                <a:spcPts val="500"/>
-              </a:spcBef>
-              <a:buFont typeface="Arial" panose="020B0604020202020204" pitchFamily="34" charset="0"/>
-              <a:buChar char="•"/>
-              <a:defRPr sz="1800" kern="1200">
-                <a:solidFill>
-                  <a:schemeClr val="tx1"/>
-                </a:solidFill>
-                <a:latin typeface="+mn-lt"/>
-                <a:ea typeface="+mn-ea"/>
-                <a:cs typeface="+mn-cs"/>
-              </a:defRPr>
-            </a:lvl6pPr>
-            <a:lvl7pPr marL="2971648" indent="-228588" algn="l" defTabSz="914353" rtl="0" eaLnBrk="1" latinLnBrk="0" hangingPunct="1">
-              <a:lnSpc>
-                <a:spcPct val="90000"/>
-              </a:lnSpc>
-              <a:spcBef>
-                <a:spcPts val="500"/>
-              </a:spcBef>
-              <a:buFont typeface="Arial" panose="020B0604020202020204" pitchFamily="34" charset="0"/>
-              <a:buChar char="•"/>
-              <a:defRPr sz="1800" kern="1200">
-                <a:solidFill>
-                  <a:schemeClr val="tx1"/>
-                </a:solidFill>
-                <a:latin typeface="+mn-lt"/>
-                <a:ea typeface="+mn-ea"/>
-                <a:cs typeface="+mn-cs"/>
-              </a:defRPr>
-            </a:lvl7pPr>
-            <a:lvl8pPr marL="3428825" indent="-228588" algn="l" defTabSz="914353" rtl="0" eaLnBrk="1" latinLnBrk="0" hangingPunct="1">
-              <a:lnSpc>
-                <a:spcPct val="90000"/>
-              </a:lnSpc>
-              <a:spcBef>
-                <a:spcPts val="500"/>
-              </a:spcBef>
-              <a:buFont typeface="Arial" panose="020B0604020202020204" pitchFamily="34" charset="0"/>
-              <a:buChar char="•"/>
-              <a:defRPr sz="1800" kern="1200">
-                <a:solidFill>
-                  <a:schemeClr val="tx1"/>
-                </a:solidFill>
-                <a:latin typeface="+mn-lt"/>
-                <a:ea typeface="+mn-ea"/>
-                <a:cs typeface="+mn-cs"/>
-              </a:defRPr>
-            </a:lvl8pPr>
-            <a:lvl9pPr marL="3886001" indent="-228588" algn="l" defTabSz="914353" rtl="0" eaLnBrk="1" latinLnBrk="0" hangingPunct="1">
-              <a:lnSpc>
-                <a:spcPct val="90000"/>
-              </a:lnSpc>
-              <a:spcBef>
-                <a:spcPts val="500"/>
-              </a:spcBef>
-              <a:buFont typeface="Arial" panose="020B0604020202020204" pitchFamily="34" charset="0"/>
-              <a:buChar char="•"/>
-              <a:defRPr sz="1800" kern="1200">
-                <a:solidFill>
-                  <a:schemeClr val="tx1"/>
-                </a:solidFill>
-                <a:latin typeface="+mn-lt"/>
-                <a:ea typeface="+mn-ea"/>
-                <a:cs typeface="+mn-cs"/>
-              </a:defRPr>
-            </a:lvl9pPr>
-          </a:lstStyle>
-          <a:p>
-            <a:pPr marL="0" indent="0">
-              <a:buNone/>
-            </a:pPr>
-            <a:r>
-              <a:rPr lang="en-US" sz="1400" kern="0" baseline="0" dirty="0"/>
-              <a:t>Some slides from Valentina </a:t>
-            </a:r>
-            <a:r>
-              <a:rPr lang="en-US" sz="1400" kern="0" baseline="0" dirty="0" err="1"/>
-              <a:t>Korzhova</a:t>
-            </a:r>
-            <a:endParaRPr lang="en-US" sz="1400" kern="0" baseline="0" dirty="0"/>
-          </a:p>
-        </p:txBody>
-      </p:sp>
     </p:spTree>
     <p:extLst>
       <p:ext uri="{BB962C8B-B14F-4D97-AF65-F5344CB8AC3E}">
@@ -7612,7 +7256,7 @@
           <a:p>
             <a:fld id="{6E39BF48-6E0A-4E37-BB05-8DF70571673D}" type="datetimeFigureOut">
               <a:rPr lang="en-US" smtClean="0"/>
-              <a:t>9/30/19</a:t>
+              <a:t>8/12/20</a:t>
             </a:fld>
             <a:endParaRPr lang="en-US"/>
           </a:p>
@@ -8174,7 +7818,7 @@
           <a:graphicData uri="http://schemas.openxmlformats.org/presentationml/2006/ole">
             <mc:AlternateContent xmlns:mc="http://schemas.openxmlformats.org/markup-compatibility/2006">
               <mc:Choice xmlns:v="urn:schemas-microsoft-com:vml" Requires="v">
-                <p:oleObj spid="_x0000_s6661" name="Equation" r:id="rId4" imgW="2070100" imgH="419100" progId="Equation.3">
+                <p:oleObj spid="_x0000_s6671" name="Equation" r:id="rId4" imgW="2070100" imgH="419100" progId="Equation.3">
                   <p:embed/>
                 </p:oleObj>
               </mc:Choice>
@@ -8267,7 +7911,7 @@
           <a:graphicData uri="http://schemas.openxmlformats.org/presentationml/2006/ole">
             <mc:AlternateContent xmlns:mc="http://schemas.openxmlformats.org/markup-compatibility/2006">
               <mc:Choice xmlns:v="urn:schemas-microsoft-com:vml" Requires="v">
-                <p:oleObj spid="_x0000_s6662" name="Equation" r:id="rId6" imgW="1295400" imgH="419100" progId="Equation.3">
+                <p:oleObj spid="_x0000_s6672" name="Equation" r:id="rId6" imgW="1295400" imgH="419100" progId="Equation.3">
                   <p:embed/>
                 </p:oleObj>
               </mc:Choice>
@@ -8360,7 +8004,7 @@
           <a:graphicData uri="http://schemas.openxmlformats.org/presentationml/2006/ole">
             <mc:AlternateContent xmlns:mc="http://schemas.openxmlformats.org/markup-compatibility/2006">
               <mc:Choice xmlns:v="urn:schemas-microsoft-com:vml" Requires="v">
-                <p:oleObj spid="_x0000_s6663" name="Equation" r:id="rId8" imgW="1308100" imgH="419100" progId="Equation.3">
+                <p:oleObj spid="_x0000_s6673" name="Equation" r:id="rId8" imgW="1308100" imgH="419100" progId="Equation.3">
                   <p:embed/>
                 </p:oleObj>
               </mc:Choice>
@@ -8453,7 +8097,7 @@
           <a:graphicData uri="http://schemas.openxmlformats.org/presentationml/2006/ole">
             <mc:AlternateContent xmlns:mc="http://schemas.openxmlformats.org/markup-compatibility/2006">
               <mc:Choice xmlns:v="urn:schemas-microsoft-com:vml" Requires="v">
-                <p:oleObj spid="_x0000_s6664" name="Equation" r:id="rId10" imgW="1384300" imgH="419100" progId="Equation.3">
+                <p:oleObj spid="_x0000_s6674" name="Equation" r:id="rId10" imgW="1384300" imgH="419100" progId="Equation.3">
                   <p:embed/>
                 </p:oleObj>
               </mc:Choice>
@@ -8546,7 +8190,7 @@
           <a:graphicData uri="http://schemas.openxmlformats.org/presentationml/2006/ole">
             <mc:AlternateContent xmlns:mc="http://schemas.openxmlformats.org/markup-compatibility/2006">
               <mc:Choice xmlns:v="urn:schemas-microsoft-com:vml" Requires="v">
-                <p:oleObj spid="_x0000_s6665" name="Equation" r:id="rId12" imgW="1295400" imgH="419100" progId="Equation.3">
+                <p:oleObj spid="_x0000_s6675" name="Equation" r:id="rId12" imgW="1295400" imgH="419100" progId="Equation.3">
                   <p:embed/>
                 </p:oleObj>
               </mc:Choice>
@@ -13679,7 +13323,7 @@
             <a:pPr lvl="1"/>
             <a:r>
               <a:rPr lang="en-US" altLang="en-US" dirty="0"/>
-              <a:t>Triangulate P using diagonals</a:t>
+              <a:t>Triangulate P</a:t>
             </a:r>
           </a:p>
           <a:p>
@@ -16550,5064 +16194,6 @@
           <a:chExt cx="0" cy="0"/>
         </a:xfrm>
       </p:grpSpPr>
-      <mc:AlternateContent xmlns:mc="http://schemas.openxmlformats.org/markup-compatibility/2006">
-        <mc:Choice xmlns:a14="http://schemas.microsoft.com/office/drawing/2010/main" Requires="a14">
-          <p:sp>
-            <p:nvSpPr>
-              <p:cNvPr id="169987" name="Rectangle 3"/>
-              <p:cNvSpPr>
-                <a:spLocks noGrp="1" noChangeArrowheads="1"/>
-              </p:cNvSpPr>
-              <p:nvPr>
-                <p:ph sz="half" idx="1"/>
-              </p:nvPr>
-            </p:nvSpPr>
-            <p:spPr>
-              <a:xfrm>
-                <a:off x="657986" y="1205309"/>
-                <a:ext cx="7876827" cy="4824960"/>
-              </a:xfrm>
-            </p:spPr>
-            <p:txBody>
-              <a:bodyPr>
-                <a:normAutofit fontScale="92500" lnSpcReduction="10000"/>
-              </a:bodyPr>
-              <a:lstStyle/>
-              <a:p>
-                <a:pPr>
-                  <a:defRPr/>
-                </a:pPr>
-                <a:r>
-                  <a:rPr lang="en-US" altLang="en-US" dirty="0"/>
-                  <a:t>Every polygon must have </a:t>
-                </a:r>
-                <a14:m>
-                  <m:oMath xmlns:m="http://schemas.openxmlformats.org/officeDocument/2006/math">
-                    <m:r>
-                      <a:rPr lang="en-US" altLang="en-US" i="1" dirty="0" smtClean="0">
-                        <a:latin typeface="Cambria Math"/>
-                        <a:ea typeface="Cambria Math"/>
-                      </a:rPr>
-                      <m:t>≥</m:t>
-                    </m:r>
-                    <m:r>
-                      <a:rPr lang="en-US" altLang="en-US" i="1" dirty="0" smtClean="0">
-                        <a:latin typeface="Cambria Math"/>
-                      </a:rPr>
-                      <m:t> 1</m:t>
-                    </m:r>
-                  </m:oMath>
-                </a14:m>
-                <a:r>
-                  <a:rPr lang="en-US" altLang="en-US" dirty="0"/>
-                  <a:t> </a:t>
-                </a:r>
-                <a:r>
-                  <a:rPr lang="en-US" altLang="en-US" i="1" dirty="0"/>
-                  <a:t>strictly</a:t>
-                </a:r>
-                <a:r>
-                  <a:rPr lang="en-US" altLang="en-US" dirty="0"/>
-                  <a:t> convex vertex (no collinearity)</a:t>
-                </a:r>
-              </a:p>
-              <a:p>
-                <a:pPr marL="114300" indent="0">
-                  <a:buNone/>
-                  <a:defRPr/>
-                </a:pPr>
-                <a:endParaRPr lang="en-US" altLang="en-US" dirty="0"/>
-              </a:p>
-              <a:p>
-                <a:pPr>
-                  <a:defRPr/>
-                </a:pPr>
-                <a:r>
-                  <a:rPr lang="en-US" altLang="en-US" dirty="0"/>
-                  <a:t>Every polygon of </a:t>
-                </a:r>
-                <a14:m>
-                  <m:oMath xmlns:m="http://schemas.openxmlformats.org/officeDocument/2006/math">
-                    <m:r>
-                      <a:rPr lang="en-US" altLang="en-US" i="1" dirty="0" smtClean="0">
-                        <a:latin typeface="Cambria Math"/>
-                      </a:rPr>
-                      <m:t>𝑛</m:t>
-                    </m:r>
-                    <m:r>
-                      <a:rPr lang="en-US" altLang="en-US" i="1" dirty="0" smtClean="0">
-                        <a:latin typeface="Cambria Math"/>
-                      </a:rPr>
-                      <m:t> ≥ 4 </m:t>
-                    </m:r>
-                  </m:oMath>
-                </a14:m>
-                <a:r>
-                  <a:rPr lang="en-US" altLang="en-US" dirty="0"/>
-                  <a:t>vertices has a diagonal</a:t>
-                </a:r>
-              </a:p>
-              <a:p>
-                <a:pPr>
-                  <a:defRPr/>
-                </a:pPr>
-                <a:endParaRPr lang="en-US" altLang="en-US" dirty="0"/>
-              </a:p>
-              <a:p>
-                <a:pPr>
-                  <a:defRPr/>
-                </a:pPr>
-                <a:r>
-                  <a:rPr lang="en-US" altLang="en-US" dirty="0"/>
-                  <a:t>Every n-vertex polygon P may be partitioned into triangles by adding </a:t>
-                </a:r>
-                <a14:m>
-                  <m:oMath xmlns:m="http://schemas.openxmlformats.org/officeDocument/2006/math">
-                    <m:r>
-                      <a:rPr lang="en-US" altLang="en-US" i="1" dirty="0" smtClean="0">
-                        <a:latin typeface="Cambria Math"/>
-                      </a:rPr>
-                      <m:t>(</m:t>
-                    </m:r>
-                    <m:r>
-                      <a:rPr lang="en-US" altLang="en-US" i="1" dirty="0" smtClean="0">
-                        <a:latin typeface="Cambria Math"/>
-                        <a:ea typeface="Cambria Math"/>
-                      </a:rPr>
-                      <m:t>≥</m:t>
-                    </m:r>
-                    <m:r>
-                      <a:rPr lang="en-US" altLang="en-US" i="1" dirty="0" smtClean="0">
-                        <a:latin typeface="Cambria Math"/>
-                      </a:rPr>
-                      <m:t>0) </m:t>
-                    </m:r>
-                  </m:oMath>
-                </a14:m>
-                <a:r>
-                  <a:rPr lang="en-US" altLang="en-US" dirty="0"/>
-                  <a:t>diagonals [proof by induction using diagonals]</a:t>
-                </a:r>
-              </a:p>
-            </p:txBody>
-          </p:sp>
-        </mc:Choice>
-        <mc:Fallback>
-          <p:sp>
-            <p:nvSpPr>
-              <p:cNvPr id="169987" name="Rectangle 3"/>
-              <p:cNvSpPr>
-                <a:spLocks noGrp="1" noRot="1" noChangeAspect="1" noMove="1" noResize="1" noEditPoints="1" noAdjustHandles="1" noChangeArrowheads="1" noChangeShapeType="1" noTextEdit="1"/>
-              </p:cNvSpPr>
-              <p:nvPr>
-                <p:ph sz="half" idx="1"/>
-              </p:nvPr>
-            </p:nvSpPr>
-            <p:spPr>
-              <a:xfrm>
-                <a:off x="657986" y="1205309"/>
-                <a:ext cx="7876827" cy="4824960"/>
-              </a:xfrm>
-              <a:blipFill>
-                <a:blip r:embed="rId2"/>
-                <a:stretch>
-                  <a:fillRect l="-1771" t="-525" b="-2100"/>
-                </a:stretch>
-              </a:blipFill>
-            </p:spPr>
-            <p:txBody>
-              <a:bodyPr/>
-              <a:lstStyle/>
-              <a:p>
-                <a:r>
-                  <a:rPr lang="en-US">
-                    <a:noFill/>
-                  </a:rPr>
-                  <a:t> </a:t>
-                </a:r>
-              </a:p>
-            </p:txBody>
-          </p:sp>
-        </mc:Fallback>
-      </mc:AlternateContent>
-      <p:sp>
-        <p:nvSpPr>
-          <p:cNvPr id="5" name="Content Placeholder 4">
-            <a:extLst>
-              <a:ext uri="{FF2B5EF4-FFF2-40B4-BE49-F238E27FC236}">
-                <a16:creationId xmlns:a16="http://schemas.microsoft.com/office/drawing/2014/main" id="{DE35EF7B-CBC1-3548-8825-6E2390D574FF}"/>
-              </a:ext>
-            </a:extLst>
-          </p:cNvPr>
-          <p:cNvSpPr>
-            <a:spLocks noGrp="1"/>
-          </p:cNvSpPr>
-          <p:nvPr>
-            <p:ph sz="half" idx="10"/>
-          </p:nvPr>
-        </p:nvSpPr>
-        <p:spPr/>
-        <p:txBody>
-          <a:bodyPr/>
-          <a:lstStyle/>
-          <a:p>
-            <a:endParaRPr lang="en-US"/>
-          </a:p>
-        </p:txBody>
-      </p:sp>
-      <p:sp>
-        <p:nvSpPr>
-          <p:cNvPr id="6" name="Content Placeholder 5">
-            <a:extLst>
-              <a:ext uri="{FF2B5EF4-FFF2-40B4-BE49-F238E27FC236}">
-                <a16:creationId xmlns:a16="http://schemas.microsoft.com/office/drawing/2014/main" id="{A75D8305-A375-4743-AC0C-0368FBBFF0E4}"/>
-              </a:ext>
-            </a:extLst>
-          </p:cNvPr>
-          <p:cNvSpPr>
-            <a:spLocks noGrp="1"/>
-          </p:cNvSpPr>
-          <p:nvPr>
-            <p:ph sz="half" idx="11"/>
-          </p:nvPr>
-        </p:nvSpPr>
-        <p:spPr/>
-        <p:txBody>
-          <a:bodyPr>
-            <a:normAutofit fontScale="77500" lnSpcReduction="20000"/>
-          </a:bodyPr>
-          <a:lstStyle/>
-          <a:p>
-            <a:r>
-              <a:rPr lang="en-US" altLang="en-US" sz="4000" dirty="0"/>
-              <a:t>Triangulation Theory: </a:t>
-            </a:r>
-            <a:br>
-              <a:rPr lang="en-US" altLang="en-US" sz="4000" dirty="0"/>
-            </a:br>
-            <a:r>
-              <a:rPr lang="en-US" altLang="en-US" sz="4000" dirty="0"/>
-              <a:t>Existence of a Diagonal</a:t>
-            </a:r>
-            <a:endParaRPr lang="en-US" dirty="0"/>
-          </a:p>
-        </p:txBody>
-      </p:sp>
-      <p:grpSp>
-        <p:nvGrpSpPr>
-          <p:cNvPr id="2" name="Group 1">
-            <a:extLst>
-              <a:ext uri="{FF2B5EF4-FFF2-40B4-BE49-F238E27FC236}">
-                <a16:creationId xmlns:a16="http://schemas.microsoft.com/office/drawing/2014/main" id="{02E4C13A-5347-1C41-9C95-7DA3C52857E7}"/>
-              </a:ext>
-            </a:extLst>
-          </p:cNvPr>
-          <p:cNvGrpSpPr>
-            <a:grpSpLocks noChangeAspect="1"/>
-          </p:cNvGrpSpPr>
-          <p:nvPr/>
-        </p:nvGrpSpPr>
-        <p:grpSpPr>
-          <a:xfrm>
-            <a:off x="8936381" y="989938"/>
-            <a:ext cx="2597632" cy="4690797"/>
-            <a:chOff x="8382001" y="1720850"/>
-            <a:chExt cx="1643063" cy="2967039"/>
-          </a:xfrm>
-        </p:grpSpPr>
-        <p:sp>
-          <p:nvSpPr>
-            <p:cNvPr id="170007" name="Freeform 23"/>
-            <p:cNvSpPr>
-              <a:spLocks/>
-            </p:cNvSpPr>
-            <p:nvPr/>
-          </p:nvSpPr>
-          <p:spPr bwMode="auto">
-            <a:xfrm>
-              <a:off x="8447088" y="3249613"/>
-              <a:ext cx="1358900" cy="1416050"/>
-            </a:xfrm>
-            <a:custGeom>
-              <a:avLst/>
-              <a:gdLst>
-                <a:gd name="T0" fmla="*/ 856 w 856"/>
-                <a:gd name="T1" fmla="*/ 892 h 892"/>
-                <a:gd name="T2" fmla="*/ 455 w 856"/>
-                <a:gd name="T3" fmla="*/ 396 h 892"/>
-                <a:gd name="T4" fmla="*/ 345 w 856"/>
-                <a:gd name="T5" fmla="*/ 851 h 892"/>
-                <a:gd name="T6" fmla="*/ 17 w 856"/>
-                <a:gd name="T7" fmla="*/ 466 h 892"/>
-                <a:gd name="T8" fmla="*/ 0 w 856"/>
-                <a:gd name="T9" fmla="*/ 115 h 892"/>
-                <a:gd name="T10" fmla="*/ 169 w 856"/>
-                <a:gd name="T11" fmla="*/ 214 h 892"/>
-                <a:gd name="T12" fmla="*/ 491 w 856"/>
-                <a:gd name="T13" fmla="*/ 0 h 892"/>
-                <a:gd name="T14" fmla="*/ 636 w 856"/>
-                <a:gd name="T15" fmla="*/ 460 h 892"/>
-                <a:gd name="T16" fmla="*/ 714 w 856"/>
-                <a:gd name="T17" fmla="*/ 149 h 892"/>
-                <a:gd name="T18" fmla="*/ 856 w 856"/>
-                <a:gd name="T19" fmla="*/ 892 h 892"/>
-              </a:gdLst>
-              <a:ahLst/>
-              <a:cxnLst>
-                <a:cxn ang="0">
-                  <a:pos x="T0" y="T1"/>
-                </a:cxn>
-                <a:cxn ang="0">
-                  <a:pos x="T2" y="T3"/>
-                </a:cxn>
-                <a:cxn ang="0">
-                  <a:pos x="T4" y="T5"/>
-                </a:cxn>
-                <a:cxn ang="0">
-                  <a:pos x="T6" y="T7"/>
-                </a:cxn>
-                <a:cxn ang="0">
-                  <a:pos x="T8" y="T9"/>
-                </a:cxn>
-                <a:cxn ang="0">
-                  <a:pos x="T10" y="T11"/>
-                </a:cxn>
-                <a:cxn ang="0">
-                  <a:pos x="T12" y="T13"/>
-                </a:cxn>
-                <a:cxn ang="0">
-                  <a:pos x="T14" y="T15"/>
-                </a:cxn>
-                <a:cxn ang="0">
-                  <a:pos x="T16" y="T17"/>
-                </a:cxn>
-                <a:cxn ang="0">
-                  <a:pos x="T18" y="T19"/>
-                </a:cxn>
-              </a:cxnLst>
-              <a:rect l="0" t="0" r="r" b="b"/>
-              <a:pathLst>
-                <a:path w="856" h="892">
-                  <a:moveTo>
-                    <a:pt x="856" y="892"/>
-                  </a:moveTo>
-                  <a:lnTo>
-                    <a:pt x="455" y="396"/>
-                  </a:lnTo>
-                  <a:lnTo>
-                    <a:pt x="345" y="851"/>
-                  </a:lnTo>
-                  <a:lnTo>
-                    <a:pt x="17" y="466"/>
-                  </a:lnTo>
-                  <a:lnTo>
-                    <a:pt x="0" y="115"/>
-                  </a:lnTo>
-                  <a:lnTo>
-                    <a:pt x="169" y="214"/>
-                  </a:lnTo>
-                  <a:lnTo>
-                    <a:pt x="491" y="0"/>
-                  </a:lnTo>
-                  <a:lnTo>
-                    <a:pt x="636" y="460"/>
-                  </a:lnTo>
-                  <a:lnTo>
-                    <a:pt x="714" y="149"/>
-                  </a:lnTo>
-                  <a:lnTo>
-                    <a:pt x="856" y="892"/>
-                  </a:lnTo>
-                  <a:close/>
-                </a:path>
-              </a:pathLst>
-            </a:custGeom>
-            <a:solidFill>
-              <a:srgbClr val="00CC00"/>
-            </a:solidFill>
-            <a:ln w="12700" cap="flat" cmpd="sng">
-              <a:solidFill>
-                <a:schemeClr val="bg2"/>
-              </a:solidFill>
-              <a:prstDash val="solid"/>
-              <a:round/>
-              <a:headEnd type="none" w="sm" len="sm"/>
-              <a:tailEnd type="none" w="sm" len="sm"/>
-            </a:ln>
-            <a:effectLst/>
-            <a:extLst>
-              <a:ext uri="{AF507438-7753-43E0-B8FC-AC1667EBCBE1}">
-                <a14:hiddenEffects xmlns:a14="http://schemas.microsoft.com/office/drawing/2010/main">
-                  <a:effectLst>
-                    <a:outerShdw dist="35921" dir="2700000" algn="ctr" rotWithShape="0">
-                      <a:schemeClr val="bg2"/>
-                    </a:outerShdw>
-                  </a:effectLst>
-                </a14:hiddenEffects>
-              </a:ext>
-            </a:extLst>
-          </p:spPr>
-          <p:txBody>
-            <a:bodyPr wrap="none" anchor="ctr"/>
-            <a:lstStyle/>
-            <a:p>
-              <a:pPr>
-                <a:defRPr/>
-              </a:pPr>
-              <a:endParaRPr lang="en-US">
-                <a:effectLst>
-                  <a:outerShdw blurRad="38100" dist="38100" dir="2700000" algn="tl">
-                    <a:srgbClr val="000000">
-                      <a:alpha val="43137"/>
-                    </a:srgbClr>
-                  </a:outerShdw>
-                </a:effectLst>
-                <a:latin typeface="Arial" panose="020B0604020202020204" pitchFamily="34" charset="0"/>
-              </a:endParaRPr>
-            </a:p>
-          </p:txBody>
-        </p:sp>
-        <p:grpSp>
-          <p:nvGrpSpPr>
-            <p:cNvPr id="43013" name="Group 29"/>
-            <p:cNvGrpSpPr>
-              <a:grpSpLocks/>
-            </p:cNvGrpSpPr>
-            <p:nvPr/>
-          </p:nvGrpSpPr>
-          <p:grpSpPr bwMode="auto">
-            <a:xfrm>
-              <a:off x="8382001" y="1720850"/>
-              <a:ext cx="1579563" cy="1416050"/>
-              <a:chOff x="4376" y="1084"/>
-              <a:chExt cx="995" cy="892"/>
-            </a:xfrm>
-          </p:grpSpPr>
-          <p:sp>
-            <p:nvSpPr>
-              <p:cNvPr id="169989" name="Freeform 5"/>
-              <p:cNvSpPr>
-                <a:spLocks/>
-              </p:cNvSpPr>
-              <p:nvPr/>
-            </p:nvSpPr>
-            <p:spPr bwMode="auto">
-              <a:xfrm>
-                <a:off x="4376" y="1084"/>
-                <a:ext cx="856" cy="892"/>
-              </a:xfrm>
-              <a:custGeom>
-                <a:avLst/>
-                <a:gdLst>
-                  <a:gd name="T0" fmla="*/ 856 w 856"/>
-                  <a:gd name="T1" fmla="*/ 892 h 892"/>
-                  <a:gd name="T2" fmla="*/ 455 w 856"/>
-                  <a:gd name="T3" fmla="*/ 396 h 892"/>
-                  <a:gd name="T4" fmla="*/ 345 w 856"/>
-                  <a:gd name="T5" fmla="*/ 851 h 892"/>
-                  <a:gd name="T6" fmla="*/ 17 w 856"/>
-                  <a:gd name="T7" fmla="*/ 466 h 892"/>
-                  <a:gd name="T8" fmla="*/ 0 w 856"/>
-                  <a:gd name="T9" fmla="*/ 115 h 892"/>
-                  <a:gd name="T10" fmla="*/ 169 w 856"/>
-                  <a:gd name="T11" fmla="*/ 214 h 892"/>
-                  <a:gd name="T12" fmla="*/ 491 w 856"/>
-                  <a:gd name="T13" fmla="*/ 0 h 892"/>
-                  <a:gd name="T14" fmla="*/ 636 w 856"/>
-                  <a:gd name="T15" fmla="*/ 460 h 892"/>
-                  <a:gd name="T16" fmla="*/ 714 w 856"/>
-                  <a:gd name="T17" fmla="*/ 149 h 892"/>
-                  <a:gd name="T18" fmla="*/ 856 w 856"/>
-                  <a:gd name="T19" fmla="*/ 892 h 892"/>
-                </a:gdLst>
-                <a:ahLst/>
-                <a:cxnLst>
-                  <a:cxn ang="0">
-                    <a:pos x="T0" y="T1"/>
-                  </a:cxn>
-                  <a:cxn ang="0">
-                    <a:pos x="T2" y="T3"/>
-                  </a:cxn>
-                  <a:cxn ang="0">
-                    <a:pos x="T4" y="T5"/>
-                  </a:cxn>
-                  <a:cxn ang="0">
-                    <a:pos x="T6" y="T7"/>
-                  </a:cxn>
-                  <a:cxn ang="0">
-                    <a:pos x="T8" y="T9"/>
-                  </a:cxn>
-                  <a:cxn ang="0">
-                    <a:pos x="T10" y="T11"/>
-                  </a:cxn>
-                  <a:cxn ang="0">
-                    <a:pos x="T12" y="T13"/>
-                  </a:cxn>
-                  <a:cxn ang="0">
-                    <a:pos x="T14" y="T15"/>
-                  </a:cxn>
-                  <a:cxn ang="0">
-                    <a:pos x="T16" y="T17"/>
-                  </a:cxn>
-                  <a:cxn ang="0">
-                    <a:pos x="T18" y="T19"/>
-                  </a:cxn>
-                </a:cxnLst>
-                <a:rect l="0" t="0" r="r" b="b"/>
-                <a:pathLst>
-                  <a:path w="856" h="892">
-                    <a:moveTo>
-                      <a:pt x="856" y="892"/>
-                    </a:moveTo>
-                    <a:lnTo>
-                      <a:pt x="455" y="396"/>
-                    </a:lnTo>
-                    <a:lnTo>
-                      <a:pt x="345" y="851"/>
-                    </a:lnTo>
-                    <a:lnTo>
-                      <a:pt x="17" y="466"/>
-                    </a:lnTo>
-                    <a:lnTo>
-                      <a:pt x="0" y="115"/>
-                    </a:lnTo>
-                    <a:lnTo>
-                      <a:pt x="169" y="214"/>
-                    </a:lnTo>
-                    <a:lnTo>
-                      <a:pt x="491" y="0"/>
-                    </a:lnTo>
-                    <a:lnTo>
-                      <a:pt x="636" y="460"/>
-                    </a:lnTo>
-                    <a:lnTo>
-                      <a:pt x="714" y="149"/>
-                    </a:lnTo>
-                    <a:lnTo>
-                      <a:pt x="856" y="892"/>
-                    </a:lnTo>
-                    <a:close/>
-                  </a:path>
-                </a:pathLst>
-              </a:custGeom>
-              <a:solidFill>
-                <a:srgbClr val="00CC00"/>
-              </a:solidFill>
-              <a:ln w="12700" cap="flat" cmpd="sng">
-                <a:solidFill>
-                  <a:schemeClr val="bg2"/>
-                </a:solidFill>
-                <a:prstDash val="solid"/>
-                <a:round/>
-                <a:headEnd type="none" w="sm" len="sm"/>
-                <a:tailEnd type="none" w="sm" len="sm"/>
-              </a:ln>
-              <a:effectLst/>
-              <a:extLst>
-                <a:ext uri="{AF507438-7753-43E0-B8FC-AC1667EBCBE1}">
-                  <a14:hiddenEffects xmlns:a14="http://schemas.microsoft.com/office/drawing/2010/main">
-                    <a:effectLst>
-                      <a:outerShdw dist="35921" dir="2700000" algn="ctr" rotWithShape="0">
-                        <a:schemeClr val="bg2"/>
-                      </a:outerShdw>
-                    </a:effectLst>
-                  </a14:hiddenEffects>
-                </a:ext>
-              </a:extLst>
-            </p:spPr>
-            <p:txBody>
-              <a:bodyPr wrap="none" anchor="ctr"/>
-              <a:lstStyle/>
-              <a:p>
-                <a:pPr>
-                  <a:defRPr/>
-                </a:pPr>
-                <a:endParaRPr lang="en-US">
-                  <a:effectLst>
-                    <a:outerShdw blurRad="38100" dist="38100" dir="2700000" algn="tl">
-                      <a:srgbClr val="000000">
-                        <a:alpha val="43137"/>
-                      </a:srgbClr>
-                    </a:outerShdw>
-                  </a:effectLst>
-                  <a:latin typeface="Arial" panose="020B0604020202020204" pitchFamily="34" charset="0"/>
-                </a:endParaRPr>
-              </a:p>
-            </p:txBody>
-          </p:sp>
-          <p:sp>
-            <p:nvSpPr>
-              <p:cNvPr id="169996" name="Line 12"/>
-              <p:cNvSpPr>
-                <a:spLocks noChangeShapeType="1"/>
-              </p:cNvSpPr>
-              <p:nvPr/>
-            </p:nvSpPr>
-            <p:spPr bwMode="auto">
-              <a:xfrm>
-                <a:off x="4845" y="1922"/>
-                <a:ext cx="526" cy="0"/>
-              </a:xfrm>
-              <a:prstGeom prst="line">
-                <a:avLst/>
-              </a:prstGeom>
-              <a:noFill/>
-              <a:ln w="25400">
-                <a:solidFill>
-                  <a:schemeClr val="tx1"/>
-                </a:solidFill>
-                <a:round/>
-                <a:headEnd type="none" w="sm" len="sm"/>
-                <a:tailEnd type="none" w="sm" len="sm"/>
-              </a:ln>
-              <a:effectLst/>
-              <a:extLst>
-                <a:ext uri="{909E8E84-426E-40DD-AFC4-6F175D3DCCD1}">
-                  <a14:hiddenFill xmlns:a14="http://schemas.microsoft.com/office/drawing/2010/main">
-                    <a:noFill/>
-                  </a14:hiddenFill>
-                </a:ext>
-                <a:ext uri="{AF507438-7753-43E0-B8FC-AC1667EBCBE1}">
-                  <a14:hiddenEffects xmlns:a14="http://schemas.microsoft.com/office/drawing/2010/main">
-                    <a:effectLst>
-                      <a:outerShdw dist="35921" dir="2700000" algn="ctr" rotWithShape="0">
-                        <a:schemeClr val="bg2"/>
-                      </a:outerShdw>
-                    </a:effectLst>
-                  </a14:hiddenEffects>
-                </a:ext>
-              </a:extLst>
-            </p:spPr>
-            <p:txBody>
-              <a:bodyPr wrap="none" anchor="ctr"/>
-              <a:lstStyle/>
-              <a:p>
-                <a:pPr>
-                  <a:defRPr/>
-                </a:pPr>
-                <a:endParaRPr lang="en-US">
-                  <a:effectLst>
-                    <a:outerShdw blurRad="38100" dist="38100" dir="2700000" algn="tl">
-                      <a:srgbClr val="000000">
-                        <a:alpha val="43137"/>
-                      </a:srgbClr>
-                    </a:outerShdw>
-                  </a:effectLst>
-                  <a:latin typeface="Arial" panose="020B0604020202020204" pitchFamily="34" charset="0"/>
-                </a:endParaRPr>
-              </a:p>
-            </p:txBody>
-          </p:sp>
-          <p:sp>
-            <p:nvSpPr>
-              <p:cNvPr id="169997" name="Oval 13"/>
-              <p:cNvSpPr>
-                <a:spLocks noChangeArrowheads="1"/>
-              </p:cNvSpPr>
-              <p:nvPr/>
-            </p:nvSpPr>
-            <p:spPr bwMode="auto">
-              <a:xfrm>
-                <a:off x="5179" y="1879"/>
-                <a:ext cx="71" cy="79"/>
-              </a:xfrm>
-              <a:prstGeom prst="ellipse">
-                <a:avLst/>
-              </a:prstGeom>
-              <a:solidFill>
-                <a:schemeClr val="bg2"/>
-              </a:solidFill>
-              <a:ln w="12700">
-                <a:solidFill>
-                  <a:schemeClr val="tx1"/>
-                </a:solidFill>
-                <a:round/>
-                <a:headEnd type="none" w="sm" len="sm"/>
-                <a:tailEnd type="none" w="sm" len="sm"/>
-              </a:ln>
-              <a:effectLst/>
-              <a:extLst>
-                <a:ext uri="{AF507438-7753-43E0-B8FC-AC1667EBCBE1}">
-                  <a14:hiddenEffects xmlns:a14="http://schemas.microsoft.com/office/drawing/2010/main">
-                    <a:effectLst>
-                      <a:outerShdw dist="35921" dir="2700000" algn="ctr" rotWithShape="0">
-                        <a:schemeClr val="bg2"/>
-                      </a:outerShdw>
-                    </a:effectLst>
-                  </a14:hiddenEffects>
-                </a:ext>
-              </a:extLst>
-            </p:spPr>
-            <p:txBody>
-              <a:bodyPr wrap="none" anchor="ctr"/>
-              <a:lstStyle/>
-              <a:p>
-                <a:pPr>
-                  <a:defRPr/>
-                </a:pPr>
-                <a:endParaRPr lang="en-US">
-                  <a:effectLst>
-                    <a:outerShdw blurRad="38100" dist="38100" dir="2700000" algn="tl">
-                      <a:srgbClr val="000000">
-                        <a:alpha val="43137"/>
-                      </a:srgbClr>
-                    </a:outerShdw>
-                  </a:effectLst>
-                  <a:latin typeface="Arial" panose="020B0604020202020204" pitchFamily="34" charset="0"/>
-                </a:endParaRPr>
-              </a:p>
-            </p:txBody>
-          </p:sp>
-        </p:grpSp>
-        <p:grpSp>
-          <p:nvGrpSpPr>
-            <p:cNvPr id="43014" name="Group 28"/>
-            <p:cNvGrpSpPr>
-              <a:grpSpLocks/>
-            </p:cNvGrpSpPr>
-            <p:nvPr/>
-          </p:nvGrpSpPr>
-          <p:grpSpPr bwMode="auto">
-            <a:xfrm>
-              <a:off x="9190039" y="4562476"/>
-              <a:ext cx="835025" cy="125413"/>
-              <a:chOff x="4829" y="2874"/>
-              <a:chExt cx="526" cy="79"/>
-            </a:xfrm>
-          </p:grpSpPr>
-          <p:sp>
-            <p:nvSpPr>
-              <p:cNvPr id="170001" name="Line 17"/>
-              <p:cNvSpPr>
-                <a:spLocks noChangeShapeType="1"/>
-              </p:cNvSpPr>
-              <p:nvPr/>
-            </p:nvSpPr>
-            <p:spPr bwMode="auto">
-              <a:xfrm>
-                <a:off x="4829" y="2917"/>
-                <a:ext cx="526" cy="0"/>
-              </a:xfrm>
-              <a:prstGeom prst="line">
-                <a:avLst/>
-              </a:prstGeom>
-              <a:noFill/>
-              <a:ln w="25400">
-                <a:solidFill>
-                  <a:schemeClr val="tx1"/>
-                </a:solidFill>
-                <a:round/>
-                <a:headEnd type="none" w="sm" len="sm"/>
-                <a:tailEnd type="none" w="sm" len="sm"/>
-              </a:ln>
-              <a:effectLst/>
-              <a:extLst>
-                <a:ext uri="{909E8E84-426E-40DD-AFC4-6F175D3DCCD1}">
-                  <a14:hiddenFill xmlns:a14="http://schemas.microsoft.com/office/drawing/2010/main">
-                    <a:noFill/>
-                  </a14:hiddenFill>
-                </a:ext>
-                <a:ext uri="{AF507438-7753-43E0-B8FC-AC1667EBCBE1}">
-                  <a14:hiddenEffects xmlns:a14="http://schemas.microsoft.com/office/drawing/2010/main">
-                    <a:effectLst>
-                      <a:outerShdw dist="35921" dir="2700000" algn="ctr" rotWithShape="0">
-                        <a:schemeClr val="bg2"/>
-                      </a:outerShdw>
-                    </a:effectLst>
-                  </a14:hiddenEffects>
-                </a:ext>
-              </a:extLst>
-            </p:spPr>
-            <p:txBody>
-              <a:bodyPr wrap="none" anchor="ctr"/>
-              <a:lstStyle/>
-              <a:p>
-                <a:pPr>
-                  <a:defRPr/>
-                </a:pPr>
-                <a:endParaRPr lang="en-US">
-                  <a:effectLst>
-                    <a:outerShdw blurRad="38100" dist="38100" dir="2700000" algn="tl">
-                      <a:srgbClr val="000000">
-                        <a:alpha val="43137"/>
-                      </a:srgbClr>
-                    </a:outerShdw>
-                  </a:effectLst>
-                  <a:latin typeface="Arial" panose="020B0604020202020204" pitchFamily="34" charset="0"/>
-                </a:endParaRPr>
-              </a:p>
-            </p:txBody>
-          </p:sp>
-          <p:sp>
-            <p:nvSpPr>
-              <p:cNvPr id="170002" name="Oval 18"/>
-              <p:cNvSpPr>
-                <a:spLocks noChangeArrowheads="1"/>
-              </p:cNvSpPr>
-              <p:nvPr/>
-            </p:nvSpPr>
-            <p:spPr bwMode="auto">
-              <a:xfrm>
-                <a:off x="5163" y="2874"/>
-                <a:ext cx="71" cy="79"/>
-              </a:xfrm>
-              <a:prstGeom prst="ellipse">
-                <a:avLst/>
-              </a:prstGeom>
-              <a:solidFill>
-                <a:schemeClr val="bg2"/>
-              </a:solidFill>
-              <a:ln w="12700">
-                <a:solidFill>
-                  <a:schemeClr val="tx1"/>
-                </a:solidFill>
-                <a:round/>
-                <a:headEnd type="none" w="sm" len="sm"/>
-                <a:tailEnd type="none" w="sm" len="sm"/>
-              </a:ln>
-              <a:effectLst/>
-              <a:extLst>
-                <a:ext uri="{AF507438-7753-43E0-B8FC-AC1667EBCBE1}">
-                  <a14:hiddenEffects xmlns:a14="http://schemas.microsoft.com/office/drawing/2010/main">
-                    <a:effectLst>
-                      <a:outerShdw dist="35921" dir="2700000" algn="ctr" rotWithShape="0">
-                        <a:schemeClr val="bg2"/>
-                      </a:outerShdw>
-                    </a:effectLst>
-                  </a14:hiddenEffects>
-                </a:ext>
-              </a:extLst>
-            </p:spPr>
-            <p:txBody>
-              <a:bodyPr wrap="none" anchor="ctr"/>
-              <a:lstStyle/>
-              <a:p>
-                <a:pPr>
-                  <a:defRPr/>
-                </a:pPr>
-                <a:endParaRPr lang="en-US">
-                  <a:effectLst>
-                    <a:outerShdw blurRad="38100" dist="38100" dir="2700000" algn="tl">
-                      <a:srgbClr val="000000">
-                        <a:alpha val="43137"/>
-                      </a:srgbClr>
-                    </a:outerShdw>
-                  </a:effectLst>
-                  <a:latin typeface="Arial" panose="020B0604020202020204" pitchFamily="34" charset="0"/>
-                </a:endParaRPr>
-              </a:p>
-            </p:txBody>
-          </p:sp>
-        </p:grpSp>
-        <p:sp>
-          <p:nvSpPr>
-            <p:cNvPr id="170003" name="Oval 19"/>
-            <p:cNvSpPr>
-              <a:spLocks noChangeArrowheads="1"/>
-            </p:cNvSpPr>
-            <p:nvPr/>
-          </p:nvSpPr>
-          <p:spPr bwMode="auto">
-            <a:xfrm>
-              <a:off x="9537701" y="3533776"/>
-              <a:ext cx="112713" cy="125413"/>
-            </a:xfrm>
-            <a:prstGeom prst="ellipse">
-              <a:avLst/>
-            </a:prstGeom>
-            <a:solidFill>
-              <a:schemeClr val="bg2"/>
-            </a:solidFill>
-            <a:ln w="12700">
-              <a:solidFill>
-                <a:schemeClr val="tx1"/>
-              </a:solidFill>
-              <a:round/>
-              <a:headEnd type="none" w="sm" len="sm"/>
-              <a:tailEnd type="none" w="sm" len="sm"/>
-            </a:ln>
-            <a:effectLst/>
-            <a:extLst>
-              <a:ext uri="{AF507438-7753-43E0-B8FC-AC1667EBCBE1}">
-                <a14:hiddenEffects xmlns:a14="http://schemas.microsoft.com/office/drawing/2010/main">
-                  <a:effectLst>
-                    <a:outerShdw dist="35921" dir="2700000" algn="ctr" rotWithShape="0">
-                      <a:schemeClr val="bg2"/>
-                    </a:outerShdw>
-                  </a:effectLst>
-                </a14:hiddenEffects>
-              </a:ext>
-            </a:extLst>
-          </p:spPr>
-          <p:txBody>
-            <a:bodyPr wrap="none" anchor="ctr"/>
-            <a:lstStyle/>
-            <a:p>
-              <a:pPr>
-                <a:defRPr/>
-              </a:pPr>
-              <a:endParaRPr lang="en-US">
-                <a:effectLst>
-                  <a:outerShdw blurRad="38100" dist="38100" dir="2700000" algn="tl">
-                    <a:srgbClr val="000000">
-                      <a:alpha val="43137"/>
-                    </a:srgbClr>
-                  </a:outerShdw>
-                </a:effectLst>
-                <a:latin typeface="Arial" panose="020B0604020202020204" pitchFamily="34" charset="0"/>
-              </a:endParaRPr>
-            </a:p>
-          </p:txBody>
-        </p:sp>
-        <p:sp>
-          <p:nvSpPr>
-            <p:cNvPr id="170004" name="Oval 20"/>
-            <p:cNvSpPr>
-              <a:spLocks noChangeArrowheads="1"/>
-            </p:cNvSpPr>
-            <p:nvPr/>
-          </p:nvSpPr>
-          <p:spPr bwMode="auto">
-            <a:xfrm>
-              <a:off x="9113838" y="3886201"/>
-              <a:ext cx="112712" cy="125413"/>
-            </a:xfrm>
-            <a:prstGeom prst="ellipse">
-              <a:avLst/>
-            </a:prstGeom>
-            <a:solidFill>
-              <a:schemeClr val="bg2"/>
-            </a:solidFill>
-            <a:ln w="12700">
-              <a:solidFill>
-                <a:schemeClr val="tx1"/>
-              </a:solidFill>
-              <a:round/>
-              <a:headEnd type="none" w="sm" len="sm"/>
-              <a:tailEnd type="none" w="sm" len="sm"/>
-            </a:ln>
-            <a:effectLst/>
-            <a:extLst>
-              <a:ext uri="{AF507438-7753-43E0-B8FC-AC1667EBCBE1}">
-                <a14:hiddenEffects xmlns:a14="http://schemas.microsoft.com/office/drawing/2010/main">
-                  <a:effectLst>
-                    <a:outerShdw dist="35921" dir="2700000" algn="ctr" rotWithShape="0">
-                      <a:schemeClr val="bg2"/>
-                    </a:outerShdw>
-                  </a:effectLst>
-                </a14:hiddenEffects>
-              </a:ext>
-            </a:extLst>
-          </p:spPr>
-          <p:txBody>
-            <a:bodyPr wrap="none" anchor="ctr"/>
-            <a:lstStyle/>
-            <a:p>
-              <a:pPr>
-                <a:defRPr/>
-              </a:pPr>
-              <a:endParaRPr lang="en-US">
-                <a:effectLst>
-                  <a:outerShdw blurRad="38100" dist="38100" dir="2700000" algn="tl">
-                    <a:srgbClr val="000000">
-                      <a:alpha val="43137"/>
-                    </a:srgbClr>
-                  </a:outerShdw>
-                </a:effectLst>
-                <a:latin typeface="Arial" panose="020B0604020202020204" pitchFamily="34" charset="0"/>
-              </a:endParaRPr>
-            </a:p>
-          </p:txBody>
-        </p:sp>
-        <p:sp>
-          <p:nvSpPr>
-            <p:cNvPr id="170009" name="Line 25"/>
-            <p:cNvSpPr>
-              <a:spLocks noChangeShapeType="1"/>
-            </p:cNvSpPr>
-            <p:nvPr/>
-          </p:nvSpPr>
-          <p:spPr bwMode="auto">
-            <a:xfrm flipH="1">
-              <a:off x="9163051" y="3562351"/>
-              <a:ext cx="422275" cy="371475"/>
-            </a:xfrm>
-            <a:prstGeom prst="line">
-              <a:avLst/>
-            </a:prstGeom>
-            <a:noFill/>
-            <a:ln w="12700">
-              <a:solidFill>
-                <a:schemeClr val="tx1"/>
-              </a:solidFill>
-              <a:round/>
-              <a:headEnd type="none" w="sm" len="sm"/>
-              <a:tailEnd type="none" w="sm" len="sm"/>
-            </a:ln>
-            <a:effectLst/>
-            <a:extLst>
-              <a:ext uri="{909E8E84-426E-40DD-AFC4-6F175D3DCCD1}">
-                <a14:hiddenFill xmlns:a14="http://schemas.microsoft.com/office/drawing/2010/main">
-                  <a:noFill/>
-                </a14:hiddenFill>
-              </a:ext>
-              <a:ext uri="{AF507438-7753-43E0-B8FC-AC1667EBCBE1}">
-                <a14:hiddenEffects xmlns:a14="http://schemas.microsoft.com/office/drawing/2010/main">
-                  <a:effectLst>
-                    <a:outerShdw dist="35921" dir="2700000" algn="ctr" rotWithShape="0">
-                      <a:schemeClr val="bg2"/>
-                    </a:outerShdw>
-                  </a:effectLst>
-                </a14:hiddenEffects>
-              </a:ext>
-            </a:extLst>
-          </p:spPr>
-          <p:txBody>
-            <a:bodyPr wrap="none" anchor="ctr"/>
-            <a:lstStyle/>
-            <a:p>
-              <a:pPr>
-                <a:defRPr/>
-              </a:pPr>
-              <a:endParaRPr lang="en-US">
-                <a:effectLst>
-                  <a:outerShdw blurRad="38100" dist="38100" dir="2700000" algn="tl">
-                    <a:srgbClr val="000000">
-                      <a:alpha val="43137"/>
-                    </a:srgbClr>
-                  </a:outerShdw>
-                </a:effectLst>
-                <a:latin typeface="Arial" panose="020B0604020202020204" pitchFamily="34" charset="0"/>
-              </a:endParaRPr>
-            </a:p>
-          </p:txBody>
-        </p:sp>
-        <p:sp>
-          <p:nvSpPr>
-            <p:cNvPr id="170010" name="Oval 26"/>
-            <p:cNvSpPr>
-              <a:spLocks noChangeArrowheads="1"/>
-            </p:cNvSpPr>
-            <p:nvPr/>
-          </p:nvSpPr>
-          <p:spPr bwMode="auto">
-            <a:xfrm>
-              <a:off x="9396413" y="3886201"/>
-              <a:ext cx="112712" cy="125413"/>
-            </a:xfrm>
-            <a:prstGeom prst="ellipse">
-              <a:avLst/>
-            </a:prstGeom>
-            <a:solidFill>
-              <a:schemeClr val="bg2"/>
-            </a:solidFill>
-            <a:ln w="12700">
-              <a:solidFill>
-                <a:schemeClr val="tx1"/>
-              </a:solidFill>
-              <a:round/>
-              <a:headEnd type="none" w="sm" len="sm"/>
-              <a:tailEnd type="none" w="sm" len="sm"/>
-            </a:ln>
-            <a:effectLst/>
-            <a:extLst>
-              <a:ext uri="{AF507438-7753-43E0-B8FC-AC1667EBCBE1}">
-                <a14:hiddenEffects xmlns:a14="http://schemas.microsoft.com/office/drawing/2010/main">
-                  <a:effectLst>
-                    <a:outerShdw dist="35921" dir="2700000" algn="ctr" rotWithShape="0">
-                      <a:schemeClr val="bg2"/>
-                    </a:outerShdw>
-                  </a:effectLst>
-                </a14:hiddenEffects>
-              </a:ext>
-            </a:extLst>
-          </p:spPr>
-          <p:txBody>
-            <a:bodyPr wrap="none" anchor="ctr"/>
-            <a:lstStyle/>
-            <a:p>
-              <a:pPr>
-                <a:defRPr/>
-              </a:pPr>
-              <a:endParaRPr lang="en-US">
-                <a:effectLst>
-                  <a:outerShdw blurRad="38100" dist="38100" dir="2700000" algn="tl">
-                    <a:srgbClr val="000000">
-                      <a:alpha val="43137"/>
-                    </a:srgbClr>
-                  </a:outerShdw>
-                </a:effectLst>
-                <a:latin typeface="Arial" panose="020B0604020202020204" pitchFamily="34" charset="0"/>
-              </a:endParaRPr>
-            </a:p>
-          </p:txBody>
-        </p:sp>
-        <p:sp>
-          <p:nvSpPr>
-            <p:cNvPr id="170011" name="Line 27"/>
-            <p:cNvSpPr>
-              <a:spLocks noChangeShapeType="1"/>
-            </p:cNvSpPr>
-            <p:nvPr/>
-          </p:nvSpPr>
-          <p:spPr bwMode="auto">
-            <a:xfrm>
-              <a:off x="9445625" y="3951289"/>
-              <a:ext cx="317500" cy="669925"/>
-            </a:xfrm>
-            <a:prstGeom prst="line">
-              <a:avLst/>
-            </a:prstGeom>
-            <a:noFill/>
-            <a:ln w="22225">
-              <a:solidFill>
-                <a:schemeClr val="tx1"/>
-              </a:solidFill>
-              <a:prstDash val="sysDot"/>
-              <a:round/>
-              <a:headEnd type="none" w="sm" len="sm"/>
-              <a:tailEnd type="none" w="sm" len="sm"/>
-            </a:ln>
-            <a:effectLst/>
-            <a:extLst>
-              <a:ext uri="{909E8E84-426E-40DD-AFC4-6F175D3DCCD1}">
-                <a14:hiddenFill xmlns:a14="http://schemas.microsoft.com/office/drawing/2010/main">
-                  <a:noFill/>
-                </a14:hiddenFill>
-              </a:ext>
-              <a:ext uri="{AF507438-7753-43E0-B8FC-AC1667EBCBE1}">
-                <a14:hiddenEffects xmlns:a14="http://schemas.microsoft.com/office/drawing/2010/main">
-                  <a:effectLst>
-                    <a:outerShdw dist="35921" dir="2700000" algn="ctr" rotWithShape="0">
-                      <a:schemeClr val="bg2"/>
-                    </a:outerShdw>
-                  </a:effectLst>
-                </a14:hiddenEffects>
-              </a:ext>
-            </a:extLst>
-          </p:spPr>
-          <p:txBody>
-            <a:bodyPr wrap="none" anchor="ctr"/>
-            <a:lstStyle/>
-            <a:p>
-              <a:pPr>
-                <a:defRPr/>
-              </a:pPr>
-              <a:endParaRPr lang="en-US">
-                <a:effectLst>
-                  <a:outerShdw blurRad="38100" dist="38100" dir="2700000" algn="tl">
-                    <a:srgbClr val="000000">
-                      <a:alpha val="43137"/>
-                    </a:srgbClr>
-                  </a:outerShdw>
-                </a:effectLst>
-                <a:latin typeface="Arial" panose="020B0604020202020204" pitchFamily="34" charset="0"/>
-              </a:endParaRPr>
-            </a:p>
-          </p:txBody>
-        </p:sp>
-      </p:grpSp>
-    </p:spTree>
-    <p:extLst>
-      <p:ext uri="{BB962C8B-B14F-4D97-AF65-F5344CB8AC3E}">
-        <p14:creationId xmlns:p14="http://schemas.microsoft.com/office/powerpoint/2010/main" val="2088976544"/>
-      </p:ext>
-    </p:extLst>
-  </p:cSld>
-  <p:clrMapOvr>
-    <a:masterClrMapping/>
-  </p:clrMapOvr>
-</p:sld>
-</file>
-
-<file path=ppt/slides/slide19.xml><?xml version="1.0" encoding="utf-8"?>
-<p:sld xmlns:a="http://schemas.openxmlformats.org/drawingml/2006/main" xmlns:r="http://schemas.openxmlformats.org/officeDocument/2006/relationships" xmlns:p="http://schemas.openxmlformats.org/presentationml/2006/main">
-  <p:cSld>
-    <p:spTree>
-      <p:nvGrpSpPr>
-        <p:cNvPr id="1" name=""/>
-        <p:cNvGrpSpPr/>
-        <p:nvPr/>
-      </p:nvGrpSpPr>
-      <p:grpSpPr>
-        <a:xfrm>
-          <a:off x="0" y="0"/>
-          <a:ext cx="0" cy="0"/>
-          <a:chOff x="0" y="0"/>
-          <a:chExt cx="0" cy="0"/>
-        </a:xfrm>
-      </p:grpSpPr>
-      <p:sp>
-        <p:nvSpPr>
-          <p:cNvPr id="37891" name="Rectangle 3"/>
-          <p:cNvSpPr>
-            <a:spLocks noGrp="1" noChangeArrowheads="1"/>
-          </p:cNvSpPr>
-          <p:nvPr>
-            <p:ph sz="half" idx="1"/>
-          </p:nvPr>
-        </p:nvSpPr>
-        <p:spPr>
-          <a:xfrm>
-            <a:off x="657986" y="1205309"/>
-            <a:ext cx="10876027" cy="4824960"/>
-          </a:xfrm>
-        </p:spPr>
-        <p:txBody>
-          <a:bodyPr>
-            <a:normAutofit fontScale="92500" lnSpcReduction="20000"/>
-          </a:bodyPr>
-          <a:lstStyle/>
-          <a:p>
-            <a:r>
-              <a:rPr lang="en-US" dirty="0"/>
-              <a:t>Lemma: Every polygon must have at least one strictly </a:t>
-            </a:r>
-            <a:r>
-              <a:rPr lang="en-US" dirty="0">
-                <a:solidFill>
-                  <a:srgbClr val="FF0000"/>
-                </a:solidFill>
-              </a:rPr>
-              <a:t>convex vertex</a:t>
-            </a:r>
-            <a:r>
-              <a:rPr lang="en-US" dirty="0"/>
-              <a:t>.</a:t>
-            </a:r>
-          </a:p>
-          <a:p>
-            <a:r>
-              <a:rPr lang="en-CA" dirty="0"/>
-              <a:t>Proof: </a:t>
-            </a:r>
-          </a:p>
-          <a:p>
-            <a:pPr lvl="1"/>
-            <a:r>
-              <a:rPr lang="en-CA" dirty="0"/>
-              <a:t>If the edges of polygon oriented in a counter-clockwise traversal, then a convex vertex is a left turn, and reflex vertex is right turn and interior of the polygon is always to the left</a:t>
-            </a:r>
-          </a:p>
-          <a:p>
-            <a:pPr lvl="1"/>
-            <a:r>
-              <a:rPr lang="en-CA" dirty="0"/>
-              <a:t>Let L is the line through the lowest </a:t>
-            </a:r>
-            <a:br>
-              <a:rPr lang="en-CA" dirty="0"/>
-            </a:br>
-            <a:r>
-              <a:rPr lang="en-CA" dirty="0"/>
-              <a:t>vertex v (y-coordinate)</a:t>
-            </a:r>
-          </a:p>
-          <a:p>
-            <a:pPr lvl="2"/>
-            <a:r>
-              <a:rPr lang="en-CA" dirty="0"/>
-              <a:t>The interior of the polygon must be above</a:t>
-            </a:r>
-          </a:p>
-          <a:p>
-            <a:pPr lvl="2"/>
-            <a:r>
-              <a:rPr lang="en-CA" dirty="0"/>
-              <a:t>The edges following v must be above L</a:t>
-            </a:r>
-          </a:p>
-          <a:p>
-            <a:pPr lvl="2"/>
-            <a:r>
-              <a:rPr lang="en-CA" dirty="0"/>
-              <a:t>The walker make the left turn at v, thus v is </a:t>
-            </a:r>
-            <a:br>
-              <a:rPr lang="en-CA" dirty="0"/>
-            </a:br>
-            <a:r>
-              <a:rPr lang="en-CA" dirty="0"/>
-              <a:t>convex</a:t>
-            </a:r>
-          </a:p>
-        </p:txBody>
-      </p:sp>
-      <p:sp>
-        <p:nvSpPr>
-          <p:cNvPr id="7" name="Content Placeholder 6">
-            <a:extLst>
-              <a:ext uri="{FF2B5EF4-FFF2-40B4-BE49-F238E27FC236}">
-                <a16:creationId xmlns:a16="http://schemas.microsoft.com/office/drawing/2014/main" id="{04925862-D7A2-E240-9807-65BEE7705F3F}"/>
-              </a:ext>
-            </a:extLst>
-          </p:cNvPr>
-          <p:cNvSpPr>
-            <a:spLocks noGrp="1"/>
-          </p:cNvSpPr>
-          <p:nvPr>
-            <p:ph sz="half" idx="10"/>
-          </p:nvPr>
-        </p:nvSpPr>
-        <p:spPr/>
-        <p:txBody>
-          <a:bodyPr/>
-          <a:lstStyle/>
-          <a:p>
-            <a:endParaRPr lang="en-US"/>
-          </a:p>
-        </p:txBody>
-      </p:sp>
-      <p:sp>
-        <p:nvSpPr>
-          <p:cNvPr id="6" name="Content Placeholder 5">
-            <a:extLst>
-              <a:ext uri="{FF2B5EF4-FFF2-40B4-BE49-F238E27FC236}">
-                <a16:creationId xmlns:a16="http://schemas.microsoft.com/office/drawing/2014/main" id="{69AA61F8-FC0D-254A-90B4-738BABB58592}"/>
-              </a:ext>
-            </a:extLst>
-          </p:cNvPr>
-          <p:cNvSpPr>
-            <a:spLocks noGrp="1"/>
-          </p:cNvSpPr>
-          <p:nvPr>
-            <p:ph sz="half" idx="11"/>
-          </p:nvPr>
-        </p:nvSpPr>
-        <p:spPr/>
-        <p:txBody>
-          <a:bodyPr/>
-          <a:lstStyle/>
-          <a:p>
-            <a:r>
-              <a:rPr lang="en-US" altLang="en-US" dirty="0"/>
-              <a:t>Triangulation Theory of </a:t>
-            </a:r>
-            <a:r>
-              <a:rPr lang="en-US" dirty="0"/>
-              <a:t>Polygon</a:t>
-            </a:r>
-          </a:p>
-        </p:txBody>
-      </p:sp>
-      <p:grpSp>
-        <p:nvGrpSpPr>
-          <p:cNvPr id="2" name="Group 10"/>
-          <p:cNvGrpSpPr>
-            <a:grpSpLocks/>
-          </p:cNvGrpSpPr>
-          <p:nvPr/>
-        </p:nvGrpSpPr>
-        <p:grpSpPr bwMode="auto">
-          <a:xfrm>
-            <a:off x="7848600" y="4085648"/>
-            <a:ext cx="4077628" cy="1857952"/>
-            <a:chOff x="1013" y="1493"/>
-            <a:chExt cx="3019" cy="2180"/>
-          </a:xfrm>
-        </p:grpSpPr>
-        <p:sp>
-          <p:nvSpPr>
-            <p:cNvPr id="29704" name="Freeform 5"/>
-            <p:cNvSpPr>
-              <a:spLocks/>
-            </p:cNvSpPr>
-            <p:nvPr/>
-          </p:nvSpPr>
-          <p:spPr bwMode="auto">
-            <a:xfrm>
-              <a:off x="1230" y="1493"/>
-              <a:ext cx="1930" cy="1650"/>
-            </a:xfrm>
-            <a:custGeom>
-              <a:avLst/>
-              <a:gdLst>
-                <a:gd name="T0" fmla="*/ 0 w 1930"/>
-                <a:gd name="T1" fmla="*/ 436 h 1650"/>
-                <a:gd name="T2" fmla="*/ 783 w 1930"/>
-                <a:gd name="T3" fmla="*/ 571 h 1650"/>
-                <a:gd name="T4" fmla="*/ 470 w 1930"/>
-                <a:gd name="T5" fmla="*/ 850 h 1650"/>
-                <a:gd name="T6" fmla="*/ 1063 w 1930"/>
-                <a:gd name="T7" fmla="*/ 884 h 1650"/>
-                <a:gd name="T8" fmla="*/ 565 w 1930"/>
-                <a:gd name="T9" fmla="*/ 1650 h 1650"/>
-                <a:gd name="T10" fmla="*/ 1158 w 1930"/>
-                <a:gd name="T11" fmla="*/ 1650 h 1650"/>
-                <a:gd name="T12" fmla="*/ 1616 w 1930"/>
-                <a:gd name="T13" fmla="*/ 1387 h 1650"/>
-                <a:gd name="T14" fmla="*/ 1930 w 1930"/>
-                <a:gd name="T15" fmla="*/ 453 h 1650"/>
-                <a:gd name="T16" fmla="*/ 1751 w 1930"/>
-                <a:gd name="T17" fmla="*/ 28 h 1650"/>
-                <a:gd name="T18" fmla="*/ 1728 w 1930"/>
-                <a:gd name="T19" fmla="*/ 0 h 1650"/>
-                <a:gd name="T20" fmla="*/ 0 60000 65536"/>
-                <a:gd name="T21" fmla="*/ 0 60000 65536"/>
-                <a:gd name="T22" fmla="*/ 0 60000 65536"/>
-                <a:gd name="T23" fmla="*/ 0 60000 65536"/>
-                <a:gd name="T24" fmla="*/ 0 60000 65536"/>
-                <a:gd name="T25" fmla="*/ 0 60000 65536"/>
-                <a:gd name="T26" fmla="*/ 0 60000 65536"/>
-                <a:gd name="T27" fmla="*/ 0 60000 65536"/>
-                <a:gd name="T28" fmla="*/ 0 60000 65536"/>
-                <a:gd name="T29" fmla="*/ 0 60000 65536"/>
-                <a:gd name="T30" fmla="*/ 0 w 1930"/>
-                <a:gd name="T31" fmla="*/ 0 h 1650"/>
-                <a:gd name="T32" fmla="*/ 1930 w 1930"/>
-                <a:gd name="T33" fmla="*/ 1650 h 1650"/>
-                <a:gd name="connsiteX0" fmla="*/ 0 w 10000"/>
-                <a:gd name="connsiteY0" fmla="*/ 2642 h 10000"/>
-                <a:gd name="connsiteX1" fmla="*/ 4057 w 10000"/>
-                <a:gd name="connsiteY1" fmla="*/ 3461 h 10000"/>
-                <a:gd name="connsiteX2" fmla="*/ 2435 w 10000"/>
-                <a:gd name="connsiteY2" fmla="*/ 5152 h 10000"/>
-                <a:gd name="connsiteX3" fmla="*/ 5508 w 10000"/>
-                <a:gd name="connsiteY3" fmla="*/ 5358 h 10000"/>
-                <a:gd name="connsiteX4" fmla="*/ 3215 w 10000"/>
-                <a:gd name="connsiteY4" fmla="*/ 8753 h 10000"/>
-                <a:gd name="connsiteX5" fmla="*/ 6000 w 10000"/>
-                <a:gd name="connsiteY5" fmla="*/ 10000 h 10000"/>
-                <a:gd name="connsiteX6" fmla="*/ 8373 w 10000"/>
-                <a:gd name="connsiteY6" fmla="*/ 8406 h 10000"/>
-                <a:gd name="connsiteX7" fmla="*/ 10000 w 10000"/>
-                <a:gd name="connsiteY7" fmla="*/ 2745 h 10000"/>
-                <a:gd name="connsiteX8" fmla="*/ 9073 w 10000"/>
-                <a:gd name="connsiteY8" fmla="*/ 170 h 10000"/>
-                <a:gd name="connsiteX9" fmla="*/ 8953 w 10000"/>
-                <a:gd name="connsiteY9" fmla="*/ 0 h 10000"/>
-              </a:gdLst>
-              <a:ahLst/>
-              <a:cxnLst>
-                <a:cxn ang="0">
-                  <a:pos x="connsiteX0" y="connsiteY0"/>
-                </a:cxn>
-                <a:cxn ang="0">
-                  <a:pos x="connsiteX1" y="connsiteY1"/>
-                </a:cxn>
-                <a:cxn ang="0">
-                  <a:pos x="connsiteX2" y="connsiteY2"/>
-                </a:cxn>
-                <a:cxn ang="0">
-                  <a:pos x="connsiteX3" y="connsiteY3"/>
-                </a:cxn>
-                <a:cxn ang="0">
-                  <a:pos x="connsiteX4" y="connsiteY4"/>
-                </a:cxn>
-                <a:cxn ang="0">
-                  <a:pos x="connsiteX5" y="connsiteY5"/>
-                </a:cxn>
-                <a:cxn ang="0">
-                  <a:pos x="connsiteX6" y="connsiteY6"/>
-                </a:cxn>
-                <a:cxn ang="0">
-                  <a:pos x="connsiteX7" y="connsiteY7"/>
-                </a:cxn>
-                <a:cxn ang="0">
-                  <a:pos x="connsiteX8" y="connsiteY8"/>
-                </a:cxn>
-                <a:cxn ang="0">
-                  <a:pos x="connsiteX9" y="connsiteY9"/>
-                </a:cxn>
-              </a:cxnLst>
-              <a:rect l="l" t="t" r="r" b="b"/>
-              <a:pathLst>
-                <a:path w="10000" h="10000">
-                  <a:moveTo>
-                    <a:pt x="0" y="2642"/>
-                  </a:moveTo>
-                  <a:lnTo>
-                    <a:pt x="4057" y="3461"/>
-                  </a:lnTo>
-                  <a:lnTo>
-                    <a:pt x="2435" y="5152"/>
-                  </a:lnTo>
-                  <a:lnTo>
-                    <a:pt x="5508" y="5358"/>
-                  </a:lnTo>
-                  <a:lnTo>
-                    <a:pt x="3215" y="8753"/>
-                  </a:lnTo>
-                  <a:lnTo>
-                    <a:pt x="6000" y="10000"/>
-                  </a:lnTo>
-                  <a:lnTo>
-                    <a:pt x="8373" y="8406"/>
-                  </a:lnTo>
-                  <a:lnTo>
-                    <a:pt x="10000" y="2745"/>
-                  </a:lnTo>
-                  <a:lnTo>
-                    <a:pt x="9073" y="170"/>
-                  </a:lnTo>
-                  <a:lnTo>
-                    <a:pt x="8953" y="0"/>
-                  </a:lnTo>
-                </a:path>
-              </a:pathLst>
-            </a:custGeom>
-            <a:noFill/>
-            <a:ln w="38100" cap="flat" cmpd="sng">
-              <a:solidFill>
-                <a:schemeClr val="tx1"/>
-              </a:solidFill>
-              <a:prstDash val="solid"/>
-              <a:miter lim="800000"/>
-              <a:headEnd type="none" w="med" len="med"/>
-              <a:tailEnd type="none" w="lg" len="med"/>
-            </a:ln>
-            <a:extLst>
-              <a:ext uri="{909E8E84-426E-40DD-AFC4-6F175D3DCCD1}">
-                <a14:hiddenFill xmlns:a14="http://schemas.microsoft.com/office/drawing/2010/main">
-                  <a:solidFill>
-                    <a:srgbClr val="FFFFFF"/>
-                  </a:solidFill>
-                </a14:hiddenFill>
-              </a:ext>
-            </a:extLst>
-          </p:spPr>
-          <p:txBody>
-            <a:bodyPr wrap="none" anchor="ctr"/>
-            <a:lstStyle/>
-            <a:p>
-              <a:endParaRPr lang="en-US"/>
-            </a:p>
-          </p:txBody>
-        </p:sp>
-        <p:sp>
-          <p:nvSpPr>
-            <p:cNvPr id="29705" name="Line 6"/>
-            <p:cNvSpPr>
-              <a:spLocks noChangeShapeType="1"/>
-            </p:cNvSpPr>
-            <p:nvPr/>
-          </p:nvSpPr>
-          <p:spPr bwMode="auto">
-            <a:xfrm>
-              <a:off x="1013" y="3148"/>
-              <a:ext cx="2712" cy="5"/>
-            </a:xfrm>
-            <a:prstGeom prst="line">
-              <a:avLst/>
-            </a:prstGeom>
-            <a:noFill/>
-            <a:ln w="38100">
-              <a:solidFill>
-                <a:schemeClr val="tx1"/>
-              </a:solidFill>
-              <a:prstDash val="dash"/>
-              <a:miter lim="800000"/>
-              <a:headEnd/>
-              <a:tailEnd type="none" w="lg" len="med"/>
-            </a:ln>
-            <a:extLst>
-              <a:ext uri="{909E8E84-426E-40DD-AFC4-6F175D3DCCD1}">
-                <a14:hiddenFill xmlns:a14="http://schemas.microsoft.com/office/drawing/2010/main">
-                  <a:noFill/>
-                </a14:hiddenFill>
-              </a:ext>
-            </a:extLst>
-          </p:spPr>
-          <p:txBody>
-            <a:bodyPr wrap="none" anchor="ctr"/>
-            <a:lstStyle/>
-            <a:p>
-              <a:endParaRPr lang="en-US"/>
-            </a:p>
-          </p:txBody>
-        </p:sp>
-        <p:sp>
-          <p:nvSpPr>
-            <p:cNvPr id="29706" name="Text Box 7"/>
-            <p:cNvSpPr txBox="1">
-              <a:spLocks noChangeArrowheads="1"/>
-            </p:cNvSpPr>
-            <p:nvPr/>
-          </p:nvSpPr>
-          <p:spPr bwMode="auto">
-            <a:xfrm>
-              <a:off x="2285" y="3131"/>
-              <a:ext cx="251" cy="542"/>
-            </a:xfrm>
-            <a:prstGeom prst="rect">
-              <a:avLst/>
-            </a:prstGeom>
-            <a:noFill/>
-            <a:ln>
-              <a:noFill/>
-            </a:ln>
-            <a:extLst>
-              <a:ext uri="{909E8E84-426E-40DD-AFC4-6F175D3DCCD1}">
-                <a14:hiddenFill xmlns:a14="http://schemas.microsoft.com/office/drawing/2010/main">
-                  <a:solidFill>
-                    <a:srgbClr val="FFFFFF"/>
-                  </a:solidFill>
-                </a14:hiddenFill>
-              </a:ext>
-              <a:ext uri="{91240B29-F687-4F45-9708-019B960494DF}">
-                <a14:hiddenLine xmlns:a14="http://schemas.microsoft.com/office/drawing/2010/main" w="38100">
-                  <a:solidFill>
-                    <a:srgbClr val="000000"/>
-                  </a:solidFill>
-                  <a:miter lim="800000"/>
-                  <a:headEnd/>
-                  <a:tailEnd type="none" w="lg" len="med"/>
-                </a14:hiddenLine>
-              </a:ext>
-            </a:extLst>
-          </p:spPr>
-          <p:txBody>
-            <a:bodyPr wrap="none">
-              <a:spAutoFit/>
-            </a:bodyPr>
-            <a:lstStyle>
-              <a:lvl1pPr eaLnBrk="0" hangingPunct="0">
-                <a:defRPr sz="2400">
-                  <a:solidFill>
-                    <a:schemeClr val="tx1"/>
-                  </a:solidFill>
-                  <a:latin typeface="Times New Roman" pitchFamily="18" charset="0"/>
-                </a:defRPr>
-              </a:lvl1pPr>
-              <a:lvl2pPr marL="742950" indent="-285750" eaLnBrk="0" hangingPunct="0">
-                <a:defRPr sz="2400">
-                  <a:solidFill>
-                    <a:schemeClr val="tx1"/>
-                  </a:solidFill>
-                  <a:latin typeface="Times New Roman" pitchFamily="18" charset="0"/>
-                </a:defRPr>
-              </a:lvl2pPr>
-              <a:lvl3pPr marL="1143000" indent="-228600" eaLnBrk="0" hangingPunct="0">
-                <a:defRPr sz="2400">
-                  <a:solidFill>
-                    <a:schemeClr val="tx1"/>
-                  </a:solidFill>
-                  <a:latin typeface="Times New Roman" pitchFamily="18" charset="0"/>
-                </a:defRPr>
-              </a:lvl3pPr>
-              <a:lvl4pPr marL="1600200" indent="-228600" eaLnBrk="0" hangingPunct="0">
-                <a:defRPr sz="2400">
-                  <a:solidFill>
-                    <a:schemeClr val="tx1"/>
-                  </a:solidFill>
-                  <a:latin typeface="Times New Roman" pitchFamily="18" charset="0"/>
-                </a:defRPr>
-              </a:lvl4pPr>
-              <a:lvl5pPr marL="2057400" indent="-228600" eaLnBrk="0" hangingPunct="0">
-                <a:defRPr sz="2400">
-                  <a:solidFill>
-                    <a:schemeClr val="tx1"/>
-                  </a:solidFill>
-                  <a:latin typeface="Times New Roman" pitchFamily="18" charset="0"/>
-                </a:defRPr>
-              </a:lvl5pPr>
-              <a:lvl6pPr marL="2514600" indent="-228600" eaLnBrk="0" fontAlgn="base" hangingPunct="0">
-                <a:spcBef>
-                  <a:spcPct val="0"/>
-                </a:spcBef>
-                <a:spcAft>
-                  <a:spcPct val="0"/>
-                </a:spcAft>
-                <a:defRPr sz="2400">
-                  <a:solidFill>
-                    <a:schemeClr val="tx1"/>
-                  </a:solidFill>
-                  <a:latin typeface="Times New Roman" pitchFamily="18" charset="0"/>
-                </a:defRPr>
-              </a:lvl6pPr>
-              <a:lvl7pPr marL="2971800" indent="-228600" eaLnBrk="0" fontAlgn="base" hangingPunct="0">
-                <a:spcBef>
-                  <a:spcPct val="0"/>
-                </a:spcBef>
-                <a:spcAft>
-                  <a:spcPct val="0"/>
-                </a:spcAft>
-                <a:defRPr sz="2400">
-                  <a:solidFill>
-                    <a:schemeClr val="tx1"/>
-                  </a:solidFill>
-                  <a:latin typeface="Times New Roman" pitchFamily="18" charset="0"/>
-                </a:defRPr>
-              </a:lvl7pPr>
-              <a:lvl8pPr marL="3429000" indent="-228600" eaLnBrk="0" fontAlgn="base" hangingPunct="0">
-                <a:spcBef>
-                  <a:spcPct val="0"/>
-                </a:spcBef>
-                <a:spcAft>
-                  <a:spcPct val="0"/>
-                </a:spcAft>
-                <a:defRPr sz="2400">
-                  <a:solidFill>
-                    <a:schemeClr val="tx1"/>
-                  </a:solidFill>
-                  <a:latin typeface="Times New Roman" pitchFamily="18" charset="0"/>
-                </a:defRPr>
-              </a:lvl8pPr>
-              <a:lvl9pPr marL="3886200" indent="-228600" eaLnBrk="0" fontAlgn="base" hangingPunct="0">
-                <a:spcBef>
-                  <a:spcPct val="0"/>
-                </a:spcBef>
-                <a:spcAft>
-                  <a:spcPct val="0"/>
-                </a:spcAft>
-                <a:defRPr sz="2400">
-                  <a:solidFill>
-                    <a:schemeClr val="tx1"/>
-                  </a:solidFill>
-                  <a:latin typeface="Times New Roman" pitchFamily="18" charset="0"/>
-                </a:defRPr>
-              </a:lvl9pPr>
-            </a:lstStyle>
-            <a:p>
-              <a:pPr eaLnBrk="1" hangingPunct="1"/>
-              <a:r>
-                <a:rPr lang="en-US"/>
-                <a:t>v</a:t>
-              </a:r>
-            </a:p>
-          </p:txBody>
-        </p:sp>
-        <p:sp>
-          <p:nvSpPr>
-            <p:cNvPr id="29707" name="Oval 8"/>
-            <p:cNvSpPr>
-              <a:spLocks noChangeArrowheads="1"/>
-            </p:cNvSpPr>
-            <p:nvPr/>
-          </p:nvSpPr>
-          <p:spPr bwMode="auto">
-            <a:xfrm>
-              <a:off x="2343" y="3093"/>
-              <a:ext cx="67" cy="84"/>
-            </a:xfrm>
-            <a:prstGeom prst="ellipse">
-              <a:avLst/>
-            </a:prstGeom>
-            <a:solidFill>
-              <a:schemeClr val="accent1"/>
-            </a:solidFill>
-            <a:ln w="38100">
-              <a:solidFill>
-                <a:schemeClr val="tx1"/>
-              </a:solidFill>
-              <a:miter lim="800000"/>
-              <a:headEnd/>
-              <a:tailEnd type="none" w="lg" len="med"/>
-            </a:ln>
-          </p:spPr>
-          <p:txBody>
-            <a:bodyPr wrap="none" anchor="ctr"/>
-            <a:lstStyle/>
-            <a:p>
-              <a:endParaRPr lang="en-US"/>
-            </a:p>
-          </p:txBody>
-        </p:sp>
-        <p:sp>
-          <p:nvSpPr>
-            <p:cNvPr id="29708" name="Text Box 9"/>
-            <p:cNvSpPr txBox="1">
-              <a:spLocks noChangeArrowheads="1"/>
-            </p:cNvSpPr>
-            <p:nvPr/>
-          </p:nvSpPr>
-          <p:spPr bwMode="auto">
-            <a:xfrm>
-              <a:off x="3756" y="2968"/>
-              <a:ext cx="276" cy="542"/>
-            </a:xfrm>
-            <a:prstGeom prst="rect">
-              <a:avLst/>
-            </a:prstGeom>
-            <a:noFill/>
-            <a:ln>
-              <a:noFill/>
-            </a:ln>
-            <a:extLst>
-              <a:ext uri="{909E8E84-426E-40DD-AFC4-6F175D3DCCD1}">
-                <a14:hiddenFill xmlns:a14="http://schemas.microsoft.com/office/drawing/2010/main">
-                  <a:solidFill>
-                    <a:srgbClr val="FFFFFF"/>
-                  </a:solidFill>
-                </a14:hiddenFill>
-              </a:ext>
-              <a:ext uri="{91240B29-F687-4F45-9708-019B960494DF}">
-                <a14:hiddenLine xmlns:a14="http://schemas.microsoft.com/office/drawing/2010/main" w="38100">
-                  <a:solidFill>
-                    <a:srgbClr val="000000"/>
-                  </a:solidFill>
-                  <a:miter lim="800000"/>
-                  <a:headEnd/>
-                  <a:tailEnd type="none" w="lg" len="med"/>
-                </a14:hiddenLine>
-              </a:ext>
-            </a:extLst>
-          </p:spPr>
-          <p:txBody>
-            <a:bodyPr wrap="none">
-              <a:spAutoFit/>
-            </a:bodyPr>
-            <a:lstStyle>
-              <a:lvl1pPr eaLnBrk="0" hangingPunct="0">
-                <a:defRPr sz="2400">
-                  <a:solidFill>
-                    <a:schemeClr val="tx1"/>
-                  </a:solidFill>
-                  <a:latin typeface="Times New Roman" pitchFamily="18" charset="0"/>
-                </a:defRPr>
-              </a:lvl1pPr>
-              <a:lvl2pPr marL="742950" indent="-285750" eaLnBrk="0" hangingPunct="0">
-                <a:defRPr sz="2400">
-                  <a:solidFill>
-                    <a:schemeClr val="tx1"/>
-                  </a:solidFill>
-                  <a:latin typeface="Times New Roman" pitchFamily="18" charset="0"/>
-                </a:defRPr>
-              </a:lvl2pPr>
-              <a:lvl3pPr marL="1143000" indent="-228600" eaLnBrk="0" hangingPunct="0">
-                <a:defRPr sz="2400">
-                  <a:solidFill>
-                    <a:schemeClr val="tx1"/>
-                  </a:solidFill>
-                  <a:latin typeface="Times New Roman" pitchFamily="18" charset="0"/>
-                </a:defRPr>
-              </a:lvl3pPr>
-              <a:lvl4pPr marL="1600200" indent="-228600" eaLnBrk="0" hangingPunct="0">
-                <a:defRPr sz="2400">
-                  <a:solidFill>
-                    <a:schemeClr val="tx1"/>
-                  </a:solidFill>
-                  <a:latin typeface="Times New Roman" pitchFamily="18" charset="0"/>
-                </a:defRPr>
-              </a:lvl4pPr>
-              <a:lvl5pPr marL="2057400" indent="-228600" eaLnBrk="0" hangingPunct="0">
-                <a:defRPr sz="2400">
-                  <a:solidFill>
-                    <a:schemeClr val="tx1"/>
-                  </a:solidFill>
-                  <a:latin typeface="Times New Roman" pitchFamily="18" charset="0"/>
-                </a:defRPr>
-              </a:lvl5pPr>
-              <a:lvl6pPr marL="2514600" indent="-228600" eaLnBrk="0" fontAlgn="base" hangingPunct="0">
-                <a:spcBef>
-                  <a:spcPct val="0"/>
-                </a:spcBef>
-                <a:spcAft>
-                  <a:spcPct val="0"/>
-                </a:spcAft>
-                <a:defRPr sz="2400">
-                  <a:solidFill>
-                    <a:schemeClr val="tx1"/>
-                  </a:solidFill>
-                  <a:latin typeface="Times New Roman" pitchFamily="18" charset="0"/>
-                </a:defRPr>
-              </a:lvl6pPr>
-              <a:lvl7pPr marL="2971800" indent="-228600" eaLnBrk="0" fontAlgn="base" hangingPunct="0">
-                <a:spcBef>
-                  <a:spcPct val="0"/>
-                </a:spcBef>
-                <a:spcAft>
-                  <a:spcPct val="0"/>
-                </a:spcAft>
-                <a:defRPr sz="2400">
-                  <a:solidFill>
-                    <a:schemeClr val="tx1"/>
-                  </a:solidFill>
-                  <a:latin typeface="Times New Roman" pitchFamily="18" charset="0"/>
-                </a:defRPr>
-              </a:lvl7pPr>
-              <a:lvl8pPr marL="3429000" indent="-228600" eaLnBrk="0" fontAlgn="base" hangingPunct="0">
-                <a:spcBef>
-                  <a:spcPct val="0"/>
-                </a:spcBef>
-                <a:spcAft>
-                  <a:spcPct val="0"/>
-                </a:spcAft>
-                <a:defRPr sz="2400">
-                  <a:solidFill>
-                    <a:schemeClr val="tx1"/>
-                  </a:solidFill>
-                  <a:latin typeface="Times New Roman" pitchFamily="18" charset="0"/>
-                </a:defRPr>
-              </a:lvl8pPr>
-              <a:lvl9pPr marL="3886200" indent="-228600" eaLnBrk="0" fontAlgn="base" hangingPunct="0">
-                <a:spcBef>
-                  <a:spcPct val="0"/>
-                </a:spcBef>
-                <a:spcAft>
-                  <a:spcPct val="0"/>
-                </a:spcAft>
-                <a:defRPr sz="2400">
-                  <a:solidFill>
-                    <a:schemeClr val="tx1"/>
-                  </a:solidFill>
-                  <a:latin typeface="Times New Roman" pitchFamily="18" charset="0"/>
-                </a:defRPr>
-              </a:lvl9pPr>
-            </a:lstStyle>
-            <a:p>
-              <a:pPr eaLnBrk="1" hangingPunct="1"/>
-              <a:r>
-                <a:rPr lang="en-US"/>
-                <a:t>L</a:t>
-              </a:r>
-            </a:p>
-          </p:txBody>
-        </p:sp>
-      </p:grpSp>
-    </p:spTree>
-    <p:extLst>
-      <p:ext uri="{BB962C8B-B14F-4D97-AF65-F5344CB8AC3E}">
-        <p14:creationId xmlns:p14="http://schemas.microsoft.com/office/powerpoint/2010/main" val="20019748"/>
-      </p:ext>
-    </p:extLst>
-  </p:cSld>
-  <p:clrMapOvr>
-    <a:masterClrMapping/>
-  </p:clrMapOvr>
-  <p:timing>
-    <p:tnLst>
-      <p:par>
-        <p:cTn id="1" dur="indefinite" restart="never" nodeType="tmRoot">
-          <p:childTnLst>
-            <p:seq concurrent="1" nextAc="seek">
-              <p:cTn id="2" dur="indefinite" nodeType="mainSeq">
-                <p:childTnLst>
-                  <p:par>
-                    <p:cTn id="3" fill="hold" nodeType="clickPar">
-                      <p:stCondLst>
-                        <p:cond delay="indefinite"/>
-                      </p:stCondLst>
-                      <p:childTnLst>
-                        <p:par>
-                          <p:cTn id="4" fill="hold" nodeType="withGroup">
-                            <p:stCondLst>
-                              <p:cond delay="0"/>
-                            </p:stCondLst>
-                            <p:childTnLst>
-                              <p:par>
-                                <p:cTn id="5" presetID="1" presetClass="entr" presetSubtype="0" fill="hold" grpId="0" nodeType="clickEffect">
-                                  <p:stCondLst>
-                                    <p:cond delay="0"/>
-                                  </p:stCondLst>
-                                  <p:childTnLst>
-                                    <p:set>
-                                      <p:cBhvr>
-                                        <p:cTn id="6" dur="1" fill="hold">
-                                          <p:stCondLst>
-                                            <p:cond delay="0"/>
-                                          </p:stCondLst>
-                                        </p:cTn>
-                                        <p:tgtEl>
-                                          <p:spTgt spid="37891">
-                                            <p:txEl>
-                                              <p:pRg st="0" end="0"/>
-                                            </p:txEl>
-                                          </p:spTgt>
-                                        </p:tgtEl>
-                                        <p:attrNameLst>
-                                          <p:attrName>style.visibility</p:attrName>
-                                        </p:attrNameLst>
-                                      </p:cBhvr>
-                                      <p:to>
-                                        <p:strVal val="visible"/>
-                                      </p:to>
-                                    </p:set>
-                                  </p:childTnLst>
-                                </p:cTn>
-                              </p:par>
-                            </p:childTnLst>
-                          </p:cTn>
-                        </p:par>
-                      </p:childTnLst>
-                    </p:cTn>
-                  </p:par>
-                  <p:par>
-                    <p:cTn id="7" fill="hold">
-                      <p:stCondLst>
-                        <p:cond delay="indefinite"/>
-                      </p:stCondLst>
-                      <p:childTnLst>
-                        <p:par>
-                          <p:cTn id="8" fill="hold">
-                            <p:stCondLst>
-                              <p:cond delay="0"/>
-                            </p:stCondLst>
-                            <p:childTnLst>
-                              <p:par>
-                                <p:cTn id="9" presetID="1" presetClass="entr" presetSubtype="0" fill="hold" grpId="0" nodeType="clickEffect">
-                                  <p:stCondLst>
-                                    <p:cond delay="0"/>
-                                  </p:stCondLst>
-                                  <p:childTnLst>
-                                    <p:set>
-                                      <p:cBhvr>
-                                        <p:cTn id="10" dur="1" fill="hold">
-                                          <p:stCondLst>
-                                            <p:cond delay="0"/>
-                                          </p:stCondLst>
-                                        </p:cTn>
-                                        <p:tgtEl>
-                                          <p:spTgt spid="37891">
-                                            <p:txEl>
-                                              <p:pRg st="1" end="1"/>
-                                            </p:txEl>
-                                          </p:spTgt>
-                                        </p:tgtEl>
-                                        <p:attrNameLst>
-                                          <p:attrName>style.visibility</p:attrName>
-                                        </p:attrNameLst>
-                                      </p:cBhvr>
-                                      <p:to>
-                                        <p:strVal val="visible"/>
-                                      </p:to>
-                                    </p:set>
-                                  </p:childTnLst>
-                                </p:cTn>
-                              </p:par>
-                              <p:par>
-                                <p:cTn id="11" presetID="1" presetClass="entr" presetSubtype="0" fill="hold" grpId="0" nodeType="withEffect">
-                                  <p:stCondLst>
-                                    <p:cond delay="0"/>
-                                  </p:stCondLst>
-                                  <p:childTnLst>
-                                    <p:set>
-                                      <p:cBhvr>
-                                        <p:cTn id="12" dur="1" fill="hold">
-                                          <p:stCondLst>
-                                            <p:cond delay="0"/>
-                                          </p:stCondLst>
-                                        </p:cTn>
-                                        <p:tgtEl>
-                                          <p:spTgt spid="37891">
-                                            <p:txEl>
-                                              <p:pRg st="2" end="2"/>
-                                            </p:txEl>
-                                          </p:spTgt>
-                                        </p:tgtEl>
-                                        <p:attrNameLst>
-                                          <p:attrName>style.visibility</p:attrName>
-                                        </p:attrNameLst>
-                                      </p:cBhvr>
-                                      <p:to>
-                                        <p:strVal val="visible"/>
-                                      </p:to>
-                                    </p:set>
-                                  </p:childTnLst>
-                                </p:cTn>
-                              </p:par>
-                              <p:par>
-                                <p:cTn id="13" presetID="1" presetClass="entr" presetSubtype="0" fill="hold" grpId="0" nodeType="withEffect">
-                                  <p:stCondLst>
-                                    <p:cond delay="0"/>
-                                  </p:stCondLst>
-                                  <p:childTnLst>
-                                    <p:set>
-                                      <p:cBhvr>
-                                        <p:cTn id="14" dur="1" fill="hold">
-                                          <p:stCondLst>
-                                            <p:cond delay="0"/>
-                                          </p:stCondLst>
-                                        </p:cTn>
-                                        <p:tgtEl>
-                                          <p:spTgt spid="37891">
-                                            <p:txEl>
-                                              <p:pRg st="3" end="3"/>
-                                            </p:txEl>
-                                          </p:spTgt>
-                                        </p:tgtEl>
-                                        <p:attrNameLst>
-                                          <p:attrName>style.visibility</p:attrName>
-                                        </p:attrNameLst>
-                                      </p:cBhvr>
-                                      <p:to>
-                                        <p:strVal val="visible"/>
-                                      </p:to>
-                                    </p:set>
-                                  </p:childTnLst>
-                                </p:cTn>
-                              </p:par>
-                              <p:par>
-                                <p:cTn id="15" presetID="1" presetClass="entr" presetSubtype="0" fill="hold" grpId="0" nodeType="withEffect">
-                                  <p:stCondLst>
-                                    <p:cond delay="0"/>
-                                  </p:stCondLst>
-                                  <p:childTnLst>
-                                    <p:set>
-                                      <p:cBhvr>
-                                        <p:cTn id="16" dur="1" fill="hold">
-                                          <p:stCondLst>
-                                            <p:cond delay="0"/>
-                                          </p:stCondLst>
-                                        </p:cTn>
-                                        <p:tgtEl>
-                                          <p:spTgt spid="37891">
-                                            <p:txEl>
-                                              <p:pRg st="4" end="4"/>
-                                            </p:txEl>
-                                          </p:spTgt>
-                                        </p:tgtEl>
-                                        <p:attrNameLst>
-                                          <p:attrName>style.visibility</p:attrName>
-                                        </p:attrNameLst>
-                                      </p:cBhvr>
-                                      <p:to>
-                                        <p:strVal val="visible"/>
-                                      </p:to>
-                                    </p:set>
-                                  </p:childTnLst>
-                                </p:cTn>
-                              </p:par>
-                              <p:par>
-                                <p:cTn id="17" presetID="1" presetClass="entr" presetSubtype="0" fill="hold" grpId="0" nodeType="withEffect">
-                                  <p:stCondLst>
-                                    <p:cond delay="0"/>
-                                  </p:stCondLst>
-                                  <p:childTnLst>
-                                    <p:set>
-                                      <p:cBhvr>
-                                        <p:cTn id="18" dur="1" fill="hold">
-                                          <p:stCondLst>
-                                            <p:cond delay="0"/>
-                                          </p:stCondLst>
-                                        </p:cTn>
-                                        <p:tgtEl>
-                                          <p:spTgt spid="37891">
-                                            <p:txEl>
-                                              <p:pRg st="5" end="5"/>
-                                            </p:txEl>
-                                          </p:spTgt>
-                                        </p:tgtEl>
-                                        <p:attrNameLst>
-                                          <p:attrName>style.visibility</p:attrName>
-                                        </p:attrNameLst>
-                                      </p:cBhvr>
-                                      <p:to>
-                                        <p:strVal val="visible"/>
-                                      </p:to>
-                                    </p:set>
-                                  </p:childTnLst>
-                                </p:cTn>
-                              </p:par>
-                              <p:par>
-                                <p:cTn id="19" presetID="1" presetClass="entr" presetSubtype="0" fill="hold" grpId="0" nodeType="withEffect">
-                                  <p:stCondLst>
-                                    <p:cond delay="0"/>
-                                  </p:stCondLst>
-                                  <p:childTnLst>
-                                    <p:set>
-                                      <p:cBhvr>
-                                        <p:cTn id="20" dur="1" fill="hold">
-                                          <p:stCondLst>
-                                            <p:cond delay="0"/>
-                                          </p:stCondLst>
-                                        </p:cTn>
-                                        <p:tgtEl>
-                                          <p:spTgt spid="37891">
-                                            <p:txEl>
-                                              <p:pRg st="6" end="6"/>
-                                            </p:txEl>
-                                          </p:spTgt>
-                                        </p:tgtEl>
-                                        <p:attrNameLst>
-                                          <p:attrName>style.visibility</p:attrName>
-                                        </p:attrNameLst>
-                                      </p:cBhvr>
-                                      <p:to>
-                                        <p:strVal val="visible"/>
-                                      </p:to>
-                                    </p:set>
-                                  </p:childTnLst>
-                                </p:cTn>
-                              </p:par>
-                            </p:childTnLst>
-                          </p:cTn>
-                        </p:par>
-                      </p:childTnLst>
-                    </p:cTn>
-                  </p:par>
-                  <p:par>
-                    <p:cTn id="21" fill="hold" nodeType="clickPar">
-                      <p:stCondLst>
-                        <p:cond delay="indefinite"/>
-                      </p:stCondLst>
-                      <p:childTnLst>
-                        <p:par>
-                          <p:cTn id="22" fill="hold" nodeType="withGroup">
-                            <p:stCondLst>
-                              <p:cond delay="0"/>
-                            </p:stCondLst>
-                            <p:childTnLst>
-                              <p:par>
-                                <p:cTn id="23" presetID="1" presetClass="entr" presetSubtype="0" fill="hold" nodeType="clickEffect">
-                                  <p:stCondLst>
-                                    <p:cond delay="0"/>
-                                  </p:stCondLst>
-                                  <p:childTnLst>
-                                    <p:set>
-                                      <p:cBhvr>
-                                        <p:cTn id="24" dur="1" fill="hold">
-                                          <p:stCondLst>
-                                            <p:cond delay="0"/>
-                                          </p:stCondLst>
-                                        </p:cTn>
-                                        <p:tgtEl>
-                                          <p:spTgt spid="2"/>
-                                        </p:tgtEl>
-                                        <p:attrNameLst>
-                                          <p:attrName>style.visibility</p:attrName>
-                                        </p:attrNameLst>
-                                      </p:cBhvr>
-                                      <p:to>
-                                        <p:strVal val="visible"/>
-                                      </p:to>
-                                    </p:set>
-                                  </p:childTnLst>
-                                </p:cTn>
-                              </p:par>
-                            </p:childTnLst>
-                          </p:cTn>
-                        </p:par>
-                      </p:childTnLst>
-                    </p:cTn>
-                  </p:par>
-                </p:childTnLst>
-              </p:cTn>
-              <p:prevCondLst>
-                <p:cond evt="onPrev" delay="0">
-                  <p:tgtEl>
-                    <p:sldTgt/>
-                  </p:tgtEl>
-                </p:cond>
-              </p:prevCondLst>
-              <p:nextCondLst>
-                <p:cond evt="onNext" delay="0">
-                  <p:tgtEl>
-                    <p:sldTgt/>
-                  </p:tgtEl>
-                </p:cond>
-              </p:nextCondLst>
-            </p:seq>
-          </p:childTnLst>
-        </p:cTn>
-      </p:par>
-    </p:tnLst>
-    <p:bldLst>
-      <p:bldP spid="37891" grpId="0" build="p"/>
-    </p:bldLst>
-  </p:timing>
-</p:sld>
-</file>
-
-<file path=ppt/slides/slide2.xml><?xml version="1.0" encoding="utf-8"?>
-<p:sld xmlns:a="http://schemas.openxmlformats.org/drawingml/2006/main" xmlns:r="http://schemas.openxmlformats.org/officeDocument/2006/relationships" xmlns:p="http://schemas.openxmlformats.org/presentationml/2006/main">
-  <p:cSld>
-    <p:spTree>
-      <p:nvGrpSpPr>
-        <p:cNvPr id="1" name=""/>
-        <p:cNvGrpSpPr/>
-        <p:nvPr/>
-      </p:nvGrpSpPr>
-      <p:grpSpPr>
-        <a:xfrm>
-          <a:off x="0" y="0"/>
-          <a:ext cx="0" cy="0"/>
-          <a:chOff x="0" y="0"/>
-          <a:chExt cx="0" cy="0"/>
-        </a:xfrm>
-      </p:grpSpPr>
-      <p:sp>
-        <p:nvSpPr>
-          <p:cNvPr id="3" name="Объект 2"/>
-          <p:cNvSpPr>
-            <a:spLocks noGrp="1"/>
-          </p:cNvSpPr>
-          <p:nvPr>
-            <p:ph sz="half" idx="1"/>
-          </p:nvPr>
-        </p:nvSpPr>
-        <p:spPr/>
-        <p:txBody>
-          <a:bodyPr>
-            <a:normAutofit fontScale="92500" lnSpcReduction="20000"/>
-          </a:bodyPr>
-          <a:lstStyle/>
-          <a:p>
-            <a:r>
-              <a:rPr lang="en-US" dirty="0">
-                <a:solidFill>
-                  <a:srgbClr val="FF0000"/>
-                </a:solidFill>
-              </a:rPr>
-              <a:t>The Art Gallery Problem</a:t>
-            </a:r>
-            <a:r>
-              <a:rPr lang="en-US" dirty="0"/>
-              <a:t>: how many cameras we need to guard a given gallery so that every point is seen, and how we decide to place them?</a:t>
-            </a:r>
-          </a:p>
-          <a:p>
-            <a:endParaRPr lang="en-US" dirty="0"/>
-          </a:p>
-          <a:p>
-            <a:endParaRPr lang="en-US" dirty="0"/>
-          </a:p>
-          <a:p>
-            <a:endParaRPr lang="en-US" dirty="0"/>
-          </a:p>
-          <a:p>
-            <a:endParaRPr lang="en-US" dirty="0"/>
-          </a:p>
-          <a:p>
-            <a:endParaRPr lang="en-US" dirty="0"/>
-          </a:p>
-          <a:p>
-            <a:r>
-              <a:rPr lang="en-US" dirty="0"/>
-              <a:t>In geometry terminology: How many points are needed in a simple polygon with n vertices so that every point in the polygon is seen?</a:t>
-            </a:r>
-          </a:p>
-        </p:txBody>
-      </p:sp>
-      <p:sp>
-        <p:nvSpPr>
-          <p:cNvPr id="6" name="Content Placeholder 5">
-            <a:extLst>
-              <a:ext uri="{FF2B5EF4-FFF2-40B4-BE49-F238E27FC236}">
-                <a16:creationId xmlns:a16="http://schemas.microsoft.com/office/drawing/2014/main" id="{BB193D44-E363-F94B-B2C2-9A984178950E}"/>
-              </a:ext>
-            </a:extLst>
-          </p:cNvPr>
-          <p:cNvSpPr>
-            <a:spLocks noGrp="1"/>
-          </p:cNvSpPr>
-          <p:nvPr>
-            <p:ph sz="half" idx="10"/>
-          </p:nvPr>
-        </p:nvSpPr>
-        <p:spPr/>
-        <p:txBody>
-          <a:bodyPr/>
-          <a:lstStyle/>
-          <a:p>
-            <a:endParaRPr lang="en-US"/>
-          </a:p>
-        </p:txBody>
-      </p:sp>
-      <p:sp>
-        <p:nvSpPr>
-          <p:cNvPr id="7" name="Content Placeholder 6">
-            <a:extLst>
-              <a:ext uri="{FF2B5EF4-FFF2-40B4-BE49-F238E27FC236}">
-                <a16:creationId xmlns:a16="http://schemas.microsoft.com/office/drawing/2014/main" id="{92B52382-33B9-7742-AD29-26FE6CEBB942}"/>
-              </a:ext>
-            </a:extLst>
-          </p:cNvPr>
-          <p:cNvSpPr>
-            <a:spLocks noGrp="1"/>
-          </p:cNvSpPr>
-          <p:nvPr>
-            <p:ph sz="half" idx="11"/>
-          </p:nvPr>
-        </p:nvSpPr>
-        <p:spPr/>
-        <p:txBody>
-          <a:bodyPr/>
-          <a:lstStyle/>
-          <a:p>
-            <a:r>
-              <a:rPr lang="en-US"/>
-              <a:t>The Art Gallery Problem</a:t>
-            </a:r>
-            <a:endParaRPr lang="en-US" dirty="0"/>
-          </a:p>
-        </p:txBody>
-      </p:sp>
-      <p:pic>
-        <p:nvPicPr>
-          <p:cNvPr id="14338" name="Picture 2"/>
-          <p:cNvPicPr>
-            <a:picLocks noChangeAspect="1" noChangeArrowheads="1"/>
-          </p:cNvPicPr>
-          <p:nvPr/>
-        </p:nvPicPr>
-        <p:blipFill>
-          <a:blip r:embed="rId2">
-            <a:extLst>
-              <a:ext uri="{28A0092B-C50C-407E-A947-70E740481C1C}">
-                <a14:useLocalDpi xmlns:a14="http://schemas.microsoft.com/office/drawing/2010/main" val="0"/>
-              </a:ext>
-            </a:extLst>
-          </a:blip>
-          <a:srcRect/>
-          <a:stretch>
-            <a:fillRect/>
-          </a:stretch>
-        </p:blipFill>
-        <p:spPr bwMode="auto">
-          <a:xfrm>
-            <a:off x="4267200" y="2660526"/>
-            <a:ext cx="4095750" cy="1914525"/>
-          </a:xfrm>
-          <a:prstGeom prst="rect">
-            <a:avLst/>
-          </a:prstGeom>
-          <a:noFill/>
-          <a:ln>
-            <a:noFill/>
-          </a:ln>
-          <a:extLst>
-            <a:ext uri="{909E8E84-426E-40DD-AFC4-6F175D3DCCD1}">
-              <a14:hiddenFill xmlns:a14="http://schemas.microsoft.com/office/drawing/2010/main">
-                <a:solidFill>
-                  <a:schemeClr val="accent1"/>
-                </a:solidFill>
-              </a14:hiddenFill>
-            </a:ext>
-            <a:ext uri="{91240B29-F687-4F45-9708-019B960494DF}">
-              <a14:hiddenLine xmlns:a14="http://schemas.microsoft.com/office/drawing/2010/main" w="9525">
-                <a:solidFill>
-                  <a:schemeClr val="tx1"/>
-                </a:solidFill>
-                <a:miter lim="800000"/>
-                <a:headEnd/>
-                <a:tailEnd/>
-              </a14:hiddenLine>
-            </a:ext>
-          </a:extLst>
-        </p:spPr>
-      </p:pic>
-    </p:spTree>
-    <p:extLst>
-      <p:ext uri="{BB962C8B-B14F-4D97-AF65-F5344CB8AC3E}">
-        <p14:creationId xmlns:p14="http://schemas.microsoft.com/office/powerpoint/2010/main" val="3296381697"/>
-      </p:ext>
-    </p:extLst>
-  </p:cSld>
-  <p:clrMapOvr>
-    <a:masterClrMapping/>
-  </p:clrMapOvr>
-</p:sld>
-</file>
-
-<file path=ppt/slides/slide20.xml><?xml version="1.0" encoding="utf-8"?>
-<p:sld xmlns:a="http://schemas.openxmlformats.org/drawingml/2006/main" xmlns:r="http://schemas.openxmlformats.org/officeDocument/2006/relationships" xmlns:p="http://schemas.openxmlformats.org/presentationml/2006/main">
-  <p:cSld>
-    <p:spTree>
-      <p:nvGrpSpPr>
-        <p:cNvPr id="1" name=""/>
-        <p:cNvGrpSpPr/>
-        <p:nvPr/>
-      </p:nvGrpSpPr>
-      <p:grpSpPr>
-        <a:xfrm>
-          <a:off x="0" y="0"/>
-          <a:ext cx="0" cy="0"/>
-          <a:chOff x="0" y="0"/>
-          <a:chExt cx="0" cy="0"/>
-        </a:xfrm>
-      </p:grpSpPr>
-      <mc:AlternateContent xmlns:mc="http://schemas.openxmlformats.org/markup-compatibility/2006" xmlns:a14="http://schemas.microsoft.com/office/drawing/2010/main">
-        <mc:Choice Requires="a14">
-          <p:sp>
-            <p:nvSpPr>
-              <p:cNvPr id="30723" name="Content Placeholder 2"/>
-              <p:cNvSpPr>
-                <a:spLocks noGrp="1"/>
-              </p:cNvSpPr>
-              <p:nvPr>
-                <p:ph sz="half" idx="1"/>
-              </p:nvPr>
-            </p:nvSpPr>
-            <p:spPr>
-              <a:xfrm>
-                <a:off x="657986" y="1205309"/>
-                <a:ext cx="6861024" cy="4824960"/>
-              </a:xfrm>
-            </p:spPr>
-            <p:txBody>
-              <a:bodyPr/>
-              <a:lstStyle/>
-              <a:p>
-                <a:r>
-                  <a:rPr lang="en-CA" dirty="0"/>
-                  <a:t>Lemma: every polygon P with more than three vertices has a diagonal</a:t>
-                </a:r>
-              </a:p>
-              <a:p>
-                <a:r>
-                  <a:rPr lang="en-CA" dirty="0"/>
-                  <a:t>Proof: </a:t>
-                </a:r>
-              </a:p>
-              <a:p>
-                <a:pPr lvl="1"/>
-                <a:r>
-                  <a:rPr lang="en-CA" dirty="0"/>
-                  <a:t>Let </a:t>
-                </a:r>
-                <a14:m>
-                  <m:oMath xmlns:m="http://schemas.openxmlformats.org/officeDocument/2006/math">
-                    <m:r>
-                      <a:rPr lang="en-CA" dirty="0" smtClean="0">
-                        <a:latin typeface="Cambria Math" panose="02040503050406030204" pitchFamily="18" charset="0"/>
-                      </a:rPr>
-                      <m:t>𝑣</m:t>
-                    </m:r>
-                  </m:oMath>
-                </a14:m>
-                <a:r>
-                  <a:rPr lang="en-CA" dirty="0"/>
-                  <a:t> be the leftmost vertex of P.</a:t>
-                </a:r>
-              </a:p>
-              <a:p>
-                <a:pPr lvl="1"/>
-                <a:r>
-                  <a:rPr lang="en-CA" dirty="0"/>
-                  <a:t>Let </a:t>
-                </a:r>
-                <a14:m>
-                  <m:oMath xmlns:m="http://schemas.openxmlformats.org/officeDocument/2006/math">
-                    <m:r>
-                      <a:rPr lang="en-CA" dirty="0" smtClean="0">
-                        <a:latin typeface="Cambria Math" panose="02040503050406030204" pitchFamily="18" charset="0"/>
-                      </a:rPr>
-                      <m:t>𝑢</m:t>
-                    </m:r>
-                  </m:oMath>
-                </a14:m>
-                <a:r>
-                  <a:rPr lang="en-CA" dirty="0"/>
-                  <a:t> and </a:t>
-                </a:r>
-                <a14:m>
-                  <m:oMath xmlns:m="http://schemas.openxmlformats.org/officeDocument/2006/math">
-                    <m:r>
-                      <a:rPr lang="en-CA" dirty="0" smtClean="0">
-                        <a:latin typeface="Cambria Math" panose="02040503050406030204" pitchFamily="18" charset="0"/>
-                      </a:rPr>
-                      <m:t>𝑤</m:t>
-                    </m:r>
-                    <m:r>
-                      <a:rPr lang="en-CA" dirty="0" smtClean="0">
-                        <a:latin typeface="Cambria Math" panose="02040503050406030204" pitchFamily="18" charset="0"/>
-                      </a:rPr>
-                      <m:t> </m:t>
-                    </m:r>
-                  </m:oMath>
-                </a14:m>
-                <a:r>
-                  <a:rPr lang="en-CA" dirty="0"/>
-                  <a:t>be its neighbors.</a:t>
-                </a:r>
-              </a:p>
-              <a:p>
-                <a:pPr lvl="1"/>
-                <a:r>
-                  <a:rPr lang="en-CA" dirty="0"/>
-                  <a:t>If </a:t>
-                </a:r>
-                <a14:m>
-                  <m:oMath xmlns:m="http://schemas.openxmlformats.org/officeDocument/2006/math">
-                    <m:r>
-                      <a:rPr lang="en-CA" dirty="0" smtClean="0">
-                        <a:latin typeface="Cambria Math" panose="02040503050406030204" pitchFamily="18" charset="0"/>
-                      </a:rPr>
-                      <m:t>𝑢𝑤</m:t>
-                    </m:r>
-                  </m:oMath>
-                </a14:m>
-                <a:r>
-                  <a:rPr lang="en-CA" dirty="0"/>
-                  <a:t> is a diagonal we are done</a:t>
-                </a:r>
-              </a:p>
-            </p:txBody>
-          </p:sp>
-        </mc:Choice>
-        <mc:Fallback xmlns="">
-          <p:sp>
-            <p:nvSpPr>
-              <p:cNvPr id="30723" name="Content Placeholder 2"/>
-              <p:cNvSpPr>
-                <a:spLocks noGrp="1" noRot="1" noChangeAspect="1" noMove="1" noResize="1" noEditPoints="1" noAdjustHandles="1" noChangeArrowheads="1" noChangeShapeType="1" noTextEdit="1"/>
-              </p:cNvSpPr>
-              <p:nvPr>
-                <p:ph sz="half" idx="1"/>
-              </p:nvPr>
-            </p:nvSpPr>
-            <p:spPr>
-              <a:xfrm>
-                <a:off x="657986" y="1205309"/>
-                <a:ext cx="6861024" cy="4824960"/>
-              </a:xfrm>
-              <a:blipFill>
-                <a:blip r:embed="rId2"/>
-                <a:stretch>
-                  <a:fillRect l="-2403"/>
-                </a:stretch>
-              </a:blipFill>
-            </p:spPr>
-            <p:txBody>
-              <a:bodyPr/>
-              <a:lstStyle/>
-              <a:p>
-                <a:r>
-                  <a:rPr lang="en-US">
-                    <a:noFill/>
-                  </a:rPr>
-                  <a:t> </a:t>
-                </a:r>
-              </a:p>
-            </p:txBody>
-          </p:sp>
-        </mc:Fallback>
-      </mc:AlternateContent>
-      <p:sp>
-        <p:nvSpPr>
-          <p:cNvPr id="5" name="Content Placeholder 4">
-            <a:extLst>
-              <a:ext uri="{FF2B5EF4-FFF2-40B4-BE49-F238E27FC236}">
-                <a16:creationId xmlns:a16="http://schemas.microsoft.com/office/drawing/2014/main" id="{F4AECFA1-242F-244F-9AF5-6143CDCCEFD0}"/>
-              </a:ext>
-            </a:extLst>
-          </p:cNvPr>
-          <p:cNvSpPr>
-            <a:spLocks noGrp="1"/>
-          </p:cNvSpPr>
-          <p:nvPr>
-            <p:ph sz="half" idx="10"/>
-          </p:nvPr>
-        </p:nvSpPr>
-        <p:spPr/>
-        <p:txBody>
-          <a:bodyPr/>
-          <a:lstStyle/>
-          <a:p>
-            <a:endParaRPr lang="en-US"/>
-          </a:p>
-        </p:txBody>
-      </p:sp>
-      <p:sp>
-        <p:nvSpPr>
-          <p:cNvPr id="7" name="Content Placeholder 6">
-            <a:extLst>
-              <a:ext uri="{FF2B5EF4-FFF2-40B4-BE49-F238E27FC236}">
-                <a16:creationId xmlns:a16="http://schemas.microsoft.com/office/drawing/2014/main" id="{A83EC889-6848-9C4C-A4AF-8BD13C334A5B}"/>
-              </a:ext>
-            </a:extLst>
-          </p:cNvPr>
-          <p:cNvSpPr>
-            <a:spLocks noGrp="1"/>
-          </p:cNvSpPr>
-          <p:nvPr>
-            <p:ph sz="half" idx="11"/>
-          </p:nvPr>
-        </p:nvSpPr>
-        <p:spPr/>
-        <p:txBody>
-          <a:bodyPr/>
-          <a:lstStyle/>
-          <a:p>
-            <a:r>
-              <a:rPr lang="en-CA" dirty="0"/>
-              <a:t>Existence of a Diagonal</a:t>
-            </a:r>
-            <a:endParaRPr lang="en-US" dirty="0"/>
-          </a:p>
-        </p:txBody>
-      </p:sp>
-      <p:sp>
-        <p:nvSpPr>
-          <p:cNvPr id="6" name="Freeform 5">
-            <a:extLst>
-              <a:ext uri="{FF2B5EF4-FFF2-40B4-BE49-F238E27FC236}">
-                <a16:creationId xmlns:a16="http://schemas.microsoft.com/office/drawing/2014/main" id="{64719627-524A-1744-937F-7E23727F8374}"/>
-              </a:ext>
-            </a:extLst>
-          </p:cNvPr>
-          <p:cNvSpPr/>
-          <p:nvPr/>
-        </p:nvSpPr>
-        <p:spPr>
-          <a:xfrm>
-            <a:off x="8067040" y="2464855"/>
-            <a:ext cx="3972560" cy="2426193"/>
-          </a:xfrm>
-          <a:custGeom>
-            <a:avLst/>
-            <a:gdLst>
-              <a:gd name="connsiteX0" fmla="*/ 0 w 3972560"/>
-              <a:gd name="connsiteY0" fmla="*/ 386080 h 1656080"/>
-              <a:gd name="connsiteX1" fmla="*/ 274320 w 3972560"/>
-              <a:gd name="connsiteY1" fmla="*/ 1188720 h 1656080"/>
-              <a:gd name="connsiteX2" fmla="*/ 812800 w 3972560"/>
-              <a:gd name="connsiteY2" fmla="*/ 1605280 h 1656080"/>
-              <a:gd name="connsiteX3" fmla="*/ 1889760 w 3972560"/>
-              <a:gd name="connsiteY3" fmla="*/ 1005840 h 1656080"/>
-              <a:gd name="connsiteX4" fmla="*/ 2682240 w 3972560"/>
-              <a:gd name="connsiteY4" fmla="*/ 1656080 h 1656080"/>
-              <a:gd name="connsiteX5" fmla="*/ 3972560 w 3972560"/>
-              <a:gd name="connsiteY5" fmla="*/ 1016000 h 1656080"/>
-              <a:gd name="connsiteX6" fmla="*/ 3078480 w 3972560"/>
-              <a:gd name="connsiteY6" fmla="*/ 223520 h 1656080"/>
-              <a:gd name="connsiteX7" fmla="*/ 2682240 w 3972560"/>
-              <a:gd name="connsiteY7" fmla="*/ 223520 h 1656080"/>
-              <a:gd name="connsiteX8" fmla="*/ 2631440 w 3972560"/>
-              <a:gd name="connsiteY8" fmla="*/ 345440 h 1656080"/>
-              <a:gd name="connsiteX9" fmla="*/ 1381760 w 3972560"/>
-              <a:gd name="connsiteY9" fmla="*/ 436880 h 1656080"/>
-              <a:gd name="connsiteX10" fmla="*/ 894080 w 3972560"/>
-              <a:gd name="connsiteY10" fmla="*/ 0 h 1656080"/>
-              <a:gd name="connsiteX11" fmla="*/ 0 w 3972560"/>
-              <a:gd name="connsiteY11" fmla="*/ 386080 h 1656080"/>
-            </a:gdLst>
-            <a:ahLst/>
-            <a:cxnLst>
-              <a:cxn ang="0">
-                <a:pos x="connsiteX0" y="connsiteY0"/>
-              </a:cxn>
-              <a:cxn ang="0">
-                <a:pos x="connsiteX1" y="connsiteY1"/>
-              </a:cxn>
-              <a:cxn ang="0">
-                <a:pos x="connsiteX2" y="connsiteY2"/>
-              </a:cxn>
-              <a:cxn ang="0">
-                <a:pos x="connsiteX3" y="connsiteY3"/>
-              </a:cxn>
-              <a:cxn ang="0">
-                <a:pos x="connsiteX4" y="connsiteY4"/>
-              </a:cxn>
-              <a:cxn ang="0">
-                <a:pos x="connsiteX5" y="connsiteY5"/>
-              </a:cxn>
-              <a:cxn ang="0">
-                <a:pos x="connsiteX6" y="connsiteY6"/>
-              </a:cxn>
-              <a:cxn ang="0">
-                <a:pos x="connsiteX7" y="connsiteY7"/>
-              </a:cxn>
-              <a:cxn ang="0">
-                <a:pos x="connsiteX8" y="connsiteY8"/>
-              </a:cxn>
-              <a:cxn ang="0">
-                <a:pos x="connsiteX9" y="connsiteY9"/>
-              </a:cxn>
-              <a:cxn ang="0">
-                <a:pos x="connsiteX10" y="connsiteY10"/>
-              </a:cxn>
-              <a:cxn ang="0">
-                <a:pos x="connsiteX11" y="connsiteY11"/>
-              </a:cxn>
-            </a:cxnLst>
-            <a:rect l="l" t="t" r="r" b="b"/>
-            <a:pathLst>
-              <a:path w="3972560" h="1656080">
-                <a:moveTo>
-                  <a:pt x="0" y="386080"/>
-                </a:moveTo>
-                <a:lnTo>
-                  <a:pt x="274320" y="1188720"/>
-                </a:lnTo>
-                <a:lnTo>
-                  <a:pt x="812800" y="1605280"/>
-                </a:lnTo>
-                <a:lnTo>
-                  <a:pt x="1889760" y="1005840"/>
-                </a:lnTo>
-                <a:lnTo>
-                  <a:pt x="2682240" y="1656080"/>
-                </a:lnTo>
-                <a:lnTo>
-                  <a:pt x="3972560" y="1016000"/>
-                </a:lnTo>
-                <a:lnTo>
-                  <a:pt x="3078480" y="223520"/>
-                </a:lnTo>
-                <a:lnTo>
-                  <a:pt x="2682240" y="223520"/>
-                </a:lnTo>
-                <a:lnTo>
-                  <a:pt x="2631440" y="345440"/>
-                </a:lnTo>
-                <a:lnTo>
-                  <a:pt x="1381760" y="436880"/>
-                </a:lnTo>
-                <a:lnTo>
-                  <a:pt x="894080" y="0"/>
-                </a:lnTo>
-                <a:lnTo>
-                  <a:pt x="0" y="386080"/>
-                </a:lnTo>
-                <a:close/>
-              </a:path>
-            </a:pathLst>
-          </a:custGeom>
-          <a:solidFill>
-            <a:schemeClr val="accent6">
-              <a:lumMod val="60000"/>
-              <a:lumOff val="40000"/>
-            </a:schemeClr>
-          </a:solidFill>
-          <a:ln>
-            <a:solidFill>
-              <a:schemeClr val="tx1"/>
-            </a:solidFill>
-          </a:ln>
-        </p:spPr>
-        <p:style>
-          <a:lnRef idx="2">
-            <a:schemeClr val="accent1">
-              <a:shade val="50000"/>
-            </a:schemeClr>
-          </a:lnRef>
-          <a:fillRef idx="1">
-            <a:schemeClr val="accent1"/>
-          </a:fillRef>
-          <a:effectRef idx="0">
-            <a:schemeClr val="accent1"/>
-          </a:effectRef>
-          <a:fontRef idx="minor">
-            <a:schemeClr val="lt1"/>
-          </a:fontRef>
-        </p:style>
-        <p:txBody>
-          <a:bodyPr rtlCol="0" anchor="ctr"/>
-          <a:lstStyle/>
-          <a:p>
-            <a:pPr algn="ctr"/>
-            <a:endParaRPr lang="en-US"/>
-          </a:p>
-        </p:txBody>
-      </p:sp>
-      <p:cxnSp>
-        <p:nvCxnSpPr>
-          <p:cNvPr id="9" name="Straight Connector 8">
-            <a:extLst>
-              <a:ext uri="{FF2B5EF4-FFF2-40B4-BE49-F238E27FC236}">
-                <a16:creationId xmlns:a16="http://schemas.microsoft.com/office/drawing/2014/main" id="{4A30FE15-D7F6-DD45-9561-5A9B13DBC6EB}"/>
-              </a:ext>
-            </a:extLst>
-          </p:cNvPr>
-          <p:cNvCxnSpPr>
-            <a:stCxn id="6" idx="1"/>
-            <a:endCxn id="6" idx="10"/>
-          </p:cNvCxnSpPr>
-          <p:nvPr/>
-        </p:nvCxnSpPr>
-        <p:spPr>
-          <a:xfrm flipV="1">
-            <a:off x="8341360" y="2464855"/>
-            <a:ext cx="619760" cy="1741500"/>
-          </a:xfrm>
-          <a:prstGeom prst="line">
-            <a:avLst/>
-          </a:prstGeom>
-          <a:ln w="47625">
-            <a:headEnd type="oval"/>
-            <a:tailEnd type="oval"/>
-          </a:ln>
-        </p:spPr>
-        <p:style>
-          <a:lnRef idx="1">
-            <a:schemeClr val="accent1"/>
-          </a:lnRef>
-          <a:fillRef idx="0">
-            <a:schemeClr val="accent1"/>
-          </a:fillRef>
-          <a:effectRef idx="0">
-            <a:schemeClr val="accent1"/>
-          </a:effectRef>
-          <a:fontRef idx="minor">
-            <a:schemeClr val="tx1"/>
-          </a:fontRef>
-        </p:style>
-      </p:cxnSp>
-      <p:cxnSp>
-        <p:nvCxnSpPr>
-          <p:cNvPr id="12" name="Straight Connector 11">
-            <a:extLst>
-              <a:ext uri="{FF2B5EF4-FFF2-40B4-BE49-F238E27FC236}">
-                <a16:creationId xmlns:a16="http://schemas.microsoft.com/office/drawing/2014/main" id="{4D2A740C-3E1C-6542-97BE-0BBCEC923954}"/>
-              </a:ext>
-            </a:extLst>
-          </p:cNvPr>
-          <p:cNvCxnSpPr>
-            <a:cxnSpLocks/>
-            <a:stCxn id="6" idx="0"/>
-            <a:endCxn id="6" idx="0"/>
-          </p:cNvCxnSpPr>
-          <p:nvPr/>
-        </p:nvCxnSpPr>
-        <p:spPr>
-          <a:xfrm>
-            <a:off x="8067040" y="3030471"/>
-            <a:ext cx="0" cy="0"/>
-          </a:xfrm>
-          <a:prstGeom prst="line">
-            <a:avLst/>
-          </a:prstGeom>
-          <a:ln w="47625">
-            <a:headEnd type="oval"/>
-            <a:tailEnd type="oval"/>
-          </a:ln>
-        </p:spPr>
-        <p:style>
-          <a:lnRef idx="1">
-            <a:schemeClr val="accent1"/>
-          </a:lnRef>
-          <a:fillRef idx="0">
-            <a:schemeClr val="accent1"/>
-          </a:fillRef>
-          <a:effectRef idx="0">
-            <a:schemeClr val="accent1"/>
-          </a:effectRef>
-          <a:fontRef idx="minor">
-            <a:schemeClr val="tx1"/>
-          </a:fontRef>
-        </p:style>
-      </p:cxnSp>
-      <p:sp>
-        <p:nvSpPr>
-          <p:cNvPr id="13" name="TextBox 12">
-            <a:extLst>
-              <a:ext uri="{FF2B5EF4-FFF2-40B4-BE49-F238E27FC236}">
-                <a16:creationId xmlns:a16="http://schemas.microsoft.com/office/drawing/2014/main" id="{3757C0AC-4BC0-3342-B3F4-F0E27D8066A9}"/>
-              </a:ext>
-            </a:extLst>
-          </p:cNvPr>
-          <p:cNvSpPr txBox="1"/>
-          <p:nvPr/>
-        </p:nvSpPr>
-        <p:spPr>
-          <a:xfrm>
-            <a:off x="8194846" y="4274820"/>
-            <a:ext cx="306494" cy="369332"/>
-          </a:xfrm>
-          <a:prstGeom prst="rect">
-            <a:avLst/>
-          </a:prstGeom>
-          <a:noFill/>
-        </p:spPr>
-        <p:txBody>
-          <a:bodyPr wrap="none" rtlCol="0">
-            <a:spAutoFit/>
-          </a:bodyPr>
-          <a:lstStyle/>
-          <a:p>
-            <a:r>
-              <a:rPr lang="en-US" dirty="0"/>
-              <a:t>u</a:t>
-            </a:r>
-          </a:p>
-        </p:txBody>
-      </p:sp>
-      <p:sp>
-        <p:nvSpPr>
-          <p:cNvPr id="16" name="TextBox 15">
-            <a:extLst>
-              <a:ext uri="{FF2B5EF4-FFF2-40B4-BE49-F238E27FC236}">
-                <a16:creationId xmlns:a16="http://schemas.microsoft.com/office/drawing/2014/main" id="{1B8750C6-EEFD-5341-9EFF-C34E781C1F3F}"/>
-              </a:ext>
-            </a:extLst>
-          </p:cNvPr>
-          <p:cNvSpPr txBox="1"/>
-          <p:nvPr/>
-        </p:nvSpPr>
-        <p:spPr>
-          <a:xfrm>
-            <a:off x="7785754" y="3108372"/>
-            <a:ext cx="288862" cy="369332"/>
-          </a:xfrm>
-          <a:prstGeom prst="rect">
-            <a:avLst/>
-          </a:prstGeom>
-          <a:noFill/>
-        </p:spPr>
-        <p:txBody>
-          <a:bodyPr wrap="none" rtlCol="0">
-            <a:spAutoFit/>
-          </a:bodyPr>
-          <a:lstStyle/>
-          <a:p>
-            <a:r>
-              <a:rPr lang="en-US" dirty="0"/>
-              <a:t>v</a:t>
-            </a:r>
-          </a:p>
-        </p:txBody>
-      </p:sp>
-      <p:sp>
-        <p:nvSpPr>
-          <p:cNvPr id="17" name="TextBox 16">
-            <a:extLst>
-              <a:ext uri="{FF2B5EF4-FFF2-40B4-BE49-F238E27FC236}">
-                <a16:creationId xmlns:a16="http://schemas.microsoft.com/office/drawing/2014/main" id="{7FF1F389-2D84-3D42-AB57-7508BD1B9224}"/>
-              </a:ext>
-            </a:extLst>
-          </p:cNvPr>
-          <p:cNvSpPr txBox="1"/>
-          <p:nvPr/>
-        </p:nvSpPr>
-        <p:spPr>
-          <a:xfrm>
-            <a:off x="9060552" y="2249027"/>
-            <a:ext cx="349776" cy="369332"/>
-          </a:xfrm>
-          <a:prstGeom prst="rect">
-            <a:avLst/>
-          </a:prstGeom>
-          <a:noFill/>
-        </p:spPr>
-        <p:txBody>
-          <a:bodyPr wrap="none" rtlCol="0">
-            <a:spAutoFit/>
-          </a:bodyPr>
-          <a:lstStyle/>
-          <a:p>
-            <a:r>
-              <a:rPr lang="en-US" dirty="0"/>
-              <a:t>w</a:t>
-            </a:r>
-          </a:p>
-        </p:txBody>
-      </p:sp>
-    </p:spTree>
-    <p:extLst>
-      <p:ext uri="{BB962C8B-B14F-4D97-AF65-F5344CB8AC3E}">
-        <p14:creationId xmlns:p14="http://schemas.microsoft.com/office/powerpoint/2010/main" val="606899880"/>
-      </p:ext>
-    </p:extLst>
-  </p:cSld>
-  <p:clrMapOvr>
-    <a:masterClrMapping/>
-  </p:clrMapOvr>
-</p:sld>
-</file>
-
-<file path=ppt/slides/slide21.xml><?xml version="1.0" encoding="utf-8"?>
-<p:sld xmlns:a="http://schemas.openxmlformats.org/drawingml/2006/main" xmlns:r="http://schemas.openxmlformats.org/officeDocument/2006/relationships" xmlns:p="http://schemas.openxmlformats.org/presentationml/2006/main">
-  <p:cSld>
-    <p:spTree>
-      <p:nvGrpSpPr>
-        <p:cNvPr id="1" name=""/>
-        <p:cNvGrpSpPr/>
-        <p:nvPr/>
-      </p:nvGrpSpPr>
-      <p:grpSpPr>
-        <a:xfrm>
-          <a:off x="0" y="0"/>
-          <a:ext cx="0" cy="0"/>
-          <a:chOff x="0" y="0"/>
-          <a:chExt cx="0" cy="0"/>
-        </a:xfrm>
-      </p:grpSpPr>
-      <mc:AlternateContent xmlns:mc="http://schemas.openxmlformats.org/markup-compatibility/2006" xmlns:a14="http://schemas.microsoft.com/office/drawing/2010/main">
-        <mc:Choice Requires="a14">
-          <p:sp>
-            <p:nvSpPr>
-              <p:cNvPr id="29699" name="Content Placeholder 2"/>
-              <p:cNvSpPr>
-                <a:spLocks noGrp="1"/>
-              </p:cNvSpPr>
-              <p:nvPr>
-                <p:ph sz="half" idx="1"/>
-              </p:nvPr>
-            </p:nvSpPr>
-            <p:spPr/>
-            <p:txBody>
-              <a:bodyPr/>
-              <a:lstStyle/>
-              <a:p>
-                <a:r>
-                  <a:rPr lang="en-CA" dirty="0"/>
-                  <a:t>If </a:t>
-                </a:r>
-                <a14:m>
-                  <m:oMath xmlns:m="http://schemas.openxmlformats.org/officeDocument/2006/math">
-                    <m:r>
-                      <a:rPr lang="en-CA" dirty="0">
-                        <a:latin typeface="Cambria Math" panose="02040503050406030204" pitchFamily="18" charset="0"/>
-                      </a:rPr>
-                      <m:t>𝑢𝑤</m:t>
-                    </m:r>
-                  </m:oMath>
-                </a14:m>
-                <a:r>
-                  <a:rPr lang="en-CA" dirty="0"/>
-                  <a:t> is not a diagonal, let </a:t>
-                </a:r>
-                <a14:m>
-                  <m:oMath xmlns:m="http://schemas.openxmlformats.org/officeDocument/2006/math">
-                    <m:r>
-                      <a:rPr lang="en-CA" dirty="0">
-                        <a:latin typeface="Cambria Math" panose="02040503050406030204" pitchFamily="18" charset="0"/>
-                      </a:rPr>
-                      <m:t>𝑣</m:t>
-                    </m:r>
-                    <m:r>
-                      <a:rPr lang="en-CA" dirty="0">
-                        <a:latin typeface="Cambria Math" panose="02040503050406030204" pitchFamily="18" charset="0"/>
-                      </a:rPr>
-                      <m:t> ′</m:t>
-                    </m:r>
-                  </m:oMath>
-                </a14:m>
-                <a:r>
-                  <a:rPr lang="en-CA" dirty="0"/>
-                  <a:t> be the vertex in triangle </a:t>
-                </a:r>
-                <a14:m>
-                  <m:oMath xmlns:m="http://schemas.openxmlformats.org/officeDocument/2006/math">
-                    <m:r>
-                      <a:rPr lang="en-CA" dirty="0">
-                        <a:latin typeface="Cambria Math" panose="02040503050406030204" pitchFamily="18" charset="0"/>
-                      </a:rPr>
-                      <m:t>(</m:t>
-                    </m:r>
-                    <m:r>
-                      <a:rPr lang="en-CA" dirty="0">
-                        <a:latin typeface="Cambria Math" panose="02040503050406030204" pitchFamily="18" charset="0"/>
-                      </a:rPr>
-                      <m:t>𝑢</m:t>
-                    </m:r>
-                    <m:r>
-                      <a:rPr lang="en-CA" dirty="0">
-                        <a:latin typeface="Cambria Math" panose="02040503050406030204" pitchFamily="18" charset="0"/>
-                      </a:rPr>
-                      <m:t>, </m:t>
-                    </m:r>
-                    <m:r>
-                      <a:rPr lang="en-CA" dirty="0">
-                        <a:latin typeface="Cambria Math" panose="02040503050406030204" pitchFamily="18" charset="0"/>
-                      </a:rPr>
-                      <m:t>𝑣</m:t>
-                    </m:r>
-                    <m:r>
-                      <a:rPr lang="en-CA" dirty="0">
-                        <a:latin typeface="Cambria Math" panose="02040503050406030204" pitchFamily="18" charset="0"/>
-                      </a:rPr>
-                      <m:t>, </m:t>
-                    </m:r>
-                    <m:r>
-                      <a:rPr lang="en-CA" dirty="0">
-                        <a:latin typeface="Cambria Math" panose="02040503050406030204" pitchFamily="18" charset="0"/>
-                      </a:rPr>
-                      <m:t>𝑤</m:t>
-                    </m:r>
-                    <m:r>
-                      <a:rPr lang="en-CA" dirty="0">
-                        <a:latin typeface="Cambria Math" panose="02040503050406030204" pitchFamily="18" charset="0"/>
-                      </a:rPr>
-                      <m:t>) </m:t>
-                    </m:r>
-                  </m:oMath>
-                </a14:m>
-                <a:r>
-                  <a:rPr lang="en-CA" dirty="0"/>
-                  <a:t>that is farthest from </a:t>
-                </a:r>
-                <a14:m>
-                  <m:oMath xmlns:m="http://schemas.openxmlformats.org/officeDocument/2006/math">
-                    <m:r>
-                      <a:rPr lang="en-CA" dirty="0">
-                        <a:latin typeface="Cambria Math" panose="02040503050406030204" pitchFamily="18" charset="0"/>
-                      </a:rPr>
-                      <m:t>𝑢</m:t>
-                    </m:r>
-                    <m:r>
-                      <a:rPr lang="en-CA" dirty="0" smtClean="0">
-                        <a:latin typeface="Cambria Math" panose="02040503050406030204" pitchFamily="18" charset="0"/>
-                      </a:rPr>
-                      <m:t>𝑤</m:t>
-                    </m:r>
-                  </m:oMath>
-                </a14:m>
-                <a:endParaRPr lang="en-CA" dirty="0"/>
-              </a:p>
-              <a:p>
-                <a:r>
-                  <a:rPr lang="en-CA" dirty="0"/>
-                  <a:t>Then </a:t>
-                </a:r>
-                <a14:m>
-                  <m:oMath xmlns:m="http://schemas.openxmlformats.org/officeDocument/2006/math">
-                    <m:r>
-                      <a:rPr lang="en-CA" dirty="0">
-                        <a:latin typeface="Cambria Math" panose="02040503050406030204" pitchFamily="18" charset="0"/>
-                      </a:rPr>
-                      <m:t>𝑣𝑣</m:t>
-                    </m:r>
-                    <m:r>
-                      <a:rPr lang="en-CA" dirty="0">
-                        <a:latin typeface="Cambria Math" panose="02040503050406030204" pitchFamily="18" charset="0"/>
-                      </a:rPr>
-                      <m:t> ′</m:t>
-                    </m:r>
-                  </m:oMath>
-                </a14:m>
-                <a:r>
-                  <a:rPr lang="en-CA" dirty="0"/>
-                  <a:t> is a diagonal: if an </a:t>
-                </a:r>
-                <a:br>
-                  <a:rPr lang="en-CA" dirty="0"/>
-                </a:br>
-                <a:r>
-                  <a:rPr lang="en-CA" dirty="0"/>
-                  <a:t>edge was crossing it, one of </a:t>
-                </a:r>
-                <a:br>
-                  <a:rPr lang="en-CA" dirty="0"/>
-                </a:br>
-                <a:r>
-                  <a:rPr lang="en-CA" dirty="0"/>
-                  <a:t>its endpoints would be farther </a:t>
-                </a:r>
-                <a:br>
-                  <a:rPr lang="en-CA" dirty="0"/>
-                </a:br>
-                <a:r>
-                  <a:rPr lang="en-CA" dirty="0"/>
-                  <a:t>from </a:t>
-                </a:r>
-                <a14:m>
-                  <m:oMath xmlns:m="http://schemas.openxmlformats.org/officeDocument/2006/math">
-                    <m:r>
-                      <a:rPr lang="en-CA" dirty="0">
-                        <a:latin typeface="Cambria Math" panose="02040503050406030204" pitchFamily="18" charset="0"/>
-                      </a:rPr>
-                      <m:t>𝑢𝑤</m:t>
-                    </m:r>
-                  </m:oMath>
-                </a14:m>
-                <a:r>
-                  <a:rPr lang="en-CA" dirty="0"/>
-                  <a:t> and inside </a:t>
-                </a:r>
-                <a14:m>
-                  <m:oMath xmlns:m="http://schemas.openxmlformats.org/officeDocument/2006/math">
-                    <m:r>
-                      <a:rPr lang="en-CA" dirty="0">
-                        <a:latin typeface="Cambria Math" panose="02040503050406030204" pitchFamily="18" charset="0"/>
-                      </a:rPr>
-                      <m:t>(</m:t>
-                    </m:r>
-                    <m:r>
-                      <a:rPr lang="en-CA" dirty="0">
-                        <a:latin typeface="Cambria Math" panose="02040503050406030204" pitchFamily="18" charset="0"/>
-                      </a:rPr>
-                      <m:t>𝑢</m:t>
-                    </m:r>
-                    <m:r>
-                      <a:rPr lang="en-CA" dirty="0">
-                        <a:latin typeface="Cambria Math" panose="02040503050406030204" pitchFamily="18" charset="0"/>
-                      </a:rPr>
-                      <m:t>, </m:t>
-                    </m:r>
-                    <m:r>
-                      <a:rPr lang="en-CA" dirty="0">
-                        <a:latin typeface="Cambria Math" panose="02040503050406030204" pitchFamily="18" charset="0"/>
-                      </a:rPr>
-                      <m:t>𝑣</m:t>
-                    </m:r>
-                    <m:r>
-                      <a:rPr lang="en-CA" dirty="0">
-                        <a:latin typeface="Cambria Math" panose="02040503050406030204" pitchFamily="18" charset="0"/>
-                      </a:rPr>
-                      <m:t>,</m:t>
-                    </m:r>
-                    <m:r>
-                      <a:rPr lang="en-CA" dirty="0">
-                        <a:latin typeface="Cambria Math" panose="02040503050406030204" pitchFamily="18" charset="0"/>
-                      </a:rPr>
-                      <m:t>𝑤</m:t>
-                    </m:r>
-                    <m:r>
-                      <a:rPr lang="en-CA" dirty="0">
-                        <a:latin typeface="Cambria Math" panose="02040503050406030204" pitchFamily="18" charset="0"/>
-                      </a:rPr>
-                      <m:t>)</m:t>
-                    </m:r>
-                  </m:oMath>
-                </a14:m>
-                <a:endParaRPr lang="en-CA" dirty="0"/>
-              </a:p>
-            </p:txBody>
-          </p:sp>
-        </mc:Choice>
-        <mc:Fallback xmlns="">
-          <p:sp>
-            <p:nvSpPr>
-              <p:cNvPr id="29699" name="Content Placeholder 2"/>
-              <p:cNvSpPr>
-                <a:spLocks noGrp="1" noRot="1" noChangeAspect="1" noMove="1" noResize="1" noEditPoints="1" noAdjustHandles="1" noChangeArrowheads="1" noChangeShapeType="1" noTextEdit="1"/>
-              </p:cNvSpPr>
-              <p:nvPr>
-                <p:ph sz="half" idx="1"/>
-              </p:nvPr>
-            </p:nvSpPr>
-            <p:spPr>
-              <a:blipFill>
-                <a:blip r:embed="rId2"/>
-                <a:stretch>
-                  <a:fillRect l="-1517"/>
-                </a:stretch>
-              </a:blipFill>
-            </p:spPr>
-            <p:txBody>
-              <a:bodyPr/>
-              <a:lstStyle/>
-              <a:p>
-                <a:r>
-                  <a:rPr lang="en-US">
-                    <a:noFill/>
-                  </a:rPr>
-                  <a:t> </a:t>
-                </a:r>
-              </a:p>
-            </p:txBody>
-          </p:sp>
-        </mc:Fallback>
-      </mc:AlternateContent>
-      <p:sp>
-        <p:nvSpPr>
-          <p:cNvPr id="25" name="Content Placeholder 24">
-            <a:extLst>
-              <a:ext uri="{FF2B5EF4-FFF2-40B4-BE49-F238E27FC236}">
-                <a16:creationId xmlns:a16="http://schemas.microsoft.com/office/drawing/2014/main" id="{44F69710-374D-024C-878D-6C1405303982}"/>
-              </a:ext>
-            </a:extLst>
-          </p:cNvPr>
-          <p:cNvSpPr>
-            <a:spLocks noGrp="1"/>
-          </p:cNvSpPr>
-          <p:nvPr>
-            <p:ph sz="half" idx="10"/>
-          </p:nvPr>
-        </p:nvSpPr>
-        <p:spPr/>
-        <p:txBody>
-          <a:bodyPr/>
-          <a:lstStyle/>
-          <a:p>
-            <a:endParaRPr lang="en-US"/>
-          </a:p>
-        </p:txBody>
-      </p:sp>
-      <p:sp>
-        <p:nvSpPr>
-          <p:cNvPr id="4" name="Content Placeholder 3">
-            <a:extLst>
-              <a:ext uri="{FF2B5EF4-FFF2-40B4-BE49-F238E27FC236}">
-                <a16:creationId xmlns:a16="http://schemas.microsoft.com/office/drawing/2014/main" id="{2A00EF24-8D4B-D94E-8D25-4F44218735F4}"/>
-              </a:ext>
-            </a:extLst>
-          </p:cNvPr>
-          <p:cNvSpPr>
-            <a:spLocks noGrp="1"/>
-          </p:cNvSpPr>
-          <p:nvPr>
-            <p:ph sz="half" idx="11"/>
-          </p:nvPr>
-        </p:nvSpPr>
-        <p:spPr/>
-        <p:txBody>
-          <a:bodyPr/>
-          <a:lstStyle/>
-          <a:p>
-            <a:r>
-              <a:rPr lang="en-CA" dirty="0"/>
-              <a:t>Existence of a Diagonal</a:t>
-            </a:r>
-            <a:endParaRPr lang="en-US" dirty="0"/>
-          </a:p>
-        </p:txBody>
-      </p:sp>
-      <p:grpSp>
-        <p:nvGrpSpPr>
-          <p:cNvPr id="15" name="Group 14">
-            <a:extLst>
-              <a:ext uri="{FF2B5EF4-FFF2-40B4-BE49-F238E27FC236}">
-                <a16:creationId xmlns:a16="http://schemas.microsoft.com/office/drawing/2014/main" id="{AAC08334-163E-0D49-AA50-B542CBA95353}"/>
-              </a:ext>
-            </a:extLst>
-          </p:cNvPr>
-          <p:cNvGrpSpPr/>
-          <p:nvPr/>
-        </p:nvGrpSpPr>
-        <p:grpSpPr>
-          <a:xfrm>
-            <a:off x="7709554" y="3255807"/>
-            <a:ext cx="4253846" cy="2763993"/>
-            <a:chOff x="7391400" y="1905000"/>
-            <a:chExt cx="4253846" cy="2763993"/>
-          </a:xfrm>
-        </p:grpSpPr>
-        <p:sp>
-          <p:nvSpPr>
-            <p:cNvPr id="18" name="Freeform 17">
-              <a:extLst>
-                <a:ext uri="{FF2B5EF4-FFF2-40B4-BE49-F238E27FC236}">
-                  <a16:creationId xmlns:a16="http://schemas.microsoft.com/office/drawing/2014/main" id="{16957969-FBB8-7D4E-949C-388F9669EB77}"/>
-                </a:ext>
-              </a:extLst>
-            </p:cNvPr>
-            <p:cNvSpPr/>
-            <p:nvPr/>
-          </p:nvSpPr>
-          <p:spPr>
-            <a:xfrm>
-              <a:off x="7672686" y="2274332"/>
-              <a:ext cx="3972560" cy="2394661"/>
-            </a:xfrm>
-            <a:custGeom>
-              <a:avLst/>
-              <a:gdLst>
-                <a:gd name="connsiteX0" fmla="*/ 0 w 3972560"/>
-                <a:gd name="connsiteY0" fmla="*/ 386080 h 1656080"/>
-                <a:gd name="connsiteX1" fmla="*/ 274320 w 3972560"/>
-                <a:gd name="connsiteY1" fmla="*/ 1188720 h 1656080"/>
-                <a:gd name="connsiteX2" fmla="*/ 812800 w 3972560"/>
-                <a:gd name="connsiteY2" fmla="*/ 1605280 h 1656080"/>
-                <a:gd name="connsiteX3" fmla="*/ 1889760 w 3972560"/>
-                <a:gd name="connsiteY3" fmla="*/ 1005840 h 1656080"/>
-                <a:gd name="connsiteX4" fmla="*/ 2682240 w 3972560"/>
-                <a:gd name="connsiteY4" fmla="*/ 1656080 h 1656080"/>
-                <a:gd name="connsiteX5" fmla="*/ 3972560 w 3972560"/>
-                <a:gd name="connsiteY5" fmla="*/ 1016000 h 1656080"/>
-                <a:gd name="connsiteX6" fmla="*/ 3078480 w 3972560"/>
-                <a:gd name="connsiteY6" fmla="*/ 223520 h 1656080"/>
-                <a:gd name="connsiteX7" fmla="*/ 2682240 w 3972560"/>
-                <a:gd name="connsiteY7" fmla="*/ 223520 h 1656080"/>
-                <a:gd name="connsiteX8" fmla="*/ 2631440 w 3972560"/>
-                <a:gd name="connsiteY8" fmla="*/ 345440 h 1656080"/>
-                <a:gd name="connsiteX9" fmla="*/ 1381760 w 3972560"/>
-                <a:gd name="connsiteY9" fmla="*/ 436880 h 1656080"/>
-                <a:gd name="connsiteX10" fmla="*/ 894080 w 3972560"/>
-                <a:gd name="connsiteY10" fmla="*/ 0 h 1656080"/>
-                <a:gd name="connsiteX11" fmla="*/ 0 w 3972560"/>
-                <a:gd name="connsiteY11" fmla="*/ 386080 h 1656080"/>
-                <a:gd name="connsiteX0" fmla="*/ 0 w 3972560"/>
-                <a:gd name="connsiteY0" fmla="*/ 386080 h 1656080"/>
-                <a:gd name="connsiteX1" fmla="*/ 274320 w 3972560"/>
-                <a:gd name="connsiteY1" fmla="*/ 1188720 h 1656080"/>
-                <a:gd name="connsiteX2" fmla="*/ 812800 w 3972560"/>
-                <a:gd name="connsiteY2" fmla="*/ 1605280 h 1656080"/>
-                <a:gd name="connsiteX3" fmla="*/ 1889760 w 3972560"/>
-                <a:gd name="connsiteY3" fmla="*/ 1005840 h 1656080"/>
-                <a:gd name="connsiteX4" fmla="*/ 2682240 w 3972560"/>
-                <a:gd name="connsiteY4" fmla="*/ 1656080 h 1656080"/>
-                <a:gd name="connsiteX5" fmla="*/ 3972560 w 3972560"/>
-                <a:gd name="connsiteY5" fmla="*/ 1016000 h 1656080"/>
-                <a:gd name="connsiteX6" fmla="*/ 3078480 w 3972560"/>
-                <a:gd name="connsiteY6" fmla="*/ 223520 h 1656080"/>
-                <a:gd name="connsiteX7" fmla="*/ 2682240 w 3972560"/>
-                <a:gd name="connsiteY7" fmla="*/ 223520 h 1656080"/>
-                <a:gd name="connsiteX8" fmla="*/ 2631440 w 3972560"/>
-                <a:gd name="connsiteY8" fmla="*/ 345440 h 1656080"/>
-                <a:gd name="connsiteX9" fmla="*/ 357002 w 3972560"/>
-                <a:gd name="connsiteY9" fmla="*/ 533732 h 1656080"/>
-                <a:gd name="connsiteX10" fmla="*/ 894080 w 3972560"/>
-                <a:gd name="connsiteY10" fmla="*/ 0 h 1656080"/>
-                <a:gd name="connsiteX11" fmla="*/ 0 w 3972560"/>
-                <a:gd name="connsiteY11" fmla="*/ 386080 h 1656080"/>
-                <a:gd name="connsiteX0" fmla="*/ 0 w 3972560"/>
-                <a:gd name="connsiteY0" fmla="*/ 386080 h 1656080"/>
-                <a:gd name="connsiteX1" fmla="*/ 431975 w 3972560"/>
-                <a:gd name="connsiteY1" fmla="*/ 1446991 h 1656080"/>
-                <a:gd name="connsiteX2" fmla="*/ 812800 w 3972560"/>
-                <a:gd name="connsiteY2" fmla="*/ 1605280 h 1656080"/>
-                <a:gd name="connsiteX3" fmla="*/ 1889760 w 3972560"/>
-                <a:gd name="connsiteY3" fmla="*/ 1005840 h 1656080"/>
-                <a:gd name="connsiteX4" fmla="*/ 2682240 w 3972560"/>
-                <a:gd name="connsiteY4" fmla="*/ 1656080 h 1656080"/>
-                <a:gd name="connsiteX5" fmla="*/ 3972560 w 3972560"/>
-                <a:gd name="connsiteY5" fmla="*/ 1016000 h 1656080"/>
-                <a:gd name="connsiteX6" fmla="*/ 3078480 w 3972560"/>
-                <a:gd name="connsiteY6" fmla="*/ 223520 h 1656080"/>
-                <a:gd name="connsiteX7" fmla="*/ 2682240 w 3972560"/>
-                <a:gd name="connsiteY7" fmla="*/ 223520 h 1656080"/>
-                <a:gd name="connsiteX8" fmla="*/ 2631440 w 3972560"/>
-                <a:gd name="connsiteY8" fmla="*/ 345440 h 1656080"/>
-                <a:gd name="connsiteX9" fmla="*/ 357002 w 3972560"/>
-                <a:gd name="connsiteY9" fmla="*/ 533732 h 1656080"/>
-                <a:gd name="connsiteX10" fmla="*/ 894080 w 3972560"/>
-                <a:gd name="connsiteY10" fmla="*/ 0 h 1656080"/>
-                <a:gd name="connsiteX11" fmla="*/ 0 w 3972560"/>
-                <a:gd name="connsiteY11" fmla="*/ 386080 h 1656080"/>
-                <a:gd name="connsiteX0" fmla="*/ 0 w 3972560"/>
-                <a:gd name="connsiteY0" fmla="*/ 386080 h 1656080"/>
-                <a:gd name="connsiteX1" fmla="*/ 431975 w 3972560"/>
-                <a:gd name="connsiteY1" fmla="*/ 1446991 h 1656080"/>
-                <a:gd name="connsiteX2" fmla="*/ 812800 w 3972560"/>
-                <a:gd name="connsiteY2" fmla="*/ 1605280 h 1656080"/>
-                <a:gd name="connsiteX3" fmla="*/ 1889760 w 3972560"/>
-                <a:gd name="connsiteY3" fmla="*/ 1005840 h 1656080"/>
-                <a:gd name="connsiteX4" fmla="*/ 2682240 w 3972560"/>
-                <a:gd name="connsiteY4" fmla="*/ 1656080 h 1656080"/>
-                <a:gd name="connsiteX5" fmla="*/ 3972560 w 3972560"/>
-                <a:gd name="connsiteY5" fmla="*/ 1016000 h 1656080"/>
-                <a:gd name="connsiteX6" fmla="*/ 3078480 w 3972560"/>
-                <a:gd name="connsiteY6" fmla="*/ 223520 h 1656080"/>
-                <a:gd name="connsiteX7" fmla="*/ 2682240 w 3972560"/>
-                <a:gd name="connsiteY7" fmla="*/ 223520 h 1656080"/>
-                <a:gd name="connsiteX8" fmla="*/ 2631440 w 3972560"/>
-                <a:gd name="connsiteY8" fmla="*/ 345440 h 1656080"/>
-                <a:gd name="connsiteX9" fmla="*/ 688078 w 3972560"/>
-                <a:gd name="connsiteY9" fmla="*/ 781241 h 1656080"/>
-                <a:gd name="connsiteX10" fmla="*/ 894080 w 3972560"/>
-                <a:gd name="connsiteY10" fmla="*/ 0 h 1656080"/>
-                <a:gd name="connsiteX11" fmla="*/ 0 w 3972560"/>
-                <a:gd name="connsiteY11" fmla="*/ 386080 h 1656080"/>
-                <a:gd name="connsiteX0" fmla="*/ 0 w 3972560"/>
-                <a:gd name="connsiteY0" fmla="*/ 386080 h 1656080"/>
-                <a:gd name="connsiteX1" fmla="*/ 431975 w 3972560"/>
-                <a:gd name="connsiteY1" fmla="*/ 1446991 h 1656080"/>
-                <a:gd name="connsiteX2" fmla="*/ 1538014 w 3972560"/>
-                <a:gd name="connsiteY2" fmla="*/ 1508429 h 1656080"/>
-                <a:gd name="connsiteX3" fmla="*/ 1889760 w 3972560"/>
-                <a:gd name="connsiteY3" fmla="*/ 1005840 h 1656080"/>
-                <a:gd name="connsiteX4" fmla="*/ 2682240 w 3972560"/>
-                <a:gd name="connsiteY4" fmla="*/ 1656080 h 1656080"/>
-                <a:gd name="connsiteX5" fmla="*/ 3972560 w 3972560"/>
-                <a:gd name="connsiteY5" fmla="*/ 1016000 h 1656080"/>
-                <a:gd name="connsiteX6" fmla="*/ 3078480 w 3972560"/>
-                <a:gd name="connsiteY6" fmla="*/ 223520 h 1656080"/>
-                <a:gd name="connsiteX7" fmla="*/ 2682240 w 3972560"/>
-                <a:gd name="connsiteY7" fmla="*/ 223520 h 1656080"/>
-                <a:gd name="connsiteX8" fmla="*/ 2631440 w 3972560"/>
-                <a:gd name="connsiteY8" fmla="*/ 345440 h 1656080"/>
-                <a:gd name="connsiteX9" fmla="*/ 688078 w 3972560"/>
-                <a:gd name="connsiteY9" fmla="*/ 781241 h 1656080"/>
-                <a:gd name="connsiteX10" fmla="*/ 894080 w 3972560"/>
-                <a:gd name="connsiteY10" fmla="*/ 0 h 1656080"/>
-                <a:gd name="connsiteX11" fmla="*/ 0 w 3972560"/>
-                <a:gd name="connsiteY11" fmla="*/ 386080 h 1656080"/>
-                <a:gd name="connsiteX0" fmla="*/ 0 w 3972560"/>
-                <a:gd name="connsiteY0" fmla="*/ 386080 h 1656080"/>
-                <a:gd name="connsiteX1" fmla="*/ 920706 w 3972560"/>
-                <a:gd name="connsiteY1" fmla="*/ 1479275 h 1656080"/>
-                <a:gd name="connsiteX2" fmla="*/ 1538014 w 3972560"/>
-                <a:gd name="connsiteY2" fmla="*/ 1508429 h 1656080"/>
-                <a:gd name="connsiteX3" fmla="*/ 1889760 w 3972560"/>
-                <a:gd name="connsiteY3" fmla="*/ 1005840 h 1656080"/>
-                <a:gd name="connsiteX4" fmla="*/ 2682240 w 3972560"/>
-                <a:gd name="connsiteY4" fmla="*/ 1656080 h 1656080"/>
-                <a:gd name="connsiteX5" fmla="*/ 3972560 w 3972560"/>
-                <a:gd name="connsiteY5" fmla="*/ 1016000 h 1656080"/>
-                <a:gd name="connsiteX6" fmla="*/ 3078480 w 3972560"/>
-                <a:gd name="connsiteY6" fmla="*/ 223520 h 1656080"/>
-                <a:gd name="connsiteX7" fmla="*/ 2682240 w 3972560"/>
-                <a:gd name="connsiteY7" fmla="*/ 223520 h 1656080"/>
-                <a:gd name="connsiteX8" fmla="*/ 2631440 w 3972560"/>
-                <a:gd name="connsiteY8" fmla="*/ 345440 h 1656080"/>
-                <a:gd name="connsiteX9" fmla="*/ 688078 w 3972560"/>
-                <a:gd name="connsiteY9" fmla="*/ 781241 h 1656080"/>
-                <a:gd name="connsiteX10" fmla="*/ 894080 w 3972560"/>
-                <a:gd name="connsiteY10" fmla="*/ 0 h 1656080"/>
-                <a:gd name="connsiteX11" fmla="*/ 0 w 3972560"/>
-                <a:gd name="connsiteY11" fmla="*/ 386080 h 1656080"/>
-                <a:gd name="connsiteX0" fmla="*/ 0 w 3972560"/>
-                <a:gd name="connsiteY0" fmla="*/ 386080 h 1656080"/>
-                <a:gd name="connsiteX1" fmla="*/ 920706 w 3972560"/>
-                <a:gd name="connsiteY1" fmla="*/ 1479275 h 1656080"/>
-                <a:gd name="connsiteX2" fmla="*/ 1538014 w 3972560"/>
-                <a:gd name="connsiteY2" fmla="*/ 1508429 h 1656080"/>
-                <a:gd name="connsiteX3" fmla="*/ 1889760 w 3972560"/>
-                <a:gd name="connsiteY3" fmla="*/ 1005840 h 1656080"/>
-                <a:gd name="connsiteX4" fmla="*/ 2682240 w 3972560"/>
-                <a:gd name="connsiteY4" fmla="*/ 1656080 h 1656080"/>
-                <a:gd name="connsiteX5" fmla="*/ 3972560 w 3972560"/>
-                <a:gd name="connsiteY5" fmla="*/ 1016000 h 1656080"/>
-                <a:gd name="connsiteX6" fmla="*/ 3078480 w 3972560"/>
-                <a:gd name="connsiteY6" fmla="*/ 223520 h 1656080"/>
-                <a:gd name="connsiteX7" fmla="*/ 2682240 w 3972560"/>
-                <a:gd name="connsiteY7" fmla="*/ 223520 h 1656080"/>
-                <a:gd name="connsiteX8" fmla="*/ 1559385 w 3972560"/>
-                <a:gd name="connsiteY8" fmla="*/ 754368 h 1656080"/>
-                <a:gd name="connsiteX9" fmla="*/ 688078 w 3972560"/>
-                <a:gd name="connsiteY9" fmla="*/ 781241 h 1656080"/>
-                <a:gd name="connsiteX10" fmla="*/ 894080 w 3972560"/>
-                <a:gd name="connsiteY10" fmla="*/ 0 h 1656080"/>
-                <a:gd name="connsiteX11" fmla="*/ 0 w 3972560"/>
-                <a:gd name="connsiteY11" fmla="*/ 386080 h 1656080"/>
-                <a:gd name="connsiteX0" fmla="*/ 0 w 3972560"/>
-                <a:gd name="connsiteY0" fmla="*/ 386080 h 1656080"/>
-                <a:gd name="connsiteX1" fmla="*/ 920706 w 3972560"/>
-                <a:gd name="connsiteY1" fmla="*/ 1479275 h 1656080"/>
-                <a:gd name="connsiteX2" fmla="*/ 1538014 w 3972560"/>
-                <a:gd name="connsiteY2" fmla="*/ 1508429 h 1656080"/>
-                <a:gd name="connsiteX3" fmla="*/ 1889760 w 3972560"/>
-                <a:gd name="connsiteY3" fmla="*/ 1005840 h 1656080"/>
-                <a:gd name="connsiteX4" fmla="*/ 2682240 w 3972560"/>
-                <a:gd name="connsiteY4" fmla="*/ 1656080 h 1656080"/>
-                <a:gd name="connsiteX5" fmla="*/ 3972560 w 3972560"/>
-                <a:gd name="connsiteY5" fmla="*/ 1016000 h 1656080"/>
-                <a:gd name="connsiteX6" fmla="*/ 3078480 w 3972560"/>
-                <a:gd name="connsiteY6" fmla="*/ 223520 h 1656080"/>
-                <a:gd name="connsiteX7" fmla="*/ 2051619 w 3972560"/>
-                <a:gd name="connsiteY7" fmla="*/ 83623 h 1656080"/>
-                <a:gd name="connsiteX8" fmla="*/ 1559385 w 3972560"/>
-                <a:gd name="connsiteY8" fmla="*/ 754368 h 1656080"/>
-                <a:gd name="connsiteX9" fmla="*/ 688078 w 3972560"/>
-                <a:gd name="connsiteY9" fmla="*/ 781241 h 1656080"/>
-                <a:gd name="connsiteX10" fmla="*/ 894080 w 3972560"/>
-                <a:gd name="connsiteY10" fmla="*/ 0 h 1656080"/>
-                <a:gd name="connsiteX11" fmla="*/ 0 w 3972560"/>
-                <a:gd name="connsiteY11" fmla="*/ 386080 h 1656080"/>
-                <a:gd name="connsiteX0" fmla="*/ 0 w 3972560"/>
-                <a:gd name="connsiteY0" fmla="*/ 364557 h 1634557"/>
-                <a:gd name="connsiteX1" fmla="*/ 920706 w 3972560"/>
-                <a:gd name="connsiteY1" fmla="*/ 1457752 h 1634557"/>
-                <a:gd name="connsiteX2" fmla="*/ 1538014 w 3972560"/>
-                <a:gd name="connsiteY2" fmla="*/ 1486906 h 1634557"/>
-                <a:gd name="connsiteX3" fmla="*/ 1889760 w 3972560"/>
-                <a:gd name="connsiteY3" fmla="*/ 984317 h 1634557"/>
-                <a:gd name="connsiteX4" fmla="*/ 2682240 w 3972560"/>
-                <a:gd name="connsiteY4" fmla="*/ 1634557 h 1634557"/>
-                <a:gd name="connsiteX5" fmla="*/ 3972560 w 3972560"/>
-                <a:gd name="connsiteY5" fmla="*/ 994477 h 1634557"/>
-                <a:gd name="connsiteX6" fmla="*/ 3078480 w 3972560"/>
-                <a:gd name="connsiteY6" fmla="*/ 201997 h 1634557"/>
-                <a:gd name="connsiteX7" fmla="*/ 2051619 w 3972560"/>
-                <a:gd name="connsiteY7" fmla="*/ 62100 h 1634557"/>
-                <a:gd name="connsiteX8" fmla="*/ 1559385 w 3972560"/>
-                <a:gd name="connsiteY8" fmla="*/ 732845 h 1634557"/>
-                <a:gd name="connsiteX9" fmla="*/ 688078 w 3972560"/>
-                <a:gd name="connsiteY9" fmla="*/ 759718 h 1634557"/>
-                <a:gd name="connsiteX10" fmla="*/ 1493170 w 3972560"/>
-                <a:gd name="connsiteY10" fmla="*/ 0 h 1634557"/>
-                <a:gd name="connsiteX11" fmla="*/ 0 w 3972560"/>
-                <a:gd name="connsiteY11" fmla="*/ 364557 h 1634557"/>
-                <a:gd name="connsiteX0" fmla="*/ 0 w 3972560"/>
-                <a:gd name="connsiteY0" fmla="*/ 364557 h 1634557"/>
-                <a:gd name="connsiteX1" fmla="*/ 920706 w 3972560"/>
-                <a:gd name="connsiteY1" fmla="*/ 1457752 h 1634557"/>
-                <a:gd name="connsiteX2" fmla="*/ 1538014 w 3972560"/>
-                <a:gd name="connsiteY2" fmla="*/ 1486906 h 1634557"/>
-                <a:gd name="connsiteX3" fmla="*/ 1889760 w 3972560"/>
-                <a:gd name="connsiteY3" fmla="*/ 984317 h 1634557"/>
-                <a:gd name="connsiteX4" fmla="*/ 2682240 w 3972560"/>
-                <a:gd name="connsiteY4" fmla="*/ 1634557 h 1634557"/>
-                <a:gd name="connsiteX5" fmla="*/ 3972560 w 3972560"/>
-                <a:gd name="connsiteY5" fmla="*/ 994477 h 1634557"/>
-                <a:gd name="connsiteX6" fmla="*/ 3078480 w 3972560"/>
-                <a:gd name="connsiteY6" fmla="*/ 201997 h 1634557"/>
-                <a:gd name="connsiteX7" fmla="*/ 2051619 w 3972560"/>
-                <a:gd name="connsiteY7" fmla="*/ 62100 h 1634557"/>
-                <a:gd name="connsiteX8" fmla="*/ 1559385 w 3972560"/>
-                <a:gd name="connsiteY8" fmla="*/ 732845 h 1634557"/>
-                <a:gd name="connsiteX9" fmla="*/ 751140 w 3972560"/>
-                <a:gd name="connsiteY9" fmla="*/ 630583 h 1634557"/>
-                <a:gd name="connsiteX10" fmla="*/ 1493170 w 3972560"/>
-                <a:gd name="connsiteY10" fmla="*/ 0 h 1634557"/>
-                <a:gd name="connsiteX11" fmla="*/ 0 w 3972560"/>
-                <a:gd name="connsiteY11" fmla="*/ 364557 h 1634557"/>
-                <a:gd name="connsiteX0" fmla="*/ 0 w 3972560"/>
-                <a:gd name="connsiteY0" fmla="*/ 364557 h 1634557"/>
-                <a:gd name="connsiteX1" fmla="*/ 920706 w 3972560"/>
-                <a:gd name="connsiteY1" fmla="*/ 1457752 h 1634557"/>
-                <a:gd name="connsiteX2" fmla="*/ 1538014 w 3972560"/>
-                <a:gd name="connsiteY2" fmla="*/ 1486906 h 1634557"/>
-                <a:gd name="connsiteX3" fmla="*/ 1889760 w 3972560"/>
-                <a:gd name="connsiteY3" fmla="*/ 984317 h 1634557"/>
-                <a:gd name="connsiteX4" fmla="*/ 2682240 w 3972560"/>
-                <a:gd name="connsiteY4" fmla="*/ 1634557 h 1634557"/>
-                <a:gd name="connsiteX5" fmla="*/ 3972560 w 3972560"/>
-                <a:gd name="connsiteY5" fmla="*/ 994477 h 1634557"/>
-                <a:gd name="connsiteX6" fmla="*/ 3078480 w 3972560"/>
-                <a:gd name="connsiteY6" fmla="*/ 201997 h 1634557"/>
-                <a:gd name="connsiteX7" fmla="*/ 2051619 w 3972560"/>
-                <a:gd name="connsiteY7" fmla="*/ 62100 h 1634557"/>
-                <a:gd name="connsiteX8" fmla="*/ 1559385 w 3972560"/>
-                <a:gd name="connsiteY8" fmla="*/ 732845 h 1634557"/>
-                <a:gd name="connsiteX9" fmla="*/ 561954 w 3972560"/>
-                <a:gd name="connsiteY9" fmla="*/ 576777 h 1634557"/>
-                <a:gd name="connsiteX10" fmla="*/ 1493170 w 3972560"/>
-                <a:gd name="connsiteY10" fmla="*/ 0 h 1634557"/>
-                <a:gd name="connsiteX11" fmla="*/ 0 w 3972560"/>
-                <a:gd name="connsiteY11" fmla="*/ 364557 h 1634557"/>
-                <a:gd name="connsiteX0" fmla="*/ 0 w 3972560"/>
-                <a:gd name="connsiteY0" fmla="*/ 364557 h 1634557"/>
-                <a:gd name="connsiteX1" fmla="*/ 1046830 w 3972560"/>
-                <a:gd name="connsiteY1" fmla="*/ 1210242 h 1634557"/>
-                <a:gd name="connsiteX2" fmla="*/ 1538014 w 3972560"/>
-                <a:gd name="connsiteY2" fmla="*/ 1486906 h 1634557"/>
-                <a:gd name="connsiteX3" fmla="*/ 1889760 w 3972560"/>
-                <a:gd name="connsiteY3" fmla="*/ 984317 h 1634557"/>
-                <a:gd name="connsiteX4" fmla="*/ 2682240 w 3972560"/>
-                <a:gd name="connsiteY4" fmla="*/ 1634557 h 1634557"/>
-                <a:gd name="connsiteX5" fmla="*/ 3972560 w 3972560"/>
-                <a:gd name="connsiteY5" fmla="*/ 994477 h 1634557"/>
-                <a:gd name="connsiteX6" fmla="*/ 3078480 w 3972560"/>
-                <a:gd name="connsiteY6" fmla="*/ 201997 h 1634557"/>
-                <a:gd name="connsiteX7" fmla="*/ 2051619 w 3972560"/>
-                <a:gd name="connsiteY7" fmla="*/ 62100 h 1634557"/>
-                <a:gd name="connsiteX8" fmla="*/ 1559385 w 3972560"/>
-                <a:gd name="connsiteY8" fmla="*/ 732845 h 1634557"/>
-                <a:gd name="connsiteX9" fmla="*/ 561954 w 3972560"/>
-                <a:gd name="connsiteY9" fmla="*/ 576777 h 1634557"/>
-                <a:gd name="connsiteX10" fmla="*/ 1493170 w 3972560"/>
-                <a:gd name="connsiteY10" fmla="*/ 0 h 1634557"/>
-                <a:gd name="connsiteX11" fmla="*/ 0 w 3972560"/>
-                <a:gd name="connsiteY11" fmla="*/ 364557 h 1634557"/>
-                <a:gd name="connsiteX0" fmla="*/ 0 w 3972560"/>
-                <a:gd name="connsiteY0" fmla="*/ 364557 h 1634557"/>
-                <a:gd name="connsiteX1" fmla="*/ 1046830 w 3972560"/>
-                <a:gd name="connsiteY1" fmla="*/ 1210242 h 1634557"/>
-                <a:gd name="connsiteX2" fmla="*/ 1632607 w 3972560"/>
-                <a:gd name="connsiteY2" fmla="*/ 1196351 h 1634557"/>
-                <a:gd name="connsiteX3" fmla="*/ 1889760 w 3972560"/>
-                <a:gd name="connsiteY3" fmla="*/ 984317 h 1634557"/>
-                <a:gd name="connsiteX4" fmla="*/ 2682240 w 3972560"/>
-                <a:gd name="connsiteY4" fmla="*/ 1634557 h 1634557"/>
-                <a:gd name="connsiteX5" fmla="*/ 3972560 w 3972560"/>
-                <a:gd name="connsiteY5" fmla="*/ 994477 h 1634557"/>
-                <a:gd name="connsiteX6" fmla="*/ 3078480 w 3972560"/>
-                <a:gd name="connsiteY6" fmla="*/ 201997 h 1634557"/>
-                <a:gd name="connsiteX7" fmla="*/ 2051619 w 3972560"/>
-                <a:gd name="connsiteY7" fmla="*/ 62100 h 1634557"/>
-                <a:gd name="connsiteX8" fmla="*/ 1559385 w 3972560"/>
-                <a:gd name="connsiteY8" fmla="*/ 732845 h 1634557"/>
-                <a:gd name="connsiteX9" fmla="*/ 561954 w 3972560"/>
-                <a:gd name="connsiteY9" fmla="*/ 576777 h 1634557"/>
-                <a:gd name="connsiteX10" fmla="*/ 1493170 w 3972560"/>
-                <a:gd name="connsiteY10" fmla="*/ 0 h 1634557"/>
-                <a:gd name="connsiteX11" fmla="*/ 0 w 3972560"/>
-                <a:gd name="connsiteY11" fmla="*/ 364557 h 1634557"/>
-                <a:gd name="connsiteX0" fmla="*/ 0 w 3972560"/>
-                <a:gd name="connsiteY0" fmla="*/ 364557 h 1634557"/>
-                <a:gd name="connsiteX1" fmla="*/ 1046830 w 3972560"/>
-                <a:gd name="connsiteY1" fmla="*/ 1210242 h 1634557"/>
-                <a:gd name="connsiteX2" fmla="*/ 1889760 w 3972560"/>
-                <a:gd name="connsiteY2" fmla="*/ 984317 h 1634557"/>
-                <a:gd name="connsiteX3" fmla="*/ 2682240 w 3972560"/>
-                <a:gd name="connsiteY3" fmla="*/ 1634557 h 1634557"/>
-                <a:gd name="connsiteX4" fmla="*/ 3972560 w 3972560"/>
-                <a:gd name="connsiteY4" fmla="*/ 994477 h 1634557"/>
-                <a:gd name="connsiteX5" fmla="*/ 3078480 w 3972560"/>
-                <a:gd name="connsiteY5" fmla="*/ 201997 h 1634557"/>
-                <a:gd name="connsiteX6" fmla="*/ 2051619 w 3972560"/>
-                <a:gd name="connsiteY6" fmla="*/ 62100 h 1634557"/>
-                <a:gd name="connsiteX7" fmla="*/ 1559385 w 3972560"/>
-                <a:gd name="connsiteY7" fmla="*/ 732845 h 1634557"/>
-                <a:gd name="connsiteX8" fmla="*/ 561954 w 3972560"/>
-                <a:gd name="connsiteY8" fmla="*/ 576777 h 1634557"/>
-                <a:gd name="connsiteX9" fmla="*/ 1493170 w 3972560"/>
-                <a:gd name="connsiteY9" fmla="*/ 0 h 1634557"/>
-                <a:gd name="connsiteX10" fmla="*/ 0 w 3972560"/>
-                <a:gd name="connsiteY10" fmla="*/ 364557 h 1634557"/>
-              </a:gdLst>
-              <a:ahLst/>
-              <a:cxnLst>
-                <a:cxn ang="0">
-                  <a:pos x="connsiteX0" y="connsiteY0"/>
-                </a:cxn>
-                <a:cxn ang="0">
-                  <a:pos x="connsiteX1" y="connsiteY1"/>
-                </a:cxn>
-                <a:cxn ang="0">
-                  <a:pos x="connsiteX2" y="connsiteY2"/>
-                </a:cxn>
-                <a:cxn ang="0">
-                  <a:pos x="connsiteX3" y="connsiteY3"/>
-                </a:cxn>
-                <a:cxn ang="0">
-                  <a:pos x="connsiteX4" y="connsiteY4"/>
-                </a:cxn>
-                <a:cxn ang="0">
-                  <a:pos x="connsiteX5" y="connsiteY5"/>
-                </a:cxn>
-                <a:cxn ang="0">
-                  <a:pos x="connsiteX6" y="connsiteY6"/>
-                </a:cxn>
-                <a:cxn ang="0">
-                  <a:pos x="connsiteX7" y="connsiteY7"/>
-                </a:cxn>
-                <a:cxn ang="0">
-                  <a:pos x="connsiteX8" y="connsiteY8"/>
-                </a:cxn>
-                <a:cxn ang="0">
-                  <a:pos x="connsiteX9" y="connsiteY9"/>
-                </a:cxn>
-                <a:cxn ang="0">
-                  <a:pos x="connsiteX10" y="connsiteY10"/>
-                </a:cxn>
-              </a:cxnLst>
-              <a:rect l="l" t="t" r="r" b="b"/>
-              <a:pathLst>
-                <a:path w="3972560" h="1634557">
-                  <a:moveTo>
-                    <a:pt x="0" y="364557"/>
-                  </a:moveTo>
-                  <a:lnTo>
-                    <a:pt x="1046830" y="1210242"/>
-                  </a:lnTo>
-                  <a:lnTo>
-                    <a:pt x="1889760" y="984317"/>
-                  </a:lnTo>
-                  <a:lnTo>
-                    <a:pt x="2682240" y="1634557"/>
-                  </a:lnTo>
-                  <a:lnTo>
-                    <a:pt x="3972560" y="994477"/>
-                  </a:lnTo>
-                  <a:lnTo>
-                    <a:pt x="3078480" y="201997"/>
-                  </a:lnTo>
-                  <a:lnTo>
-                    <a:pt x="2051619" y="62100"/>
-                  </a:lnTo>
-                  <a:lnTo>
-                    <a:pt x="1559385" y="732845"/>
-                  </a:lnTo>
-                  <a:lnTo>
-                    <a:pt x="561954" y="576777"/>
-                  </a:lnTo>
-                  <a:lnTo>
-                    <a:pt x="1493170" y="0"/>
-                  </a:lnTo>
-                  <a:lnTo>
-                    <a:pt x="0" y="364557"/>
-                  </a:lnTo>
-                  <a:close/>
-                </a:path>
-              </a:pathLst>
-            </a:custGeom>
-            <a:solidFill>
-              <a:schemeClr val="accent6">
-                <a:lumMod val="60000"/>
-                <a:lumOff val="40000"/>
-              </a:schemeClr>
-            </a:solidFill>
-            <a:ln>
-              <a:solidFill>
-                <a:schemeClr val="tx1"/>
-              </a:solidFill>
-            </a:ln>
-          </p:spPr>
-          <p:style>
-            <a:lnRef idx="2">
-              <a:schemeClr val="accent1">
-                <a:shade val="50000"/>
-              </a:schemeClr>
-            </a:lnRef>
-            <a:fillRef idx="1">
-              <a:schemeClr val="accent1"/>
-            </a:fillRef>
-            <a:effectRef idx="0">
-              <a:schemeClr val="accent1"/>
-            </a:effectRef>
-            <a:fontRef idx="minor">
-              <a:schemeClr val="lt1"/>
-            </a:fontRef>
-          </p:style>
-          <p:txBody>
-            <a:bodyPr rtlCol="0" anchor="ctr"/>
-            <a:lstStyle/>
-            <a:p>
-              <a:pPr algn="ctr"/>
-              <a:endParaRPr lang="en-US"/>
-            </a:p>
-          </p:txBody>
-        </p:sp>
-        <p:cxnSp>
-          <p:nvCxnSpPr>
-            <p:cNvPr id="19" name="Straight Connector 18">
-              <a:extLst>
-                <a:ext uri="{FF2B5EF4-FFF2-40B4-BE49-F238E27FC236}">
-                  <a16:creationId xmlns:a16="http://schemas.microsoft.com/office/drawing/2014/main" id="{091B29F3-7ED8-0545-B524-9BCDACDAF1C2}"/>
-                </a:ext>
-              </a:extLst>
-            </p:cNvPr>
-            <p:cNvCxnSpPr>
-              <a:cxnSpLocks/>
-              <a:stCxn id="18" idx="1"/>
-              <a:endCxn id="18" idx="9"/>
-            </p:cNvCxnSpPr>
-            <p:nvPr/>
-          </p:nvCxnSpPr>
-          <p:spPr>
-            <a:xfrm flipV="1">
-              <a:off x="8719516" y="2274332"/>
-              <a:ext cx="446340" cy="1773030"/>
-            </a:xfrm>
-            <a:prstGeom prst="line">
-              <a:avLst/>
-            </a:prstGeom>
-            <a:ln w="47625">
-              <a:solidFill>
-                <a:schemeClr val="accent1"/>
-              </a:solidFill>
-              <a:headEnd type="oval"/>
-              <a:tailEnd type="oval"/>
-            </a:ln>
-          </p:spPr>
-          <p:style>
-            <a:lnRef idx="1">
-              <a:schemeClr val="accent1"/>
-            </a:lnRef>
-            <a:fillRef idx="0">
-              <a:schemeClr val="accent1"/>
-            </a:fillRef>
-            <a:effectRef idx="0">
-              <a:schemeClr val="accent1"/>
-            </a:effectRef>
-            <a:fontRef idx="minor">
-              <a:schemeClr val="tx1"/>
-            </a:fontRef>
-          </p:style>
-        </p:cxnSp>
-        <p:sp>
-          <p:nvSpPr>
-            <p:cNvPr id="21" name="TextBox 20">
-              <a:extLst>
-                <a:ext uri="{FF2B5EF4-FFF2-40B4-BE49-F238E27FC236}">
-                  <a16:creationId xmlns:a16="http://schemas.microsoft.com/office/drawing/2014/main" id="{42722232-79C3-F645-9E0A-C861A9EEFB74}"/>
-                </a:ext>
-              </a:extLst>
-            </p:cNvPr>
-            <p:cNvSpPr txBox="1"/>
-            <p:nvPr/>
-          </p:nvSpPr>
-          <p:spPr>
-            <a:xfrm>
-              <a:off x="8716443" y="4047362"/>
-              <a:ext cx="306494" cy="369332"/>
-            </a:xfrm>
-            <a:prstGeom prst="rect">
-              <a:avLst/>
-            </a:prstGeom>
-            <a:noFill/>
-          </p:spPr>
-          <p:txBody>
-            <a:bodyPr wrap="none" rtlCol="0">
-              <a:spAutoFit/>
-            </a:bodyPr>
-            <a:lstStyle/>
-            <a:p>
-              <a:r>
-                <a:rPr lang="en-US" dirty="0"/>
-                <a:t>u</a:t>
-              </a:r>
-            </a:p>
-          </p:txBody>
-        </p:sp>
-        <p:sp>
-          <p:nvSpPr>
-            <p:cNvPr id="22" name="TextBox 21">
-              <a:extLst>
-                <a:ext uri="{FF2B5EF4-FFF2-40B4-BE49-F238E27FC236}">
-                  <a16:creationId xmlns:a16="http://schemas.microsoft.com/office/drawing/2014/main" id="{E34A4764-12A3-E74D-990F-FA8A5B1365F5}"/>
-                </a:ext>
-              </a:extLst>
-            </p:cNvPr>
-            <p:cNvSpPr txBox="1"/>
-            <p:nvPr/>
-          </p:nvSpPr>
-          <p:spPr>
-            <a:xfrm>
-              <a:off x="7391400" y="2886317"/>
-              <a:ext cx="288862" cy="369332"/>
-            </a:xfrm>
-            <a:prstGeom prst="rect">
-              <a:avLst/>
-            </a:prstGeom>
-            <a:noFill/>
-          </p:spPr>
-          <p:txBody>
-            <a:bodyPr wrap="none" rtlCol="0">
-              <a:spAutoFit/>
-            </a:bodyPr>
-            <a:lstStyle/>
-            <a:p>
-              <a:r>
-                <a:rPr lang="en-US" dirty="0"/>
-                <a:t>v</a:t>
-              </a:r>
-            </a:p>
-          </p:txBody>
-        </p:sp>
-        <p:sp>
-          <p:nvSpPr>
-            <p:cNvPr id="23" name="TextBox 22">
-              <a:extLst>
-                <a:ext uri="{FF2B5EF4-FFF2-40B4-BE49-F238E27FC236}">
-                  <a16:creationId xmlns:a16="http://schemas.microsoft.com/office/drawing/2014/main" id="{D98C9D5A-4CDC-EA4B-9C1A-DEB682D9416C}"/>
-                </a:ext>
-              </a:extLst>
-            </p:cNvPr>
-            <p:cNvSpPr txBox="1"/>
-            <p:nvPr/>
-          </p:nvSpPr>
-          <p:spPr>
-            <a:xfrm>
-              <a:off x="9272254" y="1905000"/>
-              <a:ext cx="349776" cy="369332"/>
-            </a:xfrm>
-            <a:prstGeom prst="rect">
-              <a:avLst/>
-            </a:prstGeom>
-            <a:noFill/>
-          </p:spPr>
-          <p:txBody>
-            <a:bodyPr wrap="none" rtlCol="0">
-              <a:spAutoFit/>
-            </a:bodyPr>
-            <a:lstStyle/>
-            <a:p>
-              <a:r>
-                <a:rPr lang="en-US" dirty="0"/>
-                <a:t>w</a:t>
-              </a:r>
-            </a:p>
-          </p:txBody>
-        </p:sp>
-        <p:sp>
-          <p:nvSpPr>
-            <p:cNvPr id="29" name="TextBox 28">
-              <a:extLst>
-                <a:ext uri="{FF2B5EF4-FFF2-40B4-BE49-F238E27FC236}">
-                  <a16:creationId xmlns:a16="http://schemas.microsoft.com/office/drawing/2014/main" id="{FCA2856F-FABA-9D4E-9EB4-87B2EF233C48}"/>
-                </a:ext>
-              </a:extLst>
-            </p:cNvPr>
-            <p:cNvSpPr txBox="1"/>
-            <p:nvPr/>
-          </p:nvSpPr>
-          <p:spPr>
-            <a:xfrm>
-              <a:off x="8331520" y="2849468"/>
-              <a:ext cx="340158" cy="369332"/>
-            </a:xfrm>
-            <a:prstGeom prst="rect">
-              <a:avLst/>
-            </a:prstGeom>
-            <a:noFill/>
-          </p:spPr>
-          <p:txBody>
-            <a:bodyPr wrap="none" rtlCol="0">
-              <a:spAutoFit/>
-            </a:bodyPr>
-            <a:lstStyle/>
-            <a:p>
-              <a:r>
-                <a:rPr lang="en-US" dirty="0"/>
-                <a:t>v'</a:t>
-              </a:r>
-            </a:p>
-          </p:txBody>
-        </p:sp>
-        <p:cxnSp>
-          <p:nvCxnSpPr>
-            <p:cNvPr id="34" name="Straight Connector 33">
-              <a:extLst>
-                <a:ext uri="{FF2B5EF4-FFF2-40B4-BE49-F238E27FC236}">
-                  <a16:creationId xmlns:a16="http://schemas.microsoft.com/office/drawing/2014/main" id="{C895AB4F-C01A-6A49-804C-58DF363947DD}"/>
-                </a:ext>
-              </a:extLst>
-            </p:cNvPr>
-            <p:cNvCxnSpPr>
-              <a:cxnSpLocks/>
-            </p:cNvCxnSpPr>
-            <p:nvPr/>
-          </p:nvCxnSpPr>
-          <p:spPr>
-            <a:xfrm flipV="1">
-              <a:off x="8040133" y="2147619"/>
-              <a:ext cx="446340" cy="1773030"/>
-            </a:xfrm>
-            <a:prstGeom prst="line">
-              <a:avLst/>
-            </a:prstGeom>
-            <a:ln w="47625">
-              <a:solidFill>
-                <a:schemeClr val="accent1"/>
-              </a:solidFill>
-              <a:prstDash val="dash"/>
-              <a:headEnd type="none"/>
-              <a:tailEnd type="none"/>
-            </a:ln>
-          </p:spPr>
-          <p:style>
-            <a:lnRef idx="1">
-              <a:schemeClr val="accent1"/>
-            </a:lnRef>
-            <a:fillRef idx="0">
-              <a:schemeClr val="accent1"/>
-            </a:fillRef>
-            <a:effectRef idx="0">
-              <a:schemeClr val="accent1"/>
-            </a:effectRef>
-            <a:fontRef idx="minor">
-              <a:schemeClr val="tx1"/>
-            </a:fontRef>
-          </p:style>
-        </p:cxnSp>
-        <p:cxnSp>
-          <p:nvCxnSpPr>
-            <p:cNvPr id="35" name="Straight Connector 34">
-              <a:extLst>
-                <a:ext uri="{FF2B5EF4-FFF2-40B4-BE49-F238E27FC236}">
-                  <a16:creationId xmlns:a16="http://schemas.microsoft.com/office/drawing/2014/main" id="{967AD7D3-73C6-F244-956E-8FCAB8506EA4}"/>
-                </a:ext>
-              </a:extLst>
-            </p:cNvPr>
-            <p:cNvCxnSpPr>
-              <a:cxnSpLocks/>
-              <a:stCxn id="18" idx="8"/>
-              <a:endCxn id="18" idx="0"/>
-            </p:cNvCxnSpPr>
-            <p:nvPr/>
-          </p:nvCxnSpPr>
-          <p:spPr>
-            <a:xfrm flipH="1" flipV="1">
-              <a:off x="7672686" y="2808416"/>
-              <a:ext cx="561954" cy="310907"/>
-            </a:xfrm>
-            <a:prstGeom prst="line">
-              <a:avLst/>
-            </a:prstGeom>
-            <a:ln w="47625">
-              <a:solidFill>
-                <a:schemeClr val="accent1"/>
-              </a:solidFill>
-              <a:headEnd type="oval"/>
-              <a:tailEnd type="oval"/>
-            </a:ln>
-          </p:spPr>
-          <p:style>
-            <a:lnRef idx="1">
-              <a:schemeClr val="accent1"/>
-            </a:lnRef>
-            <a:fillRef idx="0">
-              <a:schemeClr val="accent1"/>
-            </a:fillRef>
-            <a:effectRef idx="0">
-              <a:schemeClr val="accent1"/>
-            </a:effectRef>
-            <a:fontRef idx="minor">
-              <a:schemeClr val="tx1"/>
-            </a:fontRef>
-          </p:style>
-        </p:cxnSp>
-      </p:grpSp>
-    </p:spTree>
-    <p:extLst>
-      <p:ext uri="{BB962C8B-B14F-4D97-AF65-F5344CB8AC3E}">
-        <p14:creationId xmlns:p14="http://schemas.microsoft.com/office/powerpoint/2010/main" val="1593170088"/>
-      </p:ext>
-    </p:extLst>
-  </p:cSld>
-  <p:clrMapOvr>
-    <a:masterClrMapping/>
-  </p:clrMapOvr>
-</p:sld>
-</file>
-
-<file path=ppt/slides/slide22.xml><?xml version="1.0" encoding="utf-8"?>
-<p:sld xmlns:a="http://schemas.openxmlformats.org/drawingml/2006/main" xmlns:r="http://schemas.openxmlformats.org/officeDocument/2006/relationships" xmlns:p="http://schemas.openxmlformats.org/presentationml/2006/main">
-  <p:cSld>
-    <p:spTree>
-      <p:nvGrpSpPr>
-        <p:cNvPr id="1" name=""/>
-        <p:cNvGrpSpPr/>
-        <p:nvPr/>
-      </p:nvGrpSpPr>
-      <p:grpSpPr>
-        <a:xfrm>
-          <a:off x="0" y="0"/>
-          <a:ext cx="0" cy="0"/>
-          <a:chOff x="0" y="0"/>
-          <a:chExt cx="0" cy="0"/>
-        </a:xfrm>
-      </p:grpSpPr>
-      <p:sp>
-        <p:nvSpPr>
-          <p:cNvPr id="32771" name="Content Placeholder 2"/>
-          <p:cNvSpPr>
-            <a:spLocks noGrp="1"/>
-          </p:cNvSpPr>
-          <p:nvPr>
-            <p:ph sz="half" idx="1"/>
-          </p:nvPr>
-        </p:nvSpPr>
-        <p:spPr/>
-        <p:txBody>
-          <a:bodyPr/>
-          <a:lstStyle/>
-          <a:p>
-            <a:r>
-              <a:rPr lang="en-US" kern="0" dirty="0"/>
-              <a:t>Lemma: An internal diagonal exists between </a:t>
-            </a:r>
-            <a:r>
-              <a:rPr lang="en-US" kern="0" dirty="0">
-                <a:solidFill>
-                  <a:srgbClr val="FF0000"/>
-                </a:solidFill>
-              </a:rPr>
-              <a:t>any</a:t>
-            </a:r>
-            <a:r>
-              <a:rPr lang="en-US" kern="0" dirty="0"/>
-              <a:t> two nonadjacent vertices of a polygon P if and only if P is convex polygon.</a:t>
-            </a:r>
-          </a:p>
-          <a:p>
-            <a:r>
-              <a:rPr lang="en-US" kern="0" dirty="0"/>
-              <a:t>Proof: The proof consists of two parts, both established by contradiction.</a:t>
-            </a:r>
-          </a:p>
-        </p:txBody>
-      </p:sp>
-      <p:sp>
-        <p:nvSpPr>
-          <p:cNvPr id="7" name="Content Placeholder 6">
-            <a:extLst>
-              <a:ext uri="{FF2B5EF4-FFF2-40B4-BE49-F238E27FC236}">
-                <a16:creationId xmlns:a16="http://schemas.microsoft.com/office/drawing/2014/main" id="{36CCD756-218B-3846-9399-BE43DA312875}"/>
-              </a:ext>
-            </a:extLst>
-          </p:cNvPr>
-          <p:cNvSpPr>
-            <a:spLocks noGrp="1"/>
-          </p:cNvSpPr>
-          <p:nvPr>
-            <p:ph sz="half" idx="10"/>
-          </p:nvPr>
-        </p:nvSpPr>
-        <p:spPr/>
-        <p:txBody>
-          <a:bodyPr/>
-          <a:lstStyle/>
-          <a:p>
-            <a:endParaRPr lang="en-US"/>
-          </a:p>
-        </p:txBody>
-      </p:sp>
-      <p:sp>
-        <p:nvSpPr>
-          <p:cNvPr id="4" name="Content Placeholder 3">
-            <a:extLst>
-              <a:ext uri="{FF2B5EF4-FFF2-40B4-BE49-F238E27FC236}">
-                <a16:creationId xmlns:a16="http://schemas.microsoft.com/office/drawing/2014/main" id="{D8005F8A-A607-F14E-A193-A95A3840FCA5}"/>
-              </a:ext>
-            </a:extLst>
-          </p:cNvPr>
-          <p:cNvSpPr>
-            <a:spLocks noGrp="1"/>
-          </p:cNvSpPr>
-          <p:nvPr>
-            <p:ph sz="half" idx="11"/>
-          </p:nvPr>
-        </p:nvSpPr>
-        <p:spPr/>
-        <p:txBody>
-          <a:bodyPr/>
-          <a:lstStyle/>
-          <a:p>
-            <a:r>
-              <a:rPr lang="en-US" altLang="en-US"/>
-              <a:t>Triangulation Theory: Properties</a:t>
-            </a:r>
-            <a:endParaRPr lang="en-US" dirty="0"/>
-          </a:p>
-        </p:txBody>
-      </p:sp>
-    </p:spTree>
-    <p:extLst>
-      <p:ext uri="{BB962C8B-B14F-4D97-AF65-F5344CB8AC3E}">
-        <p14:creationId xmlns:p14="http://schemas.microsoft.com/office/powerpoint/2010/main" val="3671497937"/>
-      </p:ext>
-    </p:extLst>
-  </p:cSld>
-  <p:clrMapOvr>
-    <a:masterClrMapping/>
-  </p:clrMapOvr>
-</p:sld>
-</file>
-
-<file path=ppt/slides/slide23.xml><?xml version="1.0" encoding="utf-8"?>
-<p:sld xmlns:a="http://schemas.openxmlformats.org/drawingml/2006/main" xmlns:r="http://schemas.openxmlformats.org/officeDocument/2006/relationships" xmlns:p="http://schemas.openxmlformats.org/presentationml/2006/main">
-  <p:cSld>
-    <p:spTree>
-      <p:nvGrpSpPr>
-        <p:cNvPr id="1" name=""/>
-        <p:cNvGrpSpPr/>
-        <p:nvPr/>
-      </p:nvGrpSpPr>
-      <p:grpSpPr>
-        <a:xfrm>
-          <a:off x="0" y="0"/>
-          <a:ext cx="0" cy="0"/>
-          <a:chOff x="0" y="0"/>
-          <a:chExt cx="0" cy="0"/>
-        </a:xfrm>
-      </p:grpSpPr>
-      <mc:AlternateContent xmlns:mc="http://schemas.openxmlformats.org/markup-compatibility/2006" xmlns:a14="http://schemas.microsoft.com/office/drawing/2010/main">
-        <mc:Choice Requires="a14">
-          <p:sp>
-            <p:nvSpPr>
-              <p:cNvPr id="32771" name="Content Placeholder 2"/>
-              <p:cNvSpPr>
-                <a:spLocks noGrp="1"/>
-              </p:cNvSpPr>
-              <p:nvPr>
-                <p:ph sz="half" idx="1"/>
-              </p:nvPr>
-            </p:nvSpPr>
-            <p:spPr/>
-            <p:txBody>
-              <a:bodyPr/>
-              <a:lstStyle/>
-              <a:p>
-                <a:r>
-                  <a:rPr lang="en-US" b="1" dirty="0"/>
-                  <a:t>Theorem</a:t>
-                </a:r>
-                <a:r>
-                  <a:rPr lang="en-US" dirty="0"/>
-                  <a:t>: The number of distinct triangulations of a convex polygon with </a:t>
-                </a:r>
-                <a14:m>
-                  <m:oMath xmlns:m="http://schemas.openxmlformats.org/officeDocument/2006/math">
-                    <m:r>
-                      <a:rPr lang="en-US" dirty="0">
-                        <a:latin typeface="Cambria Math" panose="02040503050406030204" pitchFamily="18" charset="0"/>
-                      </a:rPr>
-                      <m:t>𝑛</m:t>
-                    </m:r>
-                  </m:oMath>
-                </a14:m>
-                <a:r>
-                  <a:rPr lang="en-US" dirty="0"/>
-                  <a:t> vertices is the Catalan number</a:t>
-                </a:r>
-              </a:p>
-              <a:p>
-                <a:pPr marL="0" indent="0">
-                  <a:buNone/>
-                </a:pPr>
-                <a14:m>
-                  <m:oMathPara xmlns:m="http://schemas.openxmlformats.org/officeDocument/2006/math">
-                    <m:oMathParaPr>
-                      <m:jc m:val="centerGroup"/>
-                    </m:oMathParaPr>
-                    <m:oMath xmlns:m="http://schemas.openxmlformats.org/officeDocument/2006/math">
-                      <m:sSub>
-                        <m:sSubPr>
-                          <m:ctrlPr>
-                            <a:rPr lang="en-US" i="1">
-                              <a:latin typeface="Cambria Math" panose="02040503050406030204" pitchFamily="18" charset="0"/>
-                            </a:rPr>
-                          </m:ctrlPr>
-                        </m:sSubPr>
-                        <m:e>
-                          <m:r>
-                            <a:rPr lang="en-US">
-                              <a:latin typeface="Cambria Math" panose="02040503050406030204" pitchFamily="18" charset="0"/>
-                            </a:rPr>
-                            <m:t>𝐶</m:t>
-                          </m:r>
-                        </m:e>
-                        <m:sub>
-                          <m:r>
-                            <a:rPr lang="en-US">
-                              <a:latin typeface="Cambria Math" panose="02040503050406030204" pitchFamily="18" charset="0"/>
-                            </a:rPr>
-                            <m:t>𝑛</m:t>
-                          </m:r>
-                        </m:sub>
-                      </m:sSub>
-                      <m:r>
-                        <a:rPr lang="en-US">
-                          <a:latin typeface="Cambria Math" panose="02040503050406030204" pitchFamily="18" charset="0"/>
-                        </a:rPr>
-                        <m:t>=</m:t>
-                      </m:r>
-                      <m:f>
-                        <m:fPr>
-                          <m:ctrlPr>
-                            <a:rPr lang="en-US" i="1">
-                              <a:latin typeface="Cambria Math" panose="02040503050406030204" pitchFamily="18" charset="0"/>
-                            </a:rPr>
-                          </m:ctrlPr>
-                        </m:fPr>
-                        <m:num>
-                          <m:r>
-                            <a:rPr lang="en-US">
-                              <a:latin typeface="Cambria Math" panose="02040503050406030204" pitchFamily="18" charset="0"/>
-                            </a:rPr>
-                            <m:t>1</m:t>
-                          </m:r>
-                        </m:num>
-                        <m:den>
-                          <m:r>
-                            <a:rPr lang="en-US">
-                              <a:latin typeface="Cambria Math" panose="02040503050406030204" pitchFamily="18" charset="0"/>
-                            </a:rPr>
-                            <m:t>𝑛</m:t>
-                          </m:r>
-                          <m:r>
-                            <a:rPr lang="en-US">
-                              <a:latin typeface="Cambria Math" panose="02040503050406030204" pitchFamily="18" charset="0"/>
-                            </a:rPr>
-                            <m:t>−1</m:t>
-                          </m:r>
-                        </m:den>
-                      </m:f>
-                      <m:d>
-                        <m:dPr>
-                          <m:ctrlPr>
-                            <a:rPr lang="en-US" i="1">
-                              <a:latin typeface="Cambria Math" panose="02040503050406030204" pitchFamily="18" charset="0"/>
-                            </a:rPr>
-                          </m:ctrlPr>
-                        </m:dPr>
-                        <m:e>
-                          <m:m>
-                            <m:mPr>
-                              <m:mcs>
-                                <m:mc>
-                                  <m:mcPr>
-                                    <m:count m:val="1"/>
-                                    <m:mcJc m:val="center"/>
-                                  </m:mcPr>
-                                </m:mc>
-                              </m:mcs>
-                              <m:ctrlPr>
-                                <a:rPr lang="en-US" i="1">
-                                  <a:latin typeface="Cambria Math" panose="02040503050406030204" pitchFamily="18" charset="0"/>
-                                </a:rPr>
-                              </m:ctrlPr>
-                            </m:mPr>
-                            <m:mr>
-                              <m:e>
-                                <m:r>
-                                  <m:rPr>
-                                    <m:brk m:alnAt="7"/>
-                                  </m:rPr>
-                                  <a:rPr lang="en-US">
-                                    <a:latin typeface="Cambria Math" panose="02040503050406030204" pitchFamily="18" charset="0"/>
-                                  </a:rPr>
-                                  <m:t>2</m:t>
-                                </m:r>
-                                <m:r>
-                                  <a:rPr lang="en-US">
-                                    <a:latin typeface="Cambria Math" panose="02040503050406030204" pitchFamily="18" charset="0"/>
-                                  </a:rPr>
-                                  <m:t>(</m:t>
-                                </m:r>
-                                <m:r>
-                                  <a:rPr lang="en-US">
-                                    <a:latin typeface="Cambria Math" panose="02040503050406030204" pitchFamily="18" charset="0"/>
-                                  </a:rPr>
-                                  <m:t>𝑛</m:t>
-                                </m:r>
-                                <m:r>
-                                  <a:rPr lang="en-US">
-                                    <a:latin typeface="Cambria Math" panose="02040503050406030204" pitchFamily="18" charset="0"/>
-                                  </a:rPr>
-                                  <m:t>−2)</m:t>
-                                </m:r>
-                              </m:e>
-                            </m:mr>
-                            <m:mr>
-                              <m:e>
-                                <m:r>
-                                  <a:rPr lang="en-US">
-                                    <a:latin typeface="Cambria Math" panose="02040503050406030204" pitchFamily="18" charset="0"/>
-                                  </a:rPr>
-                                  <m:t>𝑛</m:t>
-                                </m:r>
-                                <m:r>
-                                  <a:rPr lang="en-US">
-                                    <a:latin typeface="Cambria Math" panose="02040503050406030204" pitchFamily="18" charset="0"/>
-                                  </a:rPr>
-                                  <m:t>−2</m:t>
-                                </m:r>
-                              </m:e>
-                            </m:mr>
-                          </m:m>
-                        </m:e>
-                      </m:d>
-                    </m:oMath>
-                  </m:oMathPara>
-                </a14:m>
-                <a:endParaRPr lang="en-US" dirty="0"/>
-              </a:p>
-              <a:p>
-                <a:pPr marL="457200" lvl="1" indent="0">
-                  <a:buNone/>
-                </a:pPr>
-                <a:r>
-                  <a:rPr lang="en-US" dirty="0"/>
-                  <a:t>Proof: Let </a:t>
-                </a:r>
-                <a14:m>
-                  <m:oMath xmlns:m="http://schemas.openxmlformats.org/officeDocument/2006/math">
-                    <m:sSub>
-                      <m:sSubPr>
-                        <m:ctrlPr>
-                          <a:rPr lang="en-US" i="1">
-                            <a:latin typeface="Cambria Math" panose="02040503050406030204" pitchFamily="18" charset="0"/>
-                          </a:rPr>
-                        </m:ctrlPr>
-                      </m:sSubPr>
-                      <m:e>
-                        <m:r>
-                          <a:rPr lang="en-US">
-                            <a:latin typeface="Cambria Math" panose="02040503050406030204" pitchFamily="18" charset="0"/>
-                          </a:rPr>
-                          <m:t>𝑃</m:t>
-                        </m:r>
-                      </m:e>
-                      <m:sub>
-                        <m:r>
-                          <a:rPr lang="en-US">
-                            <a:latin typeface="Cambria Math" panose="02040503050406030204" pitchFamily="18" charset="0"/>
-                          </a:rPr>
-                          <m:t>𝑛</m:t>
-                        </m:r>
-                      </m:sub>
-                    </m:sSub>
-                  </m:oMath>
-                </a14:m>
-                <a:r>
-                  <a:rPr lang="en-US" dirty="0"/>
-                  <a:t> be a convex polygon with vertices labeled from </a:t>
-                </a:r>
-                <a14:m>
-                  <m:oMath xmlns:m="http://schemas.openxmlformats.org/officeDocument/2006/math">
-                    <m:r>
-                      <a:rPr lang="en-US" dirty="0">
-                        <a:latin typeface="Cambria Math" panose="02040503050406030204" pitchFamily="18" charset="0"/>
-                      </a:rPr>
-                      <m:t>1 </m:t>
-                    </m:r>
-                  </m:oMath>
-                </a14:m>
-                <a:r>
-                  <a:rPr lang="en-US" dirty="0"/>
-                  <a:t>to </a:t>
-                </a:r>
-                <a14:m>
-                  <m:oMath xmlns:m="http://schemas.openxmlformats.org/officeDocument/2006/math">
-                    <m:r>
-                      <a:rPr lang="en-US" dirty="0">
-                        <a:latin typeface="Cambria Math" panose="02040503050406030204" pitchFamily="18" charset="0"/>
-                      </a:rPr>
-                      <m:t>𝑛</m:t>
-                    </m:r>
-                  </m:oMath>
-                </a14:m>
-                <a:r>
-                  <a:rPr lang="en-US" dirty="0"/>
-                  <a:t> counterclockwise. Let </a:t>
-                </a:r>
-                <a14:m>
-                  <m:oMath xmlns:m="http://schemas.openxmlformats.org/officeDocument/2006/math">
-                    <m:sSub>
-                      <m:sSubPr>
-                        <m:ctrlPr>
-                          <a:rPr lang="en-US" i="1">
-                            <a:latin typeface="Cambria Math" panose="02040503050406030204" pitchFamily="18" charset="0"/>
-                          </a:rPr>
-                        </m:ctrlPr>
-                      </m:sSubPr>
-                      <m:e>
-                        <m:r>
-                          <a:rPr lang="el-GR">
-                            <a:latin typeface="Cambria Math" panose="02040503050406030204" pitchFamily="18" charset="0"/>
-                          </a:rPr>
-                          <m:t>𝜏</m:t>
-                        </m:r>
-                      </m:e>
-                      <m:sub>
-                        <m:r>
-                          <a:rPr lang="en-US">
-                            <a:latin typeface="Cambria Math" panose="02040503050406030204" pitchFamily="18" charset="0"/>
-                          </a:rPr>
-                          <m:t>𝑛</m:t>
-                        </m:r>
-                      </m:sub>
-                    </m:sSub>
-                  </m:oMath>
-                </a14:m>
-                <a:r>
-                  <a:rPr lang="en-US" dirty="0"/>
-                  <a:t> be the set of triangulation of </a:t>
-                </a:r>
-                <a14:m>
-                  <m:oMath xmlns:m="http://schemas.openxmlformats.org/officeDocument/2006/math">
-                    <m:sSub>
-                      <m:sSubPr>
-                        <m:ctrlPr>
-                          <a:rPr lang="en-US" i="1">
-                            <a:latin typeface="Cambria Math" panose="02040503050406030204" pitchFamily="18" charset="0"/>
-                          </a:rPr>
-                        </m:ctrlPr>
-                      </m:sSubPr>
-                      <m:e>
-                        <m:r>
-                          <a:rPr lang="en-US">
-                            <a:latin typeface="Cambria Math" panose="02040503050406030204" pitchFamily="18" charset="0"/>
-                          </a:rPr>
-                          <m:t>𝑃</m:t>
-                        </m:r>
-                      </m:e>
-                      <m:sub>
-                        <m:r>
-                          <a:rPr lang="en-US">
-                            <a:latin typeface="Cambria Math" panose="02040503050406030204" pitchFamily="18" charset="0"/>
-                          </a:rPr>
-                          <m:t>𝑛</m:t>
-                        </m:r>
-                      </m:sub>
-                    </m:sSub>
-                  </m:oMath>
-                </a14:m>
-                <a:r>
-                  <a:rPr lang="en-US" dirty="0"/>
-                  <a:t> with </a:t>
-                </a:r>
-                <a14:m>
-                  <m:oMath xmlns:m="http://schemas.openxmlformats.org/officeDocument/2006/math">
-                    <m:sSub>
-                      <m:sSubPr>
-                        <m:ctrlPr>
-                          <a:rPr lang="en-US" i="1">
-                            <a:latin typeface="Cambria Math" panose="02040503050406030204" pitchFamily="18" charset="0"/>
-                          </a:rPr>
-                        </m:ctrlPr>
-                      </m:sSubPr>
-                      <m:e>
-                        <m:r>
-                          <a:rPr lang="en-US">
-                            <a:latin typeface="Cambria Math" panose="02040503050406030204" pitchFamily="18" charset="0"/>
-                          </a:rPr>
-                          <m:t>𝑡</m:t>
-                        </m:r>
-                      </m:e>
-                      <m:sub>
-                        <m:r>
-                          <a:rPr lang="en-US">
-                            <a:latin typeface="Cambria Math" panose="02040503050406030204" pitchFamily="18" charset="0"/>
-                          </a:rPr>
-                          <m:t>𝑛</m:t>
-                        </m:r>
-                      </m:sub>
-                    </m:sSub>
-                  </m:oMath>
-                </a14:m>
-                <a:r>
-                  <a:rPr lang="en-US" dirty="0"/>
-                  <a:t> elements.</a:t>
-                </a:r>
-              </a:p>
-              <a:p>
-                <a:pPr marL="457200" lvl="1" indent="0">
-                  <a:buNone/>
-                </a:pPr>
-                <a:r>
-                  <a:rPr lang="en-US" dirty="0"/>
-                  <a:t>Let </a:t>
-                </a:r>
-                <a14:m>
-                  <m:oMath xmlns:m="http://schemas.openxmlformats.org/officeDocument/2006/math">
-                    <m:r>
-                      <a:rPr lang="en-US">
-                        <a:latin typeface="Cambria Math" panose="02040503050406030204" pitchFamily="18" charset="0"/>
-                      </a:rPr>
-                      <m:t>𝜙</m:t>
-                    </m:r>
-                  </m:oMath>
-                </a14:m>
-                <a:r>
-                  <a:rPr lang="en-US" dirty="0"/>
-                  <a:t> be the map from </a:t>
-                </a:r>
-                <a14:m>
-                  <m:oMath xmlns:m="http://schemas.openxmlformats.org/officeDocument/2006/math">
-                    <m:sSub>
-                      <m:sSubPr>
-                        <m:ctrlPr>
-                          <a:rPr lang="en-US" i="1">
-                            <a:latin typeface="Cambria Math" panose="02040503050406030204" pitchFamily="18" charset="0"/>
-                          </a:rPr>
-                        </m:ctrlPr>
-                      </m:sSubPr>
-                      <m:e>
-                        <m:r>
-                          <a:rPr lang="en-US">
-                            <a:latin typeface="Cambria Math" panose="02040503050406030204" pitchFamily="18" charset="0"/>
-                          </a:rPr>
-                          <m:t>𝜏</m:t>
-                        </m:r>
-                      </m:e>
-                      <m:sub>
-                        <m:r>
-                          <a:rPr lang="en-US">
-                            <a:latin typeface="Cambria Math" panose="02040503050406030204" pitchFamily="18" charset="0"/>
-                          </a:rPr>
-                          <m:t>𝑛</m:t>
-                        </m:r>
-                      </m:sub>
-                    </m:sSub>
-                  </m:oMath>
-                </a14:m>
-                <a:r>
-                  <a:rPr lang="en-US" dirty="0"/>
-                  <a:t> to </a:t>
-                </a:r>
-                <a14:m>
-                  <m:oMath xmlns:m="http://schemas.openxmlformats.org/officeDocument/2006/math">
-                    <m:sSub>
-                      <m:sSubPr>
-                        <m:ctrlPr>
-                          <a:rPr lang="en-US" i="1">
-                            <a:latin typeface="Cambria Math" panose="02040503050406030204" pitchFamily="18" charset="0"/>
-                          </a:rPr>
-                        </m:ctrlPr>
-                      </m:sSubPr>
-                      <m:e>
-                        <m:r>
-                          <a:rPr lang="en-US">
-                            <a:latin typeface="Cambria Math" panose="02040503050406030204" pitchFamily="18" charset="0"/>
-                          </a:rPr>
-                          <m:t>𝜏</m:t>
-                        </m:r>
-                      </m:e>
-                      <m:sub>
-                        <m:r>
-                          <a:rPr lang="en-US">
-                            <a:latin typeface="Cambria Math" panose="02040503050406030204" pitchFamily="18" charset="0"/>
-                          </a:rPr>
-                          <m:t>𝑛</m:t>
-                        </m:r>
-                        <m:r>
-                          <a:rPr lang="en-US">
-                            <a:latin typeface="Cambria Math" panose="02040503050406030204" pitchFamily="18" charset="0"/>
-                          </a:rPr>
-                          <m:t>−1</m:t>
-                        </m:r>
-                      </m:sub>
-                    </m:sSub>
-                  </m:oMath>
-                </a14:m>
-                <a:r>
-                  <a:rPr lang="en-US" dirty="0"/>
-                  <a:t> </a:t>
-                </a:r>
-              </a:p>
-            </p:txBody>
-          </p:sp>
-        </mc:Choice>
-        <mc:Fallback xmlns="">
-          <p:sp>
-            <p:nvSpPr>
-              <p:cNvPr id="32771" name="Content Placeholder 2"/>
-              <p:cNvSpPr>
-                <a:spLocks noGrp="1" noRot="1" noChangeAspect="1" noMove="1" noResize="1" noEditPoints="1" noAdjustHandles="1" noChangeArrowheads="1" noChangeShapeType="1" noTextEdit="1"/>
-              </p:cNvSpPr>
-              <p:nvPr>
-                <p:ph sz="half" idx="1"/>
-              </p:nvPr>
-            </p:nvSpPr>
-            <p:spPr>
-              <a:blipFill>
-                <a:blip r:embed="rId2"/>
-                <a:stretch>
-                  <a:fillRect l="-1517" t="-787" r="-817" b="-2887"/>
-                </a:stretch>
-              </a:blipFill>
-            </p:spPr>
-            <p:txBody>
-              <a:bodyPr/>
-              <a:lstStyle/>
-              <a:p>
-                <a:r>
-                  <a:rPr lang="en-US">
-                    <a:noFill/>
-                  </a:rPr>
-                  <a:t> </a:t>
-                </a:r>
-              </a:p>
-            </p:txBody>
-          </p:sp>
-        </mc:Fallback>
-      </mc:AlternateContent>
-      <p:sp>
-        <p:nvSpPr>
-          <p:cNvPr id="9" name="Content Placeholder 8">
-            <a:extLst>
-              <a:ext uri="{FF2B5EF4-FFF2-40B4-BE49-F238E27FC236}">
-                <a16:creationId xmlns:a16="http://schemas.microsoft.com/office/drawing/2014/main" id="{FB97F7C6-50A1-6049-A3E0-5B3F4E941A52}"/>
-              </a:ext>
-            </a:extLst>
-          </p:cNvPr>
-          <p:cNvSpPr>
-            <a:spLocks noGrp="1"/>
-          </p:cNvSpPr>
-          <p:nvPr>
-            <p:ph sz="half" idx="10"/>
-          </p:nvPr>
-        </p:nvSpPr>
-        <p:spPr/>
-        <p:txBody>
-          <a:bodyPr/>
-          <a:lstStyle/>
-          <a:p>
-            <a:endParaRPr lang="en-US"/>
-          </a:p>
-        </p:txBody>
-      </p:sp>
-      <p:sp>
-        <p:nvSpPr>
-          <p:cNvPr id="4" name="Content Placeholder 3">
-            <a:extLst>
-              <a:ext uri="{FF2B5EF4-FFF2-40B4-BE49-F238E27FC236}">
-                <a16:creationId xmlns:a16="http://schemas.microsoft.com/office/drawing/2014/main" id="{EBE43439-9BC8-0E4E-B7AB-FBA70F4B3E7E}"/>
-              </a:ext>
-            </a:extLst>
-          </p:cNvPr>
-          <p:cNvSpPr>
-            <a:spLocks noGrp="1"/>
-          </p:cNvSpPr>
-          <p:nvPr>
-            <p:ph sz="half" idx="11"/>
-          </p:nvPr>
-        </p:nvSpPr>
-        <p:spPr/>
-        <p:txBody>
-          <a:bodyPr/>
-          <a:lstStyle/>
-          <a:p>
-            <a:r>
-              <a:rPr lang="en-US" altLang="en-US"/>
-              <a:t>Triangulation Theory: Properties</a:t>
-            </a:r>
-            <a:endParaRPr lang="en-US" dirty="0"/>
-          </a:p>
-        </p:txBody>
-      </p:sp>
-    </p:spTree>
-    <p:extLst>
-      <p:ext uri="{BB962C8B-B14F-4D97-AF65-F5344CB8AC3E}">
-        <p14:creationId xmlns:p14="http://schemas.microsoft.com/office/powerpoint/2010/main" val="2351733821"/>
-      </p:ext>
-    </p:extLst>
-  </p:cSld>
-  <p:clrMapOvr>
-    <a:masterClrMapping/>
-  </p:clrMapOvr>
-</p:sld>
-</file>
-
-<file path=ppt/slides/slide24.xml><?xml version="1.0" encoding="utf-8"?>
-<p:sld xmlns:a="http://schemas.openxmlformats.org/drawingml/2006/main" xmlns:r="http://schemas.openxmlformats.org/officeDocument/2006/relationships" xmlns:p="http://schemas.openxmlformats.org/presentationml/2006/main">
-  <p:cSld>
-    <p:spTree>
-      <p:nvGrpSpPr>
-        <p:cNvPr id="1" name=""/>
-        <p:cNvGrpSpPr/>
-        <p:nvPr/>
-      </p:nvGrpSpPr>
-      <p:grpSpPr>
-        <a:xfrm>
-          <a:off x="0" y="0"/>
-          <a:ext cx="0" cy="0"/>
-          <a:chOff x="0" y="0"/>
-          <a:chExt cx="0" cy="0"/>
-        </a:xfrm>
-      </p:grpSpPr>
-      <mc:AlternateContent xmlns:mc="http://schemas.openxmlformats.org/markup-compatibility/2006" xmlns:a14="http://schemas.microsoft.com/office/drawing/2010/main">
-        <mc:Choice Requires="a14">
-          <p:sp>
-            <p:nvSpPr>
-              <p:cNvPr id="32771" name="Content Placeholder 2"/>
-              <p:cNvSpPr>
-                <a:spLocks noGrp="1"/>
-              </p:cNvSpPr>
-              <p:nvPr>
-                <p:ph sz="half" idx="1"/>
-              </p:nvPr>
-            </p:nvSpPr>
-            <p:spPr/>
-            <p:txBody>
-              <a:bodyPr/>
-              <a:lstStyle/>
-              <a:p>
-                <a:r>
-                  <a:rPr lang="en-US" kern="0" dirty="0"/>
-                  <a:t>Theorem: Let P be a simple polygon with n vertices. The number of triangulations of P is between 1 and </a:t>
-                </a:r>
-                <a14:m>
-                  <m:oMath xmlns:m="http://schemas.openxmlformats.org/officeDocument/2006/math">
-                    <m:sSub>
-                      <m:sSubPr>
-                        <m:ctrlPr>
-                          <a:rPr lang="en-US" i="1" kern="0">
-                            <a:latin typeface="Cambria Math" panose="02040503050406030204" pitchFamily="18" charset="0"/>
-                          </a:rPr>
-                        </m:ctrlPr>
-                      </m:sSubPr>
-                      <m:e>
-                        <m:r>
-                          <a:rPr lang="en-US" kern="0">
-                            <a:latin typeface="Cambria Math" panose="02040503050406030204" pitchFamily="18" charset="0"/>
-                          </a:rPr>
-                          <m:t>𝐶</m:t>
-                        </m:r>
-                      </m:e>
-                      <m:sub>
-                        <m:r>
-                          <a:rPr lang="en-US" kern="0">
-                            <a:latin typeface="Cambria Math" panose="02040503050406030204" pitchFamily="18" charset="0"/>
-                          </a:rPr>
-                          <m:t>𝑛</m:t>
-                        </m:r>
-                      </m:sub>
-                    </m:sSub>
-                    <m:r>
-                      <a:rPr lang="en-US" kern="0">
-                        <a:latin typeface="Cambria Math" panose="02040503050406030204" pitchFamily="18" charset="0"/>
-                      </a:rPr>
-                      <m:t>.</m:t>
-                    </m:r>
-                  </m:oMath>
-                </a14:m>
-                <a:r>
-                  <a:rPr lang="en-US" kern="0" dirty="0"/>
-                  <a:t> </a:t>
-                </a:r>
-              </a:p>
-            </p:txBody>
-          </p:sp>
-        </mc:Choice>
-        <mc:Fallback xmlns="">
-          <p:sp>
-            <p:nvSpPr>
-              <p:cNvPr id="32771" name="Content Placeholder 2"/>
-              <p:cNvSpPr>
-                <a:spLocks noGrp="1" noRot="1" noChangeAspect="1" noMove="1" noResize="1" noEditPoints="1" noAdjustHandles="1" noChangeArrowheads="1" noChangeShapeType="1" noTextEdit="1"/>
-              </p:cNvSpPr>
-              <p:nvPr>
-                <p:ph sz="half" idx="1"/>
-              </p:nvPr>
-            </p:nvSpPr>
-            <p:spPr>
-              <a:blipFill>
-                <a:blip r:embed="rId2"/>
-                <a:stretch>
-                  <a:fillRect l="-1517" r="-2334"/>
-                </a:stretch>
-              </a:blipFill>
-            </p:spPr>
-            <p:txBody>
-              <a:bodyPr/>
-              <a:lstStyle/>
-              <a:p>
-                <a:r>
-                  <a:rPr lang="en-US">
-                    <a:noFill/>
-                  </a:rPr>
-                  <a:t> </a:t>
-                </a:r>
-              </a:p>
-            </p:txBody>
-          </p:sp>
-        </mc:Fallback>
-      </mc:AlternateContent>
-      <p:sp>
-        <p:nvSpPr>
-          <p:cNvPr id="7" name="Content Placeholder 6">
-            <a:extLst>
-              <a:ext uri="{FF2B5EF4-FFF2-40B4-BE49-F238E27FC236}">
-                <a16:creationId xmlns:a16="http://schemas.microsoft.com/office/drawing/2014/main" id="{5F04EAB3-D54D-FB4A-B211-6755F3D98DD4}"/>
-              </a:ext>
-            </a:extLst>
-          </p:cNvPr>
-          <p:cNvSpPr>
-            <a:spLocks noGrp="1"/>
-          </p:cNvSpPr>
-          <p:nvPr>
-            <p:ph sz="half" idx="10"/>
-          </p:nvPr>
-        </p:nvSpPr>
-        <p:spPr/>
-        <p:txBody>
-          <a:bodyPr/>
-          <a:lstStyle/>
-          <a:p>
-            <a:endParaRPr lang="en-US"/>
-          </a:p>
-        </p:txBody>
-      </p:sp>
-      <p:sp>
-        <p:nvSpPr>
-          <p:cNvPr id="4" name="Content Placeholder 3">
-            <a:extLst>
-              <a:ext uri="{FF2B5EF4-FFF2-40B4-BE49-F238E27FC236}">
-                <a16:creationId xmlns:a16="http://schemas.microsoft.com/office/drawing/2014/main" id="{015D069E-14B9-4649-AA26-A0C205D055C7}"/>
-              </a:ext>
-            </a:extLst>
-          </p:cNvPr>
-          <p:cNvSpPr>
-            <a:spLocks noGrp="1"/>
-          </p:cNvSpPr>
-          <p:nvPr>
-            <p:ph sz="half" idx="11"/>
-          </p:nvPr>
-        </p:nvSpPr>
-        <p:spPr/>
-        <p:txBody>
-          <a:bodyPr/>
-          <a:lstStyle/>
-          <a:p>
-            <a:r>
-              <a:rPr lang="en-US" altLang="en-US"/>
-              <a:t>Triangulation Theory: Properties</a:t>
-            </a:r>
-            <a:endParaRPr lang="en-US" dirty="0"/>
-          </a:p>
-        </p:txBody>
-      </p:sp>
-    </p:spTree>
-    <p:extLst>
-      <p:ext uri="{BB962C8B-B14F-4D97-AF65-F5344CB8AC3E}">
-        <p14:creationId xmlns:p14="http://schemas.microsoft.com/office/powerpoint/2010/main" val="1319819707"/>
-      </p:ext>
-    </p:extLst>
-  </p:cSld>
-  <p:clrMapOvr>
-    <a:masterClrMapping/>
-  </p:clrMapOvr>
-</p:sld>
-</file>
-
-<file path=ppt/slides/slide25.xml><?xml version="1.0" encoding="utf-8"?>
-<p:sld xmlns:a="http://schemas.openxmlformats.org/drawingml/2006/main" xmlns:r="http://schemas.openxmlformats.org/officeDocument/2006/relationships" xmlns:p="http://schemas.openxmlformats.org/presentationml/2006/main">
-  <p:cSld>
-    <p:spTree>
-      <p:nvGrpSpPr>
-        <p:cNvPr id="1" name=""/>
-        <p:cNvGrpSpPr/>
-        <p:nvPr/>
-      </p:nvGrpSpPr>
-      <p:grpSpPr>
-        <a:xfrm>
-          <a:off x="0" y="0"/>
-          <a:ext cx="0" cy="0"/>
-          <a:chOff x="0" y="0"/>
-          <a:chExt cx="0" cy="0"/>
-        </a:xfrm>
-      </p:grpSpPr>
       <p:sp>
         <p:nvSpPr>
           <p:cNvPr id="8197" name="Content Placeholder 1"/>
@@ -21622,6 +16208,12 @@
         <p:txBody>
           <a:bodyPr/>
           <a:lstStyle/>
+          <a:p>
+            <a:r>
+              <a:rPr lang="en-US" dirty="0"/>
+              <a:t>Triangulate P using a diagonal-based approach</a:t>
+            </a:r>
+          </a:p>
           <a:p>
             <a:r>
               <a:rPr lang="en-US" b="1" dirty="0"/>
@@ -21776,1641 +16368,7 @@
 </p:sld>
 </file>
 
-<file path=ppt/slides/slide26.xml><?xml version="1.0" encoding="utf-8"?>
-<p:sld xmlns:a="http://schemas.openxmlformats.org/drawingml/2006/main" xmlns:r="http://schemas.openxmlformats.org/officeDocument/2006/relationships" xmlns:p="http://schemas.openxmlformats.org/presentationml/2006/main">
-  <p:cSld>
-    <p:spTree>
-      <p:nvGrpSpPr>
-        <p:cNvPr id="1" name=""/>
-        <p:cNvGrpSpPr/>
-        <p:nvPr/>
-      </p:nvGrpSpPr>
-      <p:grpSpPr>
-        <a:xfrm>
-          <a:off x="0" y="0"/>
-          <a:ext cx="0" cy="0"/>
-          <a:chOff x="0" y="0"/>
-          <a:chExt cx="0" cy="0"/>
-        </a:xfrm>
-      </p:grpSpPr>
-      <p:sp>
-        <p:nvSpPr>
-          <p:cNvPr id="39939" name="Rectangle 3"/>
-          <p:cNvSpPr>
-            <a:spLocks noGrp="1" noChangeArrowheads="1"/>
-          </p:cNvSpPr>
-          <p:nvPr>
-            <p:ph sz="half" idx="1"/>
-          </p:nvPr>
-        </p:nvSpPr>
-        <p:spPr/>
-        <p:txBody>
-          <a:bodyPr/>
-          <a:lstStyle/>
-          <a:p>
-            <a:r>
-              <a:rPr lang="en-US" dirty="0"/>
-              <a:t>Every polygon P of N vertices can be partitioned into triangles by the addition of zero or more diagonals. (Induction proof)</a:t>
-            </a:r>
-          </a:p>
-          <a:p>
-            <a:pPr lvl="1"/>
-            <a:r>
-              <a:rPr lang="en-US" dirty="0"/>
-              <a:t>Base case: N = 3 (triangle)</a:t>
-            </a:r>
-          </a:p>
-          <a:p>
-            <a:pPr lvl="1"/>
-            <a:r>
-              <a:rPr lang="en-US" dirty="0"/>
-              <a:t>Assumption: Let it be true for &lt; N sided polygon</a:t>
-            </a:r>
-          </a:p>
-          <a:p>
-            <a:pPr lvl="1"/>
-            <a:r>
-              <a:rPr lang="en-US" dirty="0"/>
-              <a:t>Any N sided polygon can be partitioned into two polygons of less then N sides each by adding a diagonal, each of which can be partitioned by using premise 2 above</a:t>
-            </a:r>
-          </a:p>
-          <a:p>
-            <a:pPr lvl="1"/>
-            <a:r>
-              <a:rPr lang="en-US" dirty="0"/>
-              <a:t>Thus, it is true for all N.</a:t>
-            </a:r>
-          </a:p>
-        </p:txBody>
-      </p:sp>
-      <p:sp>
-        <p:nvSpPr>
-          <p:cNvPr id="6" name="Content Placeholder 5">
-            <a:extLst>
-              <a:ext uri="{FF2B5EF4-FFF2-40B4-BE49-F238E27FC236}">
-                <a16:creationId xmlns:a16="http://schemas.microsoft.com/office/drawing/2014/main" id="{CB911173-CEF5-E444-92EF-0F46E0BAD182}"/>
-              </a:ext>
-            </a:extLst>
-          </p:cNvPr>
-          <p:cNvSpPr>
-            <a:spLocks noGrp="1"/>
-          </p:cNvSpPr>
-          <p:nvPr>
-            <p:ph sz="half" idx="10"/>
-          </p:nvPr>
-        </p:nvSpPr>
-        <p:spPr/>
-        <p:txBody>
-          <a:bodyPr/>
-          <a:lstStyle/>
-          <a:p>
-            <a:endParaRPr lang="en-US"/>
-          </a:p>
-        </p:txBody>
-      </p:sp>
-      <p:sp>
-        <p:nvSpPr>
-          <p:cNvPr id="5" name="Content Placeholder 4">
-            <a:extLst>
-              <a:ext uri="{FF2B5EF4-FFF2-40B4-BE49-F238E27FC236}">
-                <a16:creationId xmlns:a16="http://schemas.microsoft.com/office/drawing/2014/main" id="{75310573-4461-9446-8783-B3E9A0BB4DDE}"/>
-              </a:ext>
-            </a:extLst>
-          </p:cNvPr>
-          <p:cNvSpPr>
-            <a:spLocks noGrp="1"/>
-          </p:cNvSpPr>
-          <p:nvPr>
-            <p:ph sz="half" idx="11"/>
-          </p:nvPr>
-        </p:nvSpPr>
-        <p:spPr/>
-        <p:txBody>
-          <a:bodyPr/>
-          <a:lstStyle/>
-          <a:p>
-            <a:r>
-              <a:rPr lang="en-US" dirty="0"/>
-              <a:t>Triangulation Theory</a:t>
-            </a:r>
-          </a:p>
-        </p:txBody>
-      </p:sp>
-    </p:spTree>
-    <p:extLst>
-      <p:ext uri="{BB962C8B-B14F-4D97-AF65-F5344CB8AC3E}">
-        <p14:creationId xmlns:p14="http://schemas.microsoft.com/office/powerpoint/2010/main" val="1923825815"/>
-      </p:ext>
-    </p:extLst>
-  </p:cSld>
-  <p:clrMapOvr>
-    <a:masterClrMapping/>
-  </p:clrMapOvr>
-  <p:timing>
-    <p:tnLst>
-      <p:par>
-        <p:cTn id="1" dur="indefinite" restart="never" nodeType="tmRoot">
-          <p:childTnLst>
-            <p:seq concurrent="1" nextAc="seek">
-              <p:cTn id="2" dur="indefinite" nodeType="mainSeq">
-                <p:childTnLst>
-                  <p:par>
-                    <p:cTn id="3" fill="hold" nodeType="clickPar">
-                      <p:stCondLst>
-                        <p:cond delay="indefinite"/>
-                      </p:stCondLst>
-                      <p:childTnLst>
-                        <p:par>
-                          <p:cTn id="4" fill="hold" nodeType="withGroup">
-                            <p:stCondLst>
-                              <p:cond delay="0"/>
-                            </p:stCondLst>
-                            <p:childTnLst>
-                              <p:par>
-                                <p:cTn id="5" presetID="1" presetClass="entr" presetSubtype="0" fill="hold" grpId="0" nodeType="clickEffect">
-                                  <p:stCondLst>
-                                    <p:cond delay="0"/>
-                                  </p:stCondLst>
-                                  <p:childTnLst>
-                                    <p:set>
-                                      <p:cBhvr>
-                                        <p:cTn id="6" dur="1" fill="hold">
-                                          <p:stCondLst>
-                                            <p:cond delay="0"/>
-                                          </p:stCondLst>
-                                        </p:cTn>
-                                        <p:tgtEl>
-                                          <p:spTgt spid="39939">
-                                            <p:txEl>
-                                              <p:pRg st="0" end="0"/>
-                                            </p:txEl>
-                                          </p:spTgt>
-                                        </p:tgtEl>
-                                        <p:attrNameLst>
-                                          <p:attrName>style.visibility</p:attrName>
-                                        </p:attrNameLst>
-                                      </p:cBhvr>
-                                      <p:to>
-                                        <p:strVal val="visible"/>
-                                      </p:to>
-                                    </p:set>
-                                  </p:childTnLst>
-                                </p:cTn>
-                              </p:par>
-                            </p:childTnLst>
-                          </p:cTn>
-                        </p:par>
-                      </p:childTnLst>
-                    </p:cTn>
-                  </p:par>
-                  <p:par>
-                    <p:cTn id="7" fill="hold" nodeType="clickPar">
-                      <p:stCondLst>
-                        <p:cond delay="indefinite"/>
-                      </p:stCondLst>
-                      <p:childTnLst>
-                        <p:par>
-                          <p:cTn id="8" fill="hold" nodeType="withGroup">
-                            <p:stCondLst>
-                              <p:cond delay="0"/>
-                            </p:stCondLst>
-                            <p:childTnLst>
-                              <p:par>
-                                <p:cTn id="9" presetID="1" presetClass="entr" presetSubtype="0" fill="hold" grpId="0" nodeType="clickEffect">
-                                  <p:stCondLst>
-                                    <p:cond delay="0"/>
-                                  </p:stCondLst>
-                                  <p:childTnLst>
-                                    <p:set>
-                                      <p:cBhvr>
-                                        <p:cTn id="10" dur="1" fill="hold">
-                                          <p:stCondLst>
-                                            <p:cond delay="0"/>
-                                          </p:stCondLst>
-                                        </p:cTn>
-                                        <p:tgtEl>
-                                          <p:spTgt spid="39939">
-                                            <p:txEl>
-                                              <p:pRg st="1" end="1"/>
-                                            </p:txEl>
-                                          </p:spTgt>
-                                        </p:tgtEl>
-                                        <p:attrNameLst>
-                                          <p:attrName>style.visibility</p:attrName>
-                                        </p:attrNameLst>
-                                      </p:cBhvr>
-                                      <p:to>
-                                        <p:strVal val="visible"/>
-                                      </p:to>
-                                    </p:set>
-                                  </p:childTnLst>
-                                </p:cTn>
-                              </p:par>
-                            </p:childTnLst>
-                          </p:cTn>
-                        </p:par>
-                      </p:childTnLst>
-                    </p:cTn>
-                  </p:par>
-                  <p:par>
-                    <p:cTn id="11" fill="hold" nodeType="clickPar">
-                      <p:stCondLst>
-                        <p:cond delay="indefinite"/>
-                      </p:stCondLst>
-                      <p:childTnLst>
-                        <p:par>
-                          <p:cTn id="12" fill="hold" nodeType="withGroup">
-                            <p:stCondLst>
-                              <p:cond delay="0"/>
-                            </p:stCondLst>
-                            <p:childTnLst>
-                              <p:par>
-                                <p:cTn id="13" presetID="1" presetClass="entr" presetSubtype="0" fill="hold" grpId="0" nodeType="clickEffect">
-                                  <p:stCondLst>
-                                    <p:cond delay="0"/>
-                                  </p:stCondLst>
-                                  <p:childTnLst>
-                                    <p:set>
-                                      <p:cBhvr>
-                                        <p:cTn id="14" dur="1" fill="hold">
-                                          <p:stCondLst>
-                                            <p:cond delay="0"/>
-                                          </p:stCondLst>
-                                        </p:cTn>
-                                        <p:tgtEl>
-                                          <p:spTgt spid="39939">
-                                            <p:txEl>
-                                              <p:pRg st="2" end="2"/>
-                                            </p:txEl>
-                                          </p:spTgt>
-                                        </p:tgtEl>
-                                        <p:attrNameLst>
-                                          <p:attrName>style.visibility</p:attrName>
-                                        </p:attrNameLst>
-                                      </p:cBhvr>
-                                      <p:to>
-                                        <p:strVal val="visible"/>
-                                      </p:to>
-                                    </p:set>
-                                  </p:childTnLst>
-                                </p:cTn>
-                              </p:par>
-                            </p:childTnLst>
-                          </p:cTn>
-                        </p:par>
-                      </p:childTnLst>
-                    </p:cTn>
-                  </p:par>
-                  <p:par>
-                    <p:cTn id="15" fill="hold" nodeType="clickPar">
-                      <p:stCondLst>
-                        <p:cond delay="indefinite"/>
-                      </p:stCondLst>
-                      <p:childTnLst>
-                        <p:par>
-                          <p:cTn id="16" fill="hold" nodeType="withGroup">
-                            <p:stCondLst>
-                              <p:cond delay="0"/>
-                            </p:stCondLst>
-                            <p:childTnLst>
-                              <p:par>
-                                <p:cTn id="17" presetID="1" presetClass="entr" presetSubtype="0" fill="hold" grpId="0" nodeType="clickEffect">
-                                  <p:stCondLst>
-                                    <p:cond delay="0"/>
-                                  </p:stCondLst>
-                                  <p:childTnLst>
-                                    <p:set>
-                                      <p:cBhvr>
-                                        <p:cTn id="18" dur="1" fill="hold">
-                                          <p:stCondLst>
-                                            <p:cond delay="0"/>
-                                          </p:stCondLst>
-                                        </p:cTn>
-                                        <p:tgtEl>
-                                          <p:spTgt spid="39939">
-                                            <p:txEl>
-                                              <p:pRg st="3" end="3"/>
-                                            </p:txEl>
-                                          </p:spTgt>
-                                        </p:tgtEl>
-                                        <p:attrNameLst>
-                                          <p:attrName>style.visibility</p:attrName>
-                                        </p:attrNameLst>
-                                      </p:cBhvr>
-                                      <p:to>
-                                        <p:strVal val="visible"/>
-                                      </p:to>
-                                    </p:set>
-                                  </p:childTnLst>
-                                </p:cTn>
-                              </p:par>
-                            </p:childTnLst>
-                          </p:cTn>
-                        </p:par>
-                      </p:childTnLst>
-                    </p:cTn>
-                  </p:par>
-                  <p:par>
-                    <p:cTn id="19" fill="hold" nodeType="clickPar">
-                      <p:stCondLst>
-                        <p:cond delay="indefinite"/>
-                      </p:stCondLst>
-                      <p:childTnLst>
-                        <p:par>
-                          <p:cTn id="20" fill="hold" nodeType="withGroup">
-                            <p:stCondLst>
-                              <p:cond delay="0"/>
-                            </p:stCondLst>
-                            <p:childTnLst>
-                              <p:par>
-                                <p:cTn id="21" presetID="1" presetClass="entr" presetSubtype="0" fill="hold" grpId="0" nodeType="clickEffect">
-                                  <p:stCondLst>
-                                    <p:cond delay="0"/>
-                                  </p:stCondLst>
-                                  <p:childTnLst>
-                                    <p:set>
-                                      <p:cBhvr>
-                                        <p:cTn id="22" dur="1" fill="hold">
-                                          <p:stCondLst>
-                                            <p:cond delay="0"/>
-                                          </p:stCondLst>
-                                        </p:cTn>
-                                        <p:tgtEl>
-                                          <p:spTgt spid="39939">
-                                            <p:txEl>
-                                              <p:pRg st="4" end="4"/>
-                                            </p:txEl>
-                                          </p:spTgt>
-                                        </p:tgtEl>
-                                        <p:attrNameLst>
-                                          <p:attrName>style.visibility</p:attrName>
-                                        </p:attrNameLst>
-                                      </p:cBhvr>
-                                      <p:to>
-                                        <p:strVal val="visible"/>
-                                      </p:to>
-                                    </p:set>
-                                  </p:childTnLst>
-                                </p:cTn>
-                              </p:par>
-                            </p:childTnLst>
-                          </p:cTn>
-                        </p:par>
-                      </p:childTnLst>
-                    </p:cTn>
-                  </p:par>
-                </p:childTnLst>
-              </p:cTn>
-              <p:prevCondLst>
-                <p:cond evt="onPrev" delay="0">
-                  <p:tgtEl>
-                    <p:sldTgt/>
-                  </p:tgtEl>
-                </p:cond>
-              </p:prevCondLst>
-              <p:nextCondLst>
-                <p:cond evt="onNext" delay="0">
-                  <p:tgtEl>
-                    <p:sldTgt/>
-                  </p:tgtEl>
-                </p:cond>
-              </p:nextCondLst>
-            </p:seq>
-          </p:childTnLst>
-        </p:cTn>
-      </p:par>
-    </p:tnLst>
-    <p:bldLst>
-      <p:bldP spid="39939" grpId="0" build="p"/>
-    </p:bldLst>
-  </p:timing>
-</p:sld>
-</file>
-
-<file path=ppt/slides/slide27.xml><?xml version="1.0" encoding="utf-8"?>
-<p:sld xmlns:a="http://schemas.openxmlformats.org/drawingml/2006/main" xmlns:r="http://schemas.openxmlformats.org/officeDocument/2006/relationships" xmlns:p="http://schemas.openxmlformats.org/presentationml/2006/main">
-  <p:cSld>
-    <p:spTree>
-      <p:nvGrpSpPr>
-        <p:cNvPr id="1" name=""/>
-        <p:cNvGrpSpPr/>
-        <p:nvPr/>
-      </p:nvGrpSpPr>
-      <p:grpSpPr>
-        <a:xfrm>
-          <a:off x="0" y="0"/>
-          <a:ext cx="0" cy="0"/>
-          <a:chOff x="0" y="0"/>
-          <a:chExt cx="0" cy="0"/>
-        </a:xfrm>
-      </p:grpSpPr>
-      <mc:AlternateContent xmlns:mc="http://schemas.openxmlformats.org/markup-compatibility/2006" xmlns:a14="http://schemas.microsoft.com/office/drawing/2010/main">
-        <mc:Choice Requires="a14">
-          <p:sp>
-            <p:nvSpPr>
-              <p:cNvPr id="2" name="Content Placeholder 1">
-                <a:extLst>
-                  <a:ext uri="{FF2B5EF4-FFF2-40B4-BE49-F238E27FC236}">
-                    <a16:creationId xmlns:a16="http://schemas.microsoft.com/office/drawing/2014/main" id="{7FBB6201-FC6A-A34E-8F7C-0EC3799E0F5C}"/>
-                  </a:ext>
-                </a:extLst>
-              </p:cNvPr>
-              <p:cNvSpPr>
-                <a:spLocks noGrp="1"/>
-              </p:cNvSpPr>
-              <p:nvPr>
-                <p:ph sz="half" idx="1"/>
-              </p:nvPr>
-            </p:nvSpPr>
-            <p:spPr/>
-            <p:txBody>
-              <a:bodyPr>
-                <a:normAutofit/>
-              </a:bodyPr>
-              <a:lstStyle/>
-              <a:p>
-                <a:r>
-                  <a:rPr lang="en-US" dirty="0"/>
-                  <a:t>Any diagonal cuts </a:t>
-                </a:r>
-                <a14:m>
-                  <m:oMath xmlns:m="http://schemas.openxmlformats.org/officeDocument/2006/math">
-                    <m:r>
-                      <a:rPr lang="en-US" i="1" dirty="0" smtClean="0">
-                        <a:latin typeface="Cambria Math" panose="02040503050406030204" pitchFamily="18" charset="0"/>
-                      </a:rPr>
-                      <m:t>𝑃</m:t>
-                    </m:r>
-                  </m:oMath>
-                </a14:m>
-                <a:r>
-                  <a:rPr lang="en-US" i="1" dirty="0"/>
-                  <a:t> </a:t>
-                </a:r>
-                <a:r>
-                  <a:rPr lang="en-US" dirty="0"/>
-                  <a:t>into two simple </a:t>
-                </a:r>
-                <a:r>
-                  <a:rPr lang="en-US" dirty="0" err="1"/>
-                  <a:t>subpolygons</a:t>
-                </a:r>
-                <a:r>
-                  <a:rPr lang="en-US" dirty="0"/>
-                  <a:t> </a:t>
-                </a:r>
-                <a14:m>
-                  <m:oMath xmlns:m="http://schemas.openxmlformats.org/officeDocument/2006/math">
-                    <m:sSub>
-                      <m:sSubPr>
-                        <m:ctrlPr>
-                          <a:rPr lang="en-US" b="0" i="1" dirty="0" smtClean="0">
-                            <a:latin typeface="Cambria Math" panose="02040503050406030204" pitchFamily="18" charset="0"/>
-                          </a:rPr>
-                        </m:ctrlPr>
-                      </m:sSubPr>
-                      <m:e>
-                        <m:r>
-                          <a:rPr lang="en-US" i="1" dirty="0" smtClean="0">
-                            <a:latin typeface="Cambria Math" panose="02040503050406030204" pitchFamily="18" charset="0"/>
-                          </a:rPr>
-                          <m:t>𝑃</m:t>
-                        </m:r>
-                      </m:e>
-                      <m:sub>
-                        <m:r>
-                          <a:rPr lang="en-US" b="0" i="1" dirty="0" smtClean="0">
-                            <a:latin typeface="Cambria Math" panose="02040503050406030204" pitchFamily="18" charset="0"/>
-                          </a:rPr>
-                          <m:t>1</m:t>
-                        </m:r>
-                      </m:sub>
-                    </m:sSub>
-                  </m:oMath>
-                </a14:m>
-                <a:r>
-                  <a:rPr lang="en-US" i="1" dirty="0"/>
-                  <a:t> </a:t>
-                </a:r>
-                <a:r>
-                  <a:rPr lang="en-US" dirty="0"/>
-                  <a:t>and </a:t>
-                </a:r>
-                <a14:m>
-                  <m:oMath xmlns:m="http://schemas.openxmlformats.org/officeDocument/2006/math">
-                    <m:sSub>
-                      <m:sSubPr>
-                        <m:ctrlPr>
-                          <a:rPr lang="en-US" b="0" i="1" dirty="0" smtClean="0">
-                            <a:latin typeface="Cambria Math" panose="02040503050406030204" pitchFamily="18" charset="0"/>
-                          </a:rPr>
-                        </m:ctrlPr>
-                      </m:sSubPr>
-                      <m:e>
-                        <m:r>
-                          <a:rPr lang="en-US" i="1" dirty="0" smtClean="0">
-                            <a:latin typeface="Cambria Math" panose="02040503050406030204" pitchFamily="18" charset="0"/>
-                          </a:rPr>
-                          <m:t>𝑃</m:t>
-                        </m:r>
-                      </m:e>
-                      <m:sub>
-                        <m:r>
-                          <a:rPr lang="en-US" i="1" dirty="0" smtClean="0">
-                            <a:latin typeface="Cambria Math" panose="02040503050406030204" pitchFamily="18" charset="0"/>
-                          </a:rPr>
-                          <m:t>2</m:t>
-                        </m:r>
-                      </m:sub>
-                    </m:sSub>
-                  </m:oMath>
-                </a14:m>
-                <a:endParaRPr lang="en-US" i="1" dirty="0"/>
-              </a:p>
-              <a:p>
-                <a:r>
-                  <a:rPr lang="en-US" dirty="0"/>
-                  <a:t>Let </a:t>
-                </a:r>
-                <a14:m>
-                  <m:oMath xmlns:m="http://schemas.openxmlformats.org/officeDocument/2006/math">
-                    <m:sSub>
-                      <m:sSubPr>
-                        <m:ctrlPr>
-                          <a:rPr lang="en-US" b="0" i="1" dirty="0" smtClean="0">
-                            <a:latin typeface="Cambria Math" panose="02040503050406030204" pitchFamily="18" charset="0"/>
-                          </a:rPr>
-                        </m:ctrlPr>
-                      </m:sSubPr>
-                      <m:e>
-                        <m:r>
-                          <a:rPr lang="en-US" i="1" dirty="0" smtClean="0">
-                            <a:latin typeface="Cambria Math" panose="02040503050406030204" pitchFamily="18" charset="0"/>
-                          </a:rPr>
-                          <m:t>𝑚</m:t>
-                        </m:r>
-                      </m:e>
-                      <m:sub>
-                        <m:r>
-                          <a:rPr lang="en-US" i="1" dirty="0" smtClean="0">
-                            <a:latin typeface="Cambria Math" panose="02040503050406030204" pitchFamily="18" charset="0"/>
-                          </a:rPr>
-                          <m:t>1</m:t>
-                        </m:r>
-                      </m:sub>
-                    </m:sSub>
-                  </m:oMath>
-                </a14:m>
-                <a:r>
-                  <a:rPr lang="en-US" dirty="0"/>
-                  <a:t> be the number of vertices of </a:t>
-                </a:r>
-                <a14:m>
-                  <m:oMath xmlns:m="http://schemas.openxmlformats.org/officeDocument/2006/math">
-                    <m:sSub>
-                      <m:sSubPr>
-                        <m:ctrlPr>
-                          <a:rPr lang="en-US" b="0" i="1" dirty="0" smtClean="0">
-                            <a:latin typeface="Cambria Math" panose="02040503050406030204" pitchFamily="18" charset="0"/>
-                          </a:rPr>
-                        </m:ctrlPr>
-                      </m:sSubPr>
-                      <m:e>
-                        <m:r>
-                          <a:rPr lang="en-US" i="1" dirty="0" smtClean="0">
-                            <a:latin typeface="Cambria Math" panose="02040503050406030204" pitchFamily="18" charset="0"/>
-                          </a:rPr>
-                          <m:t>𝑃</m:t>
-                        </m:r>
-                      </m:e>
-                      <m:sub>
-                        <m:r>
-                          <a:rPr lang="en-US" b="0" i="1" dirty="0" smtClean="0">
-                            <a:latin typeface="Cambria Math" panose="02040503050406030204" pitchFamily="18" charset="0"/>
-                          </a:rPr>
-                          <m:t>1</m:t>
-                        </m:r>
-                      </m:sub>
-                    </m:sSub>
-                  </m:oMath>
-                </a14:m>
-                <a:r>
-                  <a:rPr lang="en-US" i="1" dirty="0"/>
-                  <a:t> </a:t>
-                </a:r>
-                <a:r>
-                  <a:rPr lang="en-US" dirty="0"/>
-                  <a:t>and </a:t>
-                </a:r>
-                <a14:m>
-                  <m:oMath xmlns:m="http://schemas.openxmlformats.org/officeDocument/2006/math">
-                    <m:sSub>
-                      <m:sSubPr>
-                        <m:ctrlPr>
-                          <a:rPr lang="en-US" b="0" i="1" dirty="0" smtClean="0">
-                            <a:latin typeface="Cambria Math" panose="02040503050406030204" pitchFamily="18" charset="0"/>
-                          </a:rPr>
-                        </m:ctrlPr>
-                      </m:sSubPr>
-                      <m:e>
-                        <m:r>
-                          <a:rPr lang="en-US" i="1" dirty="0" smtClean="0">
-                            <a:latin typeface="Cambria Math" panose="02040503050406030204" pitchFamily="18" charset="0"/>
-                          </a:rPr>
-                          <m:t>𝑚</m:t>
-                        </m:r>
-                      </m:e>
-                      <m:sub>
-                        <m:r>
-                          <a:rPr lang="en-US" i="1" dirty="0" smtClean="0">
-                            <a:latin typeface="Cambria Math" panose="02040503050406030204" pitchFamily="18" charset="0"/>
-                          </a:rPr>
-                          <m:t>2</m:t>
-                        </m:r>
-                      </m:sub>
-                    </m:sSub>
-                  </m:oMath>
-                </a14:m>
-                <a:r>
-                  <a:rPr lang="en-US" i="1" dirty="0"/>
-                  <a:t> </a:t>
-                </a:r>
-                <a:r>
-                  <a:rPr lang="en-US" dirty="0"/>
-                  <a:t>the number of vertices of </a:t>
-                </a:r>
-                <a14:m>
-                  <m:oMath xmlns:m="http://schemas.openxmlformats.org/officeDocument/2006/math">
-                    <m:sSub>
-                      <m:sSubPr>
-                        <m:ctrlPr>
-                          <a:rPr lang="en-US" b="0" i="1" dirty="0" smtClean="0">
-                            <a:latin typeface="Cambria Math" panose="02040503050406030204" pitchFamily="18" charset="0"/>
-                          </a:rPr>
-                        </m:ctrlPr>
-                      </m:sSubPr>
-                      <m:e>
-                        <m:r>
-                          <a:rPr lang="en-US" i="1" dirty="0" smtClean="0">
-                            <a:latin typeface="Cambria Math" panose="02040503050406030204" pitchFamily="18" charset="0"/>
-                          </a:rPr>
-                          <m:t>𝑃</m:t>
-                        </m:r>
-                      </m:e>
-                      <m:sub>
-                        <m:r>
-                          <a:rPr lang="en-US" i="1" dirty="0" smtClean="0">
-                            <a:latin typeface="Cambria Math" panose="02040503050406030204" pitchFamily="18" charset="0"/>
-                          </a:rPr>
-                          <m:t>2</m:t>
-                        </m:r>
-                      </m:sub>
-                    </m:sSub>
-                  </m:oMath>
-                </a14:m>
-                <a:r>
-                  <a:rPr lang="en-US" i="1" dirty="0"/>
-                  <a:t> </a:t>
-                </a:r>
-              </a:p>
-              <a:p>
-                <a:r>
-                  <a:rPr lang="en-US" dirty="0"/>
-                  <a:t>Both </a:t>
-                </a:r>
-                <a14:m>
-                  <m:oMath xmlns:m="http://schemas.openxmlformats.org/officeDocument/2006/math">
-                    <m:sSub>
-                      <m:sSubPr>
-                        <m:ctrlPr>
-                          <a:rPr lang="en-US" b="0" i="1" dirty="0" smtClean="0">
-                            <a:latin typeface="Cambria Math" panose="02040503050406030204" pitchFamily="18" charset="0"/>
-                          </a:rPr>
-                        </m:ctrlPr>
-                      </m:sSubPr>
-                      <m:e>
-                        <m:r>
-                          <a:rPr lang="en-US" i="1" dirty="0" smtClean="0">
-                            <a:latin typeface="Cambria Math" panose="02040503050406030204" pitchFamily="18" charset="0"/>
-                          </a:rPr>
-                          <m:t>𝑚</m:t>
-                        </m:r>
-                      </m:e>
-                      <m:sub>
-                        <m:r>
-                          <a:rPr lang="en-US" i="1" dirty="0" smtClean="0">
-                            <a:latin typeface="Cambria Math" panose="02040503050406030204" pitchFamily="18" charset="0"/>
-                          </a:rPr>
-                          <m:t>1</m:t>
-                        </m:r>
-                      </m:sub>
-                    </m:sSub>
-                  </m:oMath>
-                </a14:m>
-                <a:r>
-                  <a:rPr lang="en-US" dirty="0"/>
-                  <a:t> and </a:t>
-                </a:r>
-                <a14:m>
-                  <m:oMath xmlns:m="http://schemas.openxmlformats.org/officeDocument/2006/math">
-                    <m:sSub>
-                      <m:sSubPr>
-                        <m:ctrlPr>
-                          <a:rPr lang="en-US" b="0" i="1" dirty="0" smtClean="0">
-                            <a:latin typeface="Cambria Math" panose="02040503050406030204" pitchFamily="18" charset="0"/>
-                          </a:rPr>
-                        </m:ctrlPr>
-                      </m:sSubPr>
-                      <m:e>
-                        <m:r>
-                          <a:rPr lang="en-US" i="1" dirty="0" smtClean="0">
-                            <a:latin typeface="Cambria Math" panose="02040503050406030204" pitchFamily="18" charset="0"/>
-                          </a:rPr>
-                          <m:t>𝑚</m:t>
-                        </m:r>
-                      </m:e>
-                      <m:sub>
-                        <m:r>
-                          <a:rPr lang="en-US" i="1" dirty="0" smtClean="0">
-                            <a:latin typeface="Cambria Math" panose="02040503050406030204" pitchFamily="18" charset="0"/>
-                          </a:rPr>
-                          <m:t>2</m:t>
-                        </m:r>
-                      </m:sub>
-                    </m:sSub>
-                  </m:oMath>
-                </a14:m>
-                <a:r>
-                  <a:rPr lang="en-US" i="1" dirty="0"/>
-                  <a:t> </a:t>
-                </a:r>
-                <a:r>
-                  <a:rPr lang="en-US" dirty="0"/>
-                  <a:t>must be smaller than </a:t>
-                </a:r>
-                <a14:m>
-                  <m:oMath xmlns:m="http://schemas.openxmlformats.org/officeDocument/2006/math">
-                    <m:r>
-                      <a:rPr lang="en-US" i="1" dirty="0" smtClean="0">
-                        <a:latin typeface="Cambria Math" panose="02040503050406030204" pitchFamily="18" charset="0"/>
-                      </a:rPr>
-                      <m:t>𝑛</m:t>
-                    </m:r>
-                  </m:oMath>
-                </a14:m>
-                <a:endParaRPr lang="en-US" i="1" dirty="0"/>
-              </a:p>
-              <a:p>
-                <a:pPr lvl="1"/>
-                <a:r>
-                  <a:rPr lang="en-US" dirty="0"/>
-                  <a:t>So by induction </a:t>
-                </a:r>
-                <a14:m>
-                  <m:oMath xmlns:m="http://schemas.openxmlformats.org/officeDocument/2006/math">
-                    <m:sSub>
-                      <m:sSubPr>
-                        <m:ctrlPr>
-                          <a:rPr lang="en-US" b="0" i="1" dirty="0" smtClean="0">
-                            <a:latin typeface="Cambria Math" panose="02040503050406030204" pitchFamily="18" charset="0"/>
-                          </a:rPr>
-                        </m:ctrlPr>
-                      </m:sSubPr>
-                      <m:e>
-                        <m:r>
-                          <a:rPr lang="en-US" i="1" dirty="0" smtClean="0">
-                            <a:latin typeface="Cambria Math" panose="02040503050406030204" pitchFamily="18" charset="0"/>
-                          </a:rPr>
-                          <m:t>𝑃</m:t>
-                        </m:r>
-                      </m:e>
-                      <m:sub>
-                        <m:r>
-                          <a:rPr lang="en-US" b="0" i="1" dirty="0" smtClean="0">
-                            <a:latin typeface="Cambria Math" panose="02040503050406030204" pitchFamily="18" charset="0"/>
-                          </a:rPr>
-                          <m:t>1</m:t>
-                        </m:r>
-                      </m:sub>
-                    </m:sSub>
-                  </m:oMath>
-                </a14:m>
-                <a:r>
-                  <a:rPr lang="en-US" i="1" dirty="0"/>
-                  <a:t> </a:t>
-                </a:r>
-                <a:r>
-                  <a:rPr lang="en-US" dirty="0"/>
-                  <a:t>and </a:t>
-                </a:r>
-                <a14:m>
-                  <m:oMath xmlns:m="http://schemas.openxmlformats.org/officeDocument/2006/math">
-                    <m:sSub>
-                      <m:sSubPr>
-                        <m:ctrlPr>
-                          <a:rPr lang="en-US" b="0" i="1" dirty="0" smtClean="0">
-                            <a:latin typeface="Cambria Math" panose="02040503050406030204" pitchFamily="18" charset="0"/>
-                          </a:rPr>
-                        </m:ctrlPr>
-                      </m:sSubPr>
-                      <m:e>
-                        <m:r>
-                          <a:rPr lang="en-US" i="1" dirty="0" smtClean="0">
-                            <a:latin typeface="Cambria Math" panose="02040503050406030204" pitchFamily="18" charset="0"/>
-                          </a:rPr>
-                          <m:t>𝑃</m:t>
-                        </m:r>
-                      </m:e>
-                      <m:sub>
-                        <m:r>
-                          <a:rPr lang="en-US" i="1" dirty="0" smtClean="0">
-                            <a:latin typeface="Cambria Math" panose="02040503050406030204" pitchFamily="18" charset="0"/>
-                          </a:rPr>
-                          <m:t>2</m:t>
-                        </m:r>
-                      </m:sub>
-                    </m:sSub>
-                  </m:oMath>
-                </a14:m>
-                <a:r>
-                  <a:rPr lang="en-US" i="1" dirty="0"/>
-                  <a:t> </a:t>
-                </a:r>
-                <a:r>
-                  <a:rPr lang="en-US" dirty="0"/>
-                  <a:t>can be triangulated</a:t>
-                </a:r>
-              </a:p>
-              <a:p>
-                <a:pPr lvl="1"/>
-                <a:r>
-                  <a:rPr lang="en-US" dirty="0"/>
-                  <a:t>Hence, </a:t>
-                </a:r>
-                <a14:m>
-                  <m:oMath xmlns:m="http://schemas.openxmlformats.org/officeDocument/2006/math">
-                    <m:r>
-                      <a:rPr lang="en-US" i="1" dirty="0" smtClean="0">
-                        <a:latin typeface="Cambria Math" panose="02040503050406030204" pitchFamily="18" charset="0"/>
-                      </a:rPr>
-                      <m:t>𝑃</m:t>
-                    </m:r>
-                  </m:oMath>
-                </a14:m>
-                <a:r>
-                  <a:rPr lang="en-US" i="1" dirty="0"/>
-                  <a:t> </a:t>
-                </a:r>
-                <a:r>
-                  <a:rPr lang="en-US" dirty="0"/>
-                  <a:t>can be triangulated as </a:t>
-                </a:r>
-                <a:r>
-                  <a:rPr lang="en-US" dirty="0" err="1"/>
-                  <a:t>weIl</a:t>
-                </a:r>
-                <a:endParaRPr lang="en-US" dirty="0"/>
-              </a:p>
-            </p:txBody>
-          </p:sp>
-        </mc:Choice>
-        <mc:Fallback xmlns="">
-          <p:sp>
-            <p:nvSpPr>
-              <p:cNvPr id="2" name="Content Placeholder 1">
-                <a:extLst>
-                  <a:ext uri="{FF2B5EF4-FFF2-40B4-BE49-F238E27FC236}">
-                    <a16:creationId xmlns:a16="http://schemas.microsoft.com/office/drawing/2014/main" id="{7FBB6201-FC6A-A34E-8F7C-0EC3799E0F5C}"/>
-                  </a:ext>
-                </a:extLst>
-              </p:cNvPr>
-              <p:cNvSpPr>
-                <a:spLocks noGrp="1" noRot="1" noChangeAspect="1" noMove="1" noResize="1" noEditPoints="1" noAdjustHandles="1" noChangeArrowheads="1" noChangeShapeType="1" noTextEdit="1"/>
-              </p:cNvSpPr>
-              <p:nvPr>
-                <p:ph sz="half" idx="1"/>
-              </p:nvPr>
-            </p:nvSpPr>
-            <p:spPr>
-              <a:blipFill>
-                <a:blip r:embed="rId2"/>
-                <a:stretch>
-                  <a:fillRect l="-1517"/>
-                </a:stretch>
-              </a:blipFill>
-            </p:spPr>
-            <p:txBody>
-              <a:bodyPr/>
-              <a:lstStyle/>
-              <a:p>
-                <a:r>
-                  <a:rPr lang="en-US">
-                    <a:noFill/>
-                  </a:rPr>
-                  <a:t> </a:t>
-                </a:r>
-              </a:p>
-            </p:txBody>
-          </p:sp>
-        </mc:Fallback>
-      </mc:AlternateContent>
-      <p:sp>
-        <p:nvSpPr>
-          <p:cNvPr id="3" name="Content Placeholder 2">
-            <a:extLst>
-              <a:ext uri="{FF2B5EF4-FFF2-40B4-BE49-F238E27FC236}">
-                <a16:creationId xmlns:a16="http://schemas.microsoft.com/office/drawing/2014/main" id="{950274A2-7A7D-F341-81BC-D3853980867D}"/>
-              </a:ext>
-            </a:extLst>
-          </p:cNvPr>
-          <p:cNvSpPr>
-            <a:spLocks noGrp="1"/>
-          </p:cNvSpPr>
-          <p:nvPr>
-            <p:ph sz="half" idx="10"/>
-          </p:nvPr>
-        </p:nvSpPr>
-        <p:spPr/>
-        <p:txBody>
-          <a:bodyPr/>
-          <a:lstStyle/>
-          <a:p>
-            <a:endParaRPr lang="en-US"/>
-          </a:p>
-        </p:txBody>
-      </p:sp>
-      <p:sp>
-        <p:nvSpPr>
-          <p:cNvPr id="4" name="Content Placeholder 3">
-            <a:extLst>
-              <a:ext uri="{FF2B5EF4-FFF2-40B4-BE49-F238E27FC236}">
-                <a16:creationId xmlns:a16="http://schemas.microsoft.com/office/drawing/2014/main" id="{94844C3C-1606-5742-B3C2-1DD9E380AC98}"/>
-              </a:ext>
-            </a:extLst>
-          </p:cNvPr>
-          <p:cNvSpPr>
-            <a:spLocks noGrp="1"/>
-          </p:cNvSpPr>
-          <p:nvPr>
-            <p:ph sz="half" idx="11"/>
-          </p:nvPr>
-        </p:nvSpPr>
-        <p:spPr/>
-        <p:txBody>
-          <a:bodyPr/>
-          <a:lstStyle/>
-          <a:p>
-            <a:r>
-              <a:rPr lang="en-US" dirty="0"/>
-              <a:t>Triangulation Theory</a:t>
-            </a:r>
-          </a:p>
-        </p:txBody>
-      </p:sp>
-    </p:spTree>
-    <p:extLst>
-      <p:ext uri="{BB962C8B-B14F-4D97-AF65-F5344CB8AC3E}">
-        <p14:creationId xmlns:p14="http://schemas.microsoft.com/office/powerpoint/2010/main" val="1008887549"/>
-      </p:ext>
-    </p:extLst>
-  </p:cSld>
-  <p:clrMapOvr>
-    <a:masterClrMapping/>
-  </p:clrMapOvr>
-</p:sld>
-</file>
-
-<file path=ppt/slides/slide28.xml><?xml version="1.0" encoding="utf-8"?>
-<p:sld xmlns:a="http://schemas.openxmlformats.org/drawingml/2006/main" xmlns:r="http://schemas.openxmlformats.org/officeDocument/2006/relationships" xmlns:p="http://schemas.openxmlformats.org/presentationml/2006/main">
-  <p:cSld>
-    <p:spTree>
-      <p:nvGrpSpPr>
-        <p:cNvPr id="1" name=""/>
-        <p:cNvGrpSpPr/>
-        <p:nvPr/>
-      </p:nvGrpSpPr>
-      <p:grpSpPr>
-        <a:xfrm>
-          <a:off x="0" y="0"/>
-          <a:ext cx="0" cy="0"/>
-          <a:chOff x="0" y="0"/>
-          <a:chExt cx="0" cy="0"/>
-        </a:xfrm>
-      </p:grpSpPr>
-      <mc:AlternateContent xmlns:mc="http://schemas.openxmlformats.org/markup-compatibility/2006" xmlns:a14="http://schemas.microsoft.com/office/drawing/2010/main">
-        <mc:Choice Requires="a14">
-          <p:sp>
-            <p:nvSpPr>
-              <p:cNvPr id="2" name="Content Placeholder 1">
-                <a:extLst>
-                  <a:ext uri="{FF2B5EF4-FFF2-40B4-BE49-F238E27FC236}">
-                    <a16:creationId xmlns:a16="http://schemas.microsoft.com/office/drawing/2014/main" id="{7FBB6201-FC6A-A34E-8F7C-0EC3799E0F5C}"/>
-                  </a:ext>
-                </a:extLst>
-              </p:cNvPr>
-              <p:cNvSpPr>
-                <a:spLocks noGrp="1"/>
-              </p:cNvSpPr>
-              <p:nvPr>
-                <p:ph sz="half" idx="1"/>
-              </p:nvPr>
-            </p:nvSpPr>
-            <p:spPr/>
-            <p:txBody>
-              <a:bodyPr>
-                <a:normAutofit fontScale="92500"/>
-              </a:bodyPr>
-              <a:lstStyle/>
-              <a:p>
-                <a:r>
-                  <a:rPr lang="en-US" dirty="0"/>
-                  <a:t>any triangulation of </a:t>
-                </a:r>
-                <a14:m>
-                  <m:oMath xmlns:m="http://schemas.openxmlformats.org/officeDocument/2006/math">
-                    <m:r>
-                      <a:rPr lang="en-US" i="1" dirty="0" smtClean="0">
-                        <a:latin typeface="Cambria Math" panose="02040503050406030204" pitchFamily="18" charset="0"/>
-                      </a:rPr>
-                      <m:t>𝑃</m:t>
-                    </m:r>
-                  </m:oMath>
-                </a14:m>
-                <a:r>
-                  <a:rPr lang="en-US" dirty="0"/>
-                  <a:t> consists of </a:t>
-                </a:r>
-                <a14:m>
-                  <m:oMath xmlns:m="http://schemas.openxmlformats.org/officeDocument/2006/math">
-                    <m:r>
-                      <a:rPr lang="en-US" i="1" dirty="0" smtClean="0">
-                        <a:latin typeface="Cambria Math" panose="02040503050406030204" pitchFamily="18" charset="0"/>
-                      </a:rPr>
-                      <m:t>𝑛</m:t>
-                    </m:r>
-                    <m:r>
-                      <a:rPr lang="en-US" i="1" dirty="0" smtClean="0">
-                        <a:latin typeface="Cambria Math" panose="02040503050406030204" pitchFamily="18" charset="0"/>
-                      </a:rPr>
-                      <m:t>−2</m:t>
-                    </m:r>
-                  </m:oMath>
-                </a14:m>
-                <a:r>
-                  <a:rPr lang="en-US" dirty="0"/>
-                  <a:t> triangles. </a:t>
-                </a:r>
-              </a:p>
-              <a:p>
-                <a:pPr lvl="1"/>
-                <a:r>
-                  <a:rPr lang="en-US" dirty="0"/>
-                  <a:t>Consider an arbitrary diagonal in some triangulation </a:t>
-                </a:r>
-                <a14:m>
-                  <m:oMath xmlns:m="http://schemas.openxmlformats.org/officeDocument/2006/math">
-                    <m:sSub>
-                      <m:sSubPr>
-                        <m:ctrlPr>
-                          <a:rPr lang="en-US" b="0" i="1" dirty="0" smtClean="0">
-                            <a:latin typeface="Cambria Math" panose="02040503050406030204" pitchFamily="18" charset="0"/>
-                          </a:rPr>
-                        </m:ctrlPr>
-                      </m:sSubPr>
-                      <m:e>
-                        <m:r>
-                          <a:rPr lang="en-US" i="1" dirty="0" smtClean="0">
-                            <a:latin typeface="Cambria Math" panose="02040503050406030204" pitchFamily="18" charset="0"/>
-                          </a:rPr>
-                          <m:t>𝑇</m:t>
-                        </m:r>
-                      </m:e>
-                      <m:sub>
-                        <m:r>
-                          <a:rPr lang="en-US" b="0" i="1" dirty="0" smtClean="0">
-                            <a:latin typeface="Cambria Math" panose="02040503050406030204" pitchFamily="18" charset="0"/>
-                          </a:rPr>
-                          <m:t>𝑃</m:t>
-                        </m:r>
-                      </m:sub>
-                    </m:sSub>
-                  </m:oMath>
-                </a14:m>
-                <a:r>
-                  <a:rPr lang="en-US" dirty="0"/>
-                  <a:t> </a:t>
-                </a:r>
-              </a:p>
-              <a:p>
-                <a:pPr lvl="1"/>
-                <a:r>
-                  <a:rPr lang="en-US" dirty="0"/>
-                  <a:t>The diagonal cuts P into two </a:t>
-                </a:r>
-                <a:r>
-                  <a:rPr lang="en-US" dirty="0" err="1"/>
-                  <a:t>subpolygons</a:t>
-                </a:r>
-                <a:r>
-                  <a:rPr lang="en-US" dirty="0"/>
-                  <a:t> with </a:t>
-                </a:r>
-                <a14:m>
-                  <m:oMath xmlns:m="http://schemas.openxmlformats.org/officeDocument/2006/math">
-                    <m:sSub>
-                      <m:sSubPr>
-                        <m:ctrlPr>
-                          <a:rPr lang="en-US" b="0" i="1" dirty="0" smtClean="0">
-                            <a:latin typeface="Cambria Math" panose="02040503050406030204" pitchFamily="18" charset="0"/>
-                          </a:rPr>
-                        </m:ctrlPr>
-                      </m:sSubPr>
-                      <m:e>
-                        <m:r>
-                          <a:rPr lang="en-US" i="1" dirty="0" smtClean="0">
-                            <a:latin typeface="Cambria Math" panose="02040503050406030204" pitchFamily="18" charset="0"/>
-                          </a:rPr>
-                          <m:t>𝑚</m:t>
-                        </m:r>
-                      </m:e>
-                      <m:sub>
-                        <m:r>
-                          <a:rPr lang="en-US" b="0" i="1" dirty="0" smtClean="0">
-                            <a:latin typeface="Cambria Math" panose="02040503050406030204" pitchFamily="18" charset="0"/>
-                          </a:rPr>
-                          <m:t>1</m:t>
-                        </m:r>
-                      </m:sub>
-                    </m:sSub>
-                  </m:oMath>
-                </a14:m>
-                <a:r>
-                  <a:rPr lang="en-US" dirty="0"/>
-                  <a:t> and </a:t>
-                </a:r>
-                <a14:m>
-                  <m:oMath xmlns:m="http://schemas.openxmlformats.org/officeDocument/2006/math">
-                    <m:sSub>
-                      <m:sSubPr>
-                        <m:ctrlPr>
-                          <a:rPr lang="en-US" b="0" i="1" dirty="0" smtClean="0">
-                            <a:latin typeface="Cambria Math" panose="02040503050406030204" pitchFamily="18" charset="0"/>
-                          </a:rPr>
-                        </m:ctrlPr>
-                      </m:sSubPr>
-                      <m:e>
-                        <m:r>
-                          <a:rPr lang="en-US" i="1" dirty="0" smtClean="0">
-                            <a:latin typeface="Cambria Math" panose="02040503050406030204" pitchFamily="18" charset="0"/>
-                          </a:rPr>
-                          <m:t>𝑚</m:t>
-                        </m:r>
-                      </m:e>
-                      <m:sub>
-                        <m:r>
-                          <a:rPr lang="en-US" i="1" dirty="0" smtClean="0">
-                            <a:latin typeface="Cambria Math" panose="02040503050406030204" pitchFamily="18" charset="0"/>
-                          </a:rPr>
-                          <m:t>2</m:t>
-                        </m:r>
-                      </m:sub>
-                    </m:sSub>
-                  </m:oMath>
-                </a14:m>
-                <a:r>
-                  <a:rPr lang="en-US" dirty="0"/>
-                  <a:t> vertices </a:t>
-                </a:r>
-              </a:p>
-              <a:p>
-                <a:pPr lvl="1"/>
-                <a:r>
-                  <a:rPr lang="en-US" dirty="0"/>
-                  <a:t>Every vertex of </a:t>
-                </a:r>
-                <a14:m>
-                  <m:oMath xmlns:m="http://schemas.openxmlformats.org/officeDocument/2006/math">
-                    <m:r>
-                      <a:rPr lang="en-US" i="1" dirty="0" smtClean="0">
-                        <a:latin typeface="Cambria Math" panose="02040503050406030204" pitchFamily="18" charset="0"/>
-                      </a:rPr>
-                      <m:t>𝑃</m:t>
-                    </m:r>
-                  </m:oMath>
-                </a14:m>
-                <a:r>
-                  <a:rPr lang="en-US" dirty="0"/>
-                  <a:t> occurs in exact1y one of the two </a:t>
-                </a:r>
-                <a:r>
-                  <a:rPr lang="en-US" dirty="0" err="1"/>
-                  <a:t>subpolygons</a:t>
-                </a:r>
-                <a:r>
-                  <a:rPr lang="en-US" dirty="0"/>
-                  <a:t>, except for the vertices defining the diagonal, which occur in both </a:t>
-                </a:r>
-                <a:r>
-                  <a:rPr lang="en-US" dirty="0" err="1"/>
-                  <a:t>subpolygons</a:t>
-                </a:r>
-                <a:r>
-                  <a:rPr lang="en-US" dirty="0"/>
-                  <a:t>. Hence, </a:t>
-                </a:r>
-                <a14:m>
-                  <m:oMath xmlns:m="http://schemas.openxmlformats.org/officeDocument/2006/math">
-                    <m:sSub>
-                      <m:sSubPr>
-                        <m:ctrlPr>
-                          <a:rPr lang="en-US" b="0" i="1" dirty="0" smtClean="0">
-                            <a:latin typeface="Cambria Math" panose="02040503050406030204" pitchFamily="18" charset="0"/>
-                          </a:rPr>
-                        </m:ctrlPr>
-                      </m:sSubPr>
-                      <m:e>
-                        <m:r>
-                          <a:rPr lang="en-US" i="1" dirty="0" smtClean="0">
-                            <a:latin typeface="Cambria Math" panose="02040503050406030204" pitchFamily="18" charset="0"/>
-                          </a:rPr>
-                          <m:t>𝑚</m:t>
-                        </m:r>
-                      </m:e>
-                      <m:sub>
-                        <m:r>
-                          <a:rPr lang="en-US" b="0" i="1" dirty="0" smtClean="0">
-                            <a:latin typeface="Cambria Math" panose="02040503050406030204" pitchFamily="18" charset="0"/>
-                          </a:rPr>
-                          <m:t>1</m:t>
-                        </m:r>
-                      </m:sub>
-                    </m:sSub>
-                    <m:r>
-                      <a:rPr lang="en-US" i="1" dirty="0" smtClean="0">
-                        <a:latin typeface="Cambria Math" panose="02040503050406030204" pitchFamily="18" charset="0"/>
-                      </a:rPr>
-                      <m:t>+</m:t>
-                    </m:r>
-                    <m:sSub>
-                      <m:sSubPr>
-                        <m:ctrlPr>
-                          <a:rPr lang="en-US" b="0" i="1" dirty="0" smtClean="0">
-                            <a:latin typeface="Cambria Math" panose="02040503050406030204" pitchFamily="18" charset="0"/>
-                          </a:rPr>
-                        </m:ctrlPr>
-                      </m:sSubPr>
-                      <m:e>
-                        <m:r>
-                          <a:rPr lang="en-US" i="1" dirty="0" smtClean="0">
-                            <a:latin typeface="Cambria Math" panose="02040503050406030204" pitchFamily="18" charset="0"/>
-                          </a:rPr>
-                          <m:t>𝑚</m:t>
-                        </m:r>
-                      </m:e>
-                      <m:sub>
-                        <m:r>
-                          <a:rPr lang="en-US" i="1" dirty="0" smtClean="0">
-                            <a:latin typeface="Cambria Math" panose="02040503050406030204" pitchFamily="18" charset="0"/>
-                          </a:rPr>
-                          <m:t>2</m:t>
-                        </m:r>
-                      </m:sub>
-                    </m:sSub>
-                    <m:r>
-                      <a:rPr lang="en-US" i="1" dirty="0" smtClean="0">
-                        <a:latin typeface="Cambria Math" panose="02040503050406030204" pitchFamily="18" charset="0"/>
-                      </a:rPr>
-                      <m:t>=</m:t>
-                    </m:r>
-                    <m:r>
-                      <a:rPr lang="en-US" i="1" dirty="0" smtClean="0">
-                        <a:latin typeface="Cambria Math" panose="02040503050406030204" pitchFamily="18" charset="0"/>
-                      </a:rPr>
-                      <m:t>𝑛</m:t>
-                    </m:r>
-                    <m:r>
-                      <a:rPr lang="en-US" i="1" dirty="0" smtClean="0">
-                        <a:latin typeface="Cambria Math" panose="02040503050406030204" pitchFamily="18" charset="0"/>
-                      </a:rPr>
-                      <m:t>+2</m:t>
-                    </m:r>
-                  </m:oMath>
-                </a14:m>
-                <a:r>
-                  <a:rPr lang="en-US" dirty="0"/>
-                  <a:t>. </a:t>
-                </a:r>
-              </a:p>
-              <a:p>
-                <a:pPr lvl="1"/>
-                <a:r>
-                  <a:rPr lang="en-US" dirty="0"/>
-                  <a:t>By induction, any triangulation of </a:t>
-                </a:r>
-                <a14:m>
-                  <m:oMath xmlns:m="http://schemas.openxmlformats.org/officeDocument/2006/math">
-                    <m:sSub>
-                      <m:sSubPr>
-                        <m:ctrlPr>
-                          <a:rPr lang="en-US" b="0" i="1" dirty="0" smtClean="0">
-                            <a:latin typeface="Cambria Math" panose="02040503050406030204" pitchFamily="18" charset="0"/>
-                          </a:rPr>
-                        </m:ctrlPr>
-                      </m:sSubPr>
-                      <m:e>
-                        <m:r>
-                          <a:rPr lang="en-US" i="1" dirty="0" smtClean="0">
-                            <a:latin typeface="Cambria Math" panose="02040503050406030204" pitchFamily="18" charset="0"/>
-                          </a:rPr>
-                          <m:t>𝑃</m:t>
-                        </m:r>
-                      </m:e>
-                      <m:sub>
-                        <m:r>
-                          <a:rPr lang="en-US" i="1" dirty="0" smtClean="0">
-                            <a:latin typeface="Cambria Math" panose="02040503050406030204" pitchFamily="18" charset="0"/>
-                          </a:rPr>
-                          <m:t>𝑖</m:t>
-                        </m:r>
-                      </m:sub>
-                    </m:sSub>
-                  </m:oMath>
-                </a14:m>
-                <a:r>
-                  <a:rPr lang="en-US" dirty="0"/>
-                  <a:t> consists of </a:t>
-                </a:r>
-                <a14:m>
-                  <m:oMath xmlns:m="http://schemas.openxmlformats.org/officeDocument/2006/math">
-                    <m:sSub>
-                      <m:sSubPr>
-                        <m:ctrlPr>
-                          <a:rPr lang="en-US" b="0" i="1" dirty="0" smtClean="0">
-                            <a:latin typeface="Cambria Math" panose="02040503050406030204" pitchFamily="18" charset="0"/>
-                          </a:rPr>
-                        </m:ctrlPr>
-                      </m:sSubPr>
-                      <m:e>
-                        <m:r>
-                          <a:rPr lang="en-US" i="1" dirty="0" smtClean="0">
-                            <a:latin typeface="Cambria Math" panose="02040503050406030204" pitchFamily="18" charset="0"/>
-                          </a:rPr>
-                          <m:t>𝑚</m:t>
-                        </m:r>
-                      </m:e>
-                      <m:sub>
-                        <m:r>
-                          <a:rPr lang="en-US" i="1" dirty="0" smtClean="0">
-                            <a:latin typeface="Cambria Math" panose="02040503050406030204" pitchFamily="18" charset="0"/>
-                          </a:rPr>
-                          <m:t>𝑖</m:t>
-                        </m:r>
-                      </m:sub>
-                    </m:sSub>
-                    <m:r>
-                      <a:rPr lang="en-US" i="1" dirty="0" smtClean="0">
-                        <a:latin typeface="Cambria Math" panose="02040503050406030204" pitchFamily="18" charset="0"/>
-                      </a:rPr>
-                      <m:t>−2</m:t>
-                    </m:r>
-                  </m:oMath>
-                </a14:m>
-                <a:r>
-                  <a:rPr lang="en-US" dirty="0"/>
-                  <a:t> triangles, which implies that </a:t>
-                </a:r>
-                <a14:m>
-                  <m:oMath xmlns:m="http://schemas.openxmlformats.org/officeDocument/2006/math">
-                    <m:sSub>
-                      <m:sSubPr>
-                        <m:ctrlPr>
-                          <a:rPr lang="en-US" b="0" i="1" dirty="0" smtClean="0">
-                            <a:latin typeface="Cambria Math" panose="02040503050406030204" pitchFamily="18" charset="0"/>
-                          </a:rPr>
-                        </m:ctrlPr>
-                      </m:sSubPr>
-                      <m:e>
-                        <m:r>
-                          <a:rPr lang="en-US" i="1" dirty="0" smtClean="0">
-                            <a:latin typeface="Cambria Math" panose="02040503050406030204" pitchFamily="18" charset="0"/>
-                          </a:rPr>
-                          <m:t>𝑇</m:t>
-                        </m:r>
-                      </m:e>
-                      <m:sub>
-                        <m:r>
-                          <a:rPr lang="en-US" b="0" i="1" dirty="0" smtClean="0">
-                            <a:latin typeface="Cambria Math" panose="02040503050406030204" pitchFamily="18" charset="0"/>
-                          </a:rPr>
-                          <m:t>𝑃</m:t>
-                        </m:r>
-                      </m:sub>
-                    </m:sSub>
-                  </m:oMath>
-                </a14:m>
-                <a:r>
-                  <a:rPr lang="en-US" dirty="0"/>
-                  <a:t> consists of </a:t>
-                </a:r>
-                <a14:m>
-                  <m:oMath xmlns:m="http://schemas.openxmlformats.org/officeDocument/2006/math">
-                    <m:r>
-                      <a:rPr lang="en-US" i="1" dirty="0" smtClean="0">
-                        <a:latin typeface="Cambria Math" panose="02040503050406030204" pitchFamily="18" charset="0"/>
-                      </a:rPr>
-                      <m:t>(</m:t>
-                    </m:r>
-                    <m:sSub>
-                      <m:sSubPr>
-                        <m:ctrlPr>
-                          <a:rPr lang="en-US" b="0" i="1" dirty="0" smtClean="0">
-                            <a:latin typeface="Cambria Math" panose="02040503050406030204" pitchFamily="18" charset="0"/>
-                          </a:rPr>
-                        </m:ctrlPr>
-                      </m:sSubPr>
-                      <m:e>
-                        <m:r>
-                          <a:rPr lang="en-US" i="1" dirty="0" smtClean="0">
-                            <a:latin typeface="Cambria Math" panose="02040503050406030204" pitchFamily="18" charset="0"/>
-                          </a:rPr>
-                          <m:t>𝑚</m:t>
-                        </m:r>
-                      </m:e>
-                      <m:sub>
-                        <m:r>
-                          <a:rPr lang="en-US" b="0" i="1" dirty="0" smtClean="0">
-                            <a:latin typeface="Cambria Math" panose="02040503050406030204" pitchFamily="18" charset="0"/>
-                          </a:rPr>
-                          <m:t>1</m:t>
-                        </m:r>
-                      </m:sub>
-                    </m:sSub>
-                    <m:r>
-                      <a:rPr lang="en-US" i="1" dirty="0" smtClean="0">
-                        <a:latin typeface="Cambria Math" panose="02040503050406030204" pitchFamily="18" charset="0"/>
-                      </a:rPr>
-                      <m:t>−2)+(</m:t>
-                    </m:r>
-                    <m:sSub>
-                      <m:sSubPr>
-                        <m:ctrlPr>
-                          <a:rPr lang="en-US" b="0" i="1" dirty="0" smtClean="0">
-                            <a:latin typeface="Cambria Math" panose="02040503050406030204" pitchFamily="18" charset="0"/>
-                          </a:rPr>
-                        </m:ctrlPr>
-                      </m:sSubPr>
-                      <m:e>
-                        <m:r>
-                          <a:rPr lang="en-US" i="1" dirty="0" smtClean="0">
-                            <a:latin typeface="Cambria Math" panose="02040503050406030204" pitchFamily="18" charset="0"/>
-                          </a:rPr>
-                          <m:t>𝑚</m:t>
-                        </m:r>
-                      </m:e>
-                      <m:sub>
-                        <m:r>
-                          <a:rPr lang="en-US" i="1" dirty="0" smtClean="0">
-                            <a:latin typeface="Cambria Math" panose="02040503050406030204" pitchFamily="18" charset="0"/>
-                          </a:rPr>
-                          <m:t>2</m:t>
-                        </m:r>
-                      </m:sub>
-                    </m:sSub>
-                    <m:r>
-                      <a:rPr lang="en-US" i="1" dirty="0" smtClean="0">
-                        <a:latin typeface="Cambria Math" panose="02040503050406030204" pitchFamily="18" charset="0"/>
-                      </a:rPr>
-                      <m:t>−2)=</m:t>
-                    </m:r>
-                    <m:r>
-                      <a:rPr lang="en-US" i="1" dirty="0" smtClean="0">
-                        <a:latin typeface="Cambria Math" panose="02040503050406030204" pitchFamily="18" charset="0"/>
-                      </a:rPr>
-                      <m:t>𝑛</m:t>
-                    </m:r>
-                    <m:r>
-                      <a:rPr lang="en-US" i="1" dirty="0" smtClean="0">
-                        <a:latin typeface="Cambria Math" panose="02040503050406030204" pitchFamily="18" charset="0"/>
-                      </a:rPr>
-                      <m:t>−2</m:t>
-                    </m:r>
-                  </m:oMath>
-                </a14:m>
-                <a:r>
-                  <a:rPr lang="en-US" dirty="0"/>
-                  <a:t> triangles. </a:t>
-                </a:r>
-              </a:p>
-            </p:txBody>
-          </p:sp>
-        </mc:Choice>
-        <mc:Fallback xmlns="">
-          <p:sp>
-            <p:nvSpPr>
-              <p:cNvPr id="2" name="Content Placeholder 1">
-                <a:extLst>
-                  <a:ext uri="{FF2B5EF4-FFF2-40B4-BE49-F238E27FC236}">
-                    <a16:creationId xmlns:a16="http://schemas.microsoft.com/office/drawing/2014/main" id="{7FBB6201-FC6A-A34E-8F7C-0EC3799E0F5C}"/>
-                  </a:ext>
-                </a:extLst>
-              </p:cNvPr>
-              <p:cNvSpPr>
-                <a:spLocks noGrp="1" noRot="1" noChangeAspect="1" noMove="1" noResize="1" noEditPoints="1" noAdjustHandles="1" noChangeArrowheads="1" noChangeShapeType="1" noTextEdit="1"/>
-              </p:cNvSpPr>
-              <p:nvPr>
-                <p:ph sz="half" idx="1"/>
-              </p:nvPr>
-            </p:nvSpPr>
-            <p:spPr>
-              <a:blipFill>
-                <a:blip r:embed="rId2"/>
-                <a:stretch>
-                  <a:fillRect l="-1284" t="-525" b="-2362"/>
-                </a:stretch>
-              </a:blipFill>
-            </p:spPr>
-            <p:txBody>
-              <a:bodyPr/>
-              <a:lstStyle/>
-              <a:p>
-                <a:r>
-                  <a:rPr lang="en-US">
-                    <a:noFill/>
-                  </a:rPr>
-                  <a:t> </a:t>
-                </a:r>
-              </a:p>
-            </p:txBody>
-          </p:sp>
-        </mc:Fallback>
-      </mc:AlternateContent>
-      <p:sp>
-        <p:nvSpPr>
-          <p:cNvPr id="6" name="Content Placeholder 5">
-            <a:extLst>
-              <a:ext uri="{FF2B5EF4-FFF2-40B4-BE49-F238E27FC236}">
-                <a16:creationId xmlns:a16="http://schemas.microsoft.com/office/drawing/2014/main" id="{1239F1B3-0678-614E-A7EB-6A9ABE465A3C}"/>
-              </a:ext>
-            </a:extLst>
-          </p:cNvPr>
-          <p:cNvSpPr>
-            <a:spLocks noGrp="1"/>
-          </p:cNvSpPr>
-          <p:nvPr>
-            <p:ph sz="half" idx="10"/>
-          </p:nvPr>
-        </p:nvSpPr>
-        <p:spPr/>
-        <p:txBody>
-          <a:bodyPr/>
-          <a:lstStyle/>
-          <a:p>
-            <a:endParaRPr lang="en-US"/>
-          </a:p>
-        </p:txBody>
-      </p:sp>
-      <p:sp>
-        <p:nvSpPr>
-          <p:cNvPr id="7" name="Content Placeholder 6">
-            <a:extLst>
-              <a:ext uri="{FF2B5EF4-FFF2-40B4-BE49-F238E27FC236}">
-                <a16:creationId xmlns:a16="http://schemas.microsoft.com/office/drawing/2014/main" id="{446635E6-2A6E-B743-BA43-B6A1910DB42C}"/>
-              </a:ext>
-            </a:extLst>
-          </p:cNvPr>
-          <p:cNvSpPr>
-            <a:spLocks noGrp="1"/>
-          </p:cNvSpPr>
-          <p:nvPr>
-            <p:ph sz="half" idx="11"/>
-          </p:nvPr>
-        </p:nvSpPr>
-        <p:spPr/>
-        <p:txBody>
-          <a:bodyPr/>
-          <a:lstStyle/>
-          <a:p>
-            <a:r>
-              <a:rPr lang="en-US" dirty="0"/>
-              <a:t>Triangulation Theory</a:t>
-            </a:r>
-          </a:p>
-        </p:txBody>
-      </p:sp>
-    </p:spTree>
-    <p:extLst>
-      <p:ext uri="{BB962C8B-B14F-4D97-AF65-F5344CB8AC3E}">
-        <p14:creationId xmlns:p14="http://schemas.microsoft.com/office/powerpoint/2010/main" val="739174537"/>
-      </p:ext>
-    </p:extLst>
-  </p:cSld>
-  <p:clrMapOvr>
-    <a:masterClrMapping/>
-  </p:clrMapOvr>
-</p:sld>
-</file>
-
-<file path=ppt/slides/slide29.xml><?xml version="1.0" encoding="utf-8"?>
+<file path=ppt/slides/slide19.xml><?xml version="1.0" encoding="utf-8"?>
 <p:sld xmlns:a="http://schemas.openxmlformats.org/drawingml/2006/main" xmlns:r="http://schemas.openxmlformats.org/officeDocument/2006/relationships" xmlns:p="http://schemas.openxmlformats.org/presentationml/2006/main">
   <p:cSld>
     <p:spTree>
@@ -24975,7 +17933,7 @@
 </p:sld>
 </file>
 
-<file path=ppt/slides/slide3.xml><?xml version="1.0" encoding="utf-8"?>
+<file path=ppt/slides/slide2.xml><?xml version="1.0" encoding="utf-8"?>
 <p:sld xmlns:a="http://schemas.openxmlformats.org/drawingml/2006/main" xmlns:r="http://schemas.openxmlformats.org/officeDocument/2006/relationships" xmlns:p="http://schemas.openxmlformats.org/presentationml/2006/main">
   <p:cSld>
     <p:spTree>
@@ -25005,31 +17963,34 @@
         <p:spPr/>
         <p:txBody>
           <a:bodyPr>
-            <a:normAutofit fontScale="92500"/>
+            <a:normAutofit fontScale="92500" lnSpcReduction="20000"/>
           </a:bodyPr>
           <a:lstStyle/>
           <a:p>
             <a:r>
-              <a:rPr lang="en-US" dirty="0"/>
-              <a:t>This problem was posed by Victor Klee in 1973</a:t>
-            </a:r>
-          </a:p>
-          <a:p>
-            <a:endParaRPr lang="en-US" dirty="0"/>
-          </a:p>
-          <a:p>
-            <a:r>
-              <a:rPr lang="en-US" dirty="0"/>
-              <a:t>A guard of the gallery corresponds to a point on the </a:t>
-            </a:r>
-            <a:r>
-              <a:rPr lang="en-US" dirty="0" err="1"/>
-              <a:t>polygonomial</a:t>
+              <a:rPr lang="en-US" dirty="0">
+                <a:solidFill>
+                  <a:srgbClr val="FF0000"/>
+                </a:solidFill>
+              </a:rPr>
+              <a:t>The Art Gallery Problem</a:t>
             </a:r>
             <a:r>
               <a:rPr lang="en-US" dirty="0"/>
-              <a:t> floor plan.</a:t>
+              <a:t>: how many cameras we need to guard a given gallery so that every point is seen, and how we decide to place them?</a:t>
             </a:r>
+          </a:p>
+          <a:p>
+            <a:endParaRPr lang="en-US" dirty="0"/>
+          </a:p>
+          <a:p>
+            <a:endParaRPr lang="en-US" dirty="0"/>
+          </a:p>
+          <a:p>
+            <a:endParaRPr lang="en-US" dirty="0"/>
+          </a:p>
+          <a:p>
+            <a:endParaRPr lang="en-US" dirty="0"/>
           </a:p>
           <a:p>
             <a:endParaRPr lang="en-US" dirty="0"/>
@@ -25037,18 +17998,8 @@
           <a:p>
             <a:r>
               <a:rPr lang="en-US" dirty="0"/>
-              <a:t>Guards can see in every direction, with a full range of visibility</a:t>
+              <a:t>In geometry terminology: How many points are needed in a simple polygon with n vertices so that every point in the polygon is seen?</a:t>
             </a:r>
-          </a:p>
-          <a:p>
-            <a:endParaRPr lang="en-US" dirty="0"/>
-          </a:p>
-          <a:p>
-            <a:r>
-              <a:rPr lang="en-US" dirty="0"/>
-              <a:t>The optimization problem is computationally difficult</a:t>
-            </a:r>
-            <a:endParaRPr lang="ru-RU" dirty="0"/>
           </a:p>
         </p:txBody>
       </p:sp>
@@ -25057,7 +18008,7 @@
           <p:cNvPr id="6" name="Content Placeholder 5">
             <a:extLst>
               <a:ext uri="{FF2B5EF4-FFF2-40B4-BE49-F238E27FC236}">
-                <a16:creationId xmlns:a16="http://schemas.microsoft.com/office/drawing/2014/main" id="{BB226726-86C9-D94E-A8A4-FBA355DBF07F}"/>
+                <a16:creationId xmlns:a16="http://schemas.microsoft.com/office/drawing/2014/main" id="{BB193D44-E363-F94B-B2C2-9A984178950E}"/>
               </a:ext>
             </a:extLst>
           </p:cNvPr>
@@ -25082,7 +18033,7 @@
           <p:cNvPr id="7" name="Content Placeholder 6">
             <a:extLst>
               <a:ext uri="{FF2B5EF4-FFF2-40B4-BE49-F238E27FC236}">
-                <a16:creationId xmlns:a16="http://schemas.microsoft.com/office/drawing/2014/main" id="{05215830-5F08-2842-A2AD-2625CA29F9A6}"/>
+                <a16:creationId xmlns:a16="http://schemas.microsoft.com/office/drawing/2014/main" id="{92B52382-33B9-7742-AD29-26FE6CEBB942}"/>
               </a:ext>
             </a:extLst>
           </p:cNvPr>
@@ -25106,10 +18057,64 @@
           </a:p>
         </p:txBody>
       </p:sp>
+      <p:pic>
+        <p:nvPicPr>
+          <p:cNvPr id="14338" name="Picture 2"/>
+          <p:cNvPicPr>
+            <a:picLocks noChangeAspect="1" noChangeArrowheads="1"/>
+          </p:cNvPicPr>
+          <p:nvPr/>
+        </p:nvPicPr>
+        <p:blipFill>
+          <a:blip r:embed="rId2">
+            <a:extLst>
+              <a:ext uri="{28A0092B-C50C-407E-A947-70E740481C1C}">
+                <a14:useLocalDpi xmlns:a14="http://schemas.microsoft.com/office/drawing/2010/main" val="0"/>
+              </a:ext>
+            </a:extLst>
+          </a:blip>
+          <a:srcRect/>
+          <a:stretch>
+            <a:fillRect/>
+          </a:stretch>
+        </p:blipFill>
+        <p:spPr bwMode="auto">
+          <a:xfrm>
+            <a:off x="4267200" y="2660526"/>
+            <a:ext cx="4095750" cy="1914525"/>
+          </a:xfrm>
+          <a:prstGeom prst="rect">
+            <a:avLst/>
+          </a:prstGeom>
+          <a:noFill/>
+          <a:ln>
+            <a:noFill/>
+          </a:ln>
+          <a:extLst>
+            <a:ext uri="{909E8E84-426E-40DD-AFC4-6F175D3DCCD1}">
+              <a14:hiddenFill xmlns:a14="http://schemas.microsoft.com/office/drawing/2010/main">
+                <a:solidFill>
+                  <a:schemeClr val="accent1"/>
+                </a:solidFill>
+              </a14:hiddenFill>
+            </a:ext>
+            <a:ext uri="{91240B29-F687-4F45-9708-019B960494DF}">
+              <a14:hiddenLine xmlns:a14="http://schemas.microsoft.com/office/drawing/2010/main" w="9525">
+                <a:solidFill>
+                  <a:schemeClr val="tx1"/>
+                </a:solidFill>
+                <a:miter lim="800000"/>
+                <a:headEnd/>
+                <a:tailEnd/>
+              </a14:hiddenLine>
+            </a:ext>
+          </a:extLst>
+        </p:spPr>
+      </p:pic>
     </p:spTree>
     <p:extLst>
       <p:ext uri="{BB962C8B-B14F-4D97-AF65-F5344CB8AC3E}">
-        <p14:creationId xmlns:p14="http://schemas.microsoft.com/office/powerpoint/2010/main" val="4092673612"/>
+        <p14:creationId xmlns:p14="http://schemas.microsoft.com/office/powerpoint/2010/main" val="3296381697"/>
       </p:ext>
     </p:extLst>
   </p:cSld>
@@ -25119,7 +18124,7 @@
 </p:sld>
 </file>
 
-<file path=ppt/slides/slide30.xml><?xml version="1.0" encoding="utf-8"?>
+<file path=ppt/slides/slide20.xml><?xml version="1.0" encoding="utf-8"?>
 <p:sld xmlns:a="http://schemas.openxmlformats.org/drawingml/2006/main" xmlns:r="http://schemas.openxmlformats.org/officeDocument/2006/relationships" xmlns:p="http://schemas.openxmlformats.org/presentationml/2006/main">
   <p:cSld>
     <p:spTree>
@@ -25318,7 +18323,7 @@
 </p:sld>
 </file>
 
-<file path=ppt/slides/slide31.xml><?xml version="1.0" encoding="utf-8"?>
+<file path=ppt/slides/slide21.xml><?xml version="1.0" encoding="utf-8"?>
 <p:sld xmlns:a="http://schemas.openxmlformats.org/drawingml/2006/main" xmlns:r="http://schemas.openxmlformats.org/officeDocument/2006/relationships" xmlns:p="http://schemas.openxmlformats.org/presentationml/2006/main">
   <p:cSld>
     <p:spTree>
@@ -27547,7 +20552,7 @@
 </p:sld>
 </file>
 
-<file path=ppt/slides/slide32.xml><?xml version="1.0" encoding="utf-8"?>
+<file path=ppt/slides/slide22.xml><?xml version="1.0" encoding="utf-8"?>
 <p:sld xmlns:a="http://schemas.openxmlformats.org/drawingml/2006/main" xmlns:r="http://schemas.openxmlformats.org/officeDocument/2006/relationships" xmlns:p="http://schemas.openxmlformats.org/presentationml/2006/main">
   <p:cSld>
     <p:spTree>
@@ -29127,7 +22132,7 @@
 </p:sld>
 </file>
 
-<file path=ppt/slides/slide33.xml><?xml version="1.0" encoding="utf-8"?>
+<file path=ppt/slides/slide23.xml><?xml version="1.0" encoding="utf-8"?>
 <p:sld xmlns:a="http://schemas.openxmlformats.org/drawingml/2006/main" xmlns:r="http://schemas.openxmlformats.org/officeDocument/2006/relationships" xmlns:p="http://schemas.openxmlformats.org/presentationml/2006/main">
   <p:cSld>
     <p:spTree>
@@ -29307,7 +22312,7 @@
 </p:sld>
 </file>
 
-<file path=ppt/slides/slide34.xml><?xml version="1.0" encoding="utf-8"?>
+<file path=ppt/slides/slide24.xml><?xml version="1.0" encoding="utf-8"?>
 <p:sld xmlns:a="http://schemas.openxmlformats.org/drawingml/2006/main" xmlns:r="http://schemas.openxmlformats.org/officeDocument/2006/relationships" xmlns:p="http://schemas.openxmlformats.org/presentationml/2006/main">
   <p:cSld>
     <p:spTree>
@@ -29499,7 +22504,7 @@
 </p:sld>
 </file>
 
-<file path=ppt/slides/slide35.xml><?xml version="1.0" encoding="utf-8"?>
+<file path=ppt/slides/slide25.xml><?xml version="1.0" encoding="utf-8"?>
 <p:sld xmlns:a="http://schemas.openxmlformats.org/drawingml/2006/main" xmlns:r="http://schemas.openxmlformats.org/officeDocument/2006/relationships" xmlns:p="http://schemas.openxmlformats.org/presentationml/2006/main">
   <p:cSld>
     <p:spTree>
@@ -32017,7 +25022,7 @@
 </p:sld>
 </file>
 
-<file path=ppt/slides/slide36.xml><?xml version="1.0" encoding="utf-8"?>
+<file path=ppt/slides/slide26.xml><?xml version="1.0" encoding="utf-8"?>
 <p:sld xmlns:a="http://schemas.openxmlformats.org/drawingml/2006/main" xmlns:r="http://schemas.openxmlformats.org/officeDocument/2006/relationships" xmlns:p="http://schemas.openxmlformats.org/presentationml/2006/main">
   <p:cSld>
     <p:spTree>
@@ -34545,7 +27550,7 @@
 </p:sld>
 </file>
 
-<file path=ppt/slides/slide37.xml><?xml version="1.0" encoding="utf-8"?>
+<file path=ppt/slides/slide27.xml><?xml version="1.0" encoding="utf-8"?>
 <p:sld xmlns:a="http://schemas.openxmlformats.org/drawingml/2006/main" xmlns:r="http://schemas.openxmlformats.org/officeDocument/2006/relationships" xmlns:p="http://schemas.openxmlformats.org/presentationml/2006/main">
   <p:cSld>
     <p:spTree>
@@ -34842,7 +27847,7 @@
 </p:sld>
 </file>
 
-<file path=ppt/slides/slide38.xml><?xml version="1.0" encoding="utf-8"?>
+<file path=ppt/slides/slide28.xml><?xml version="1.0" encoding="utf-8"?>
 <p:sld xmlns:a="http://schemas.openxmlformats.org/drawingml/2006/main" xmlns:r="http://schemas.openxmlformats.org/officeDocument/2006/relationships" xmlns:p="http://schemas.openxmlformats.org/presentationml/2006/main">
   <p:cSld>
     <p:spTree>
@@ -35613,6 +28618,142 @@
     <p:extLst>
       <p:ext uri="{BB962C8B-B14F-4D97-AF65-F5344CB8AC3E}">
         <p14:creationId xmlns:p14="http://schemas.microsoft.com/office/powerpoint/2010/main" val="3148098828"/>
+      </p:ext>
+    </p:extLst>
+  </p:cSld>
+  <p:clrMapOvr>
+    <a:masterClrMapping/>
+  </p:clrMapOvr>
+</p:sld>
+</file>
+
+<file path=ppt/slides/slide3.xml><?xml version="1.0" encoding="utf-8"?>
+<p:sld xmlns:a="http://schemas.openxmlformats.org/drawingml/2006/main" xmlns:r="http://schemas.openxmlformats.org/officeDocument/2006/relationships" xmlns:p="http://schemas.openxmlformats.org/presentationml/2006/main">
+  <p:cSld>
+    <p:spTree>
+      <p:nvGrpSpPr>
+        <p:cNvPr id="1" name=""/>
+        <p:cNvGrpSpPr/>
+        <p:nvPr/>
+      </p:nvGrpSpPr>
+      <p:grpSpPr>
+        <a:xfrm>
+          <a:off x="0" y="0"/>
+          <a:ext cx="0" cy="0"/>
+          <a:chOff x="0" y="0"/>
+          <a:chExt cx="0" cy="0"/>
+        </a:xfrm>
+      </p:grpSpPr>
+      <p:sp>
+        <p:nvSpPr>
+          <p:cNvPr id="3" name="Объект 2"/>
+          <p:cNvSpPr>
+            <a:spLocks noGrp="1"/>
+          </p:cNvSpPr>
+          <p:nvPr>
+            <p:ph sz="half" idx="1"/>
+          </p:nvPr>
+        </p:nvSpPr>
+        <p:spPr/>
+        <p:txBody>
+          <a:bodyPr>
+            <a:normAutofit fontScale="92500"/>
+          </a:bodyPr>
+          <a:lstStyle/>
+          <a:p>
+            <a:r>
+              <a:rPr lang="en-US" dirty="0"/>
+              <a:t>This problem was posed by Victor Klee in 1973</a:t>
+            </a:r>
+          </a:p>
+          <a:p>
+            <a:endParaRPr lang="en-US" dirty="0"/>
+          </a:p>
+          <a:p>
+            <a:r>
+              <a:rPr lang="en-US" dirty="0"/>
+              <a:t>A guard of the gallery corresponds to a point on the polygonal floor plan.</a:t>
+            </a:r>
+          </a:p>
+          <a:p>
+            <a:endParaRPr lang="en-US" dirty="0"/>
+          </a:p>
+          <a:p>
+            <a:r>
+              <a:rPr lang="en-US" dirty="0"/>
+              <a:t>Guards can see in every direction, with a full range of visibility</a:t>
+            </a:r>
+          </a:p>
+          <a:p>
+            <a:endParaRPr lang="en-US" dirty="0"/>
+          </a:p>
+          <a:p>
+            <a:r>
+              <a:rPr lang="en-US" dirty="0"/>
+              <a:t>The optimization problem is computationally difficult</a:t>
+            </a:r>
+            <a:endParaRPr lang="ru-RU" dirty="0"/>
+          </a:p>
+        </p:txBody>
+      </p:sp>
+      <p:sp>
+        <p:nvSpPr>
+          <p:cNvPr id="6" name="Content Placeholder 5">
+            <a:extLst>
+              <a:ext uri="{FF2B5EF4-FFF2-40B4-BE49-F238E27FC236}">
+                <a16:creationId xmlns:a16="http://schemas.microsoft.com/office/drawing/2014/main" id="{BB226726-86C9-D94E-A8A4-FBA355DBF07F}"/>
+              </a:ext>
+            </a:extLst>
+          </p:cNvPr>
+          <p:cNvSpPr>
+            <a:spLocks noGrp="1"/>
+          </p:cNvSpPr>
+          <p:nvPr>
+            <p:ph sz="half" idx="10"/>
+          </p:nvPr>
+        </p:nvSpPr>
+        <p:spPr/>
+        <p:txBody>
+          <a:bodyPr/>
+          <a:lstStyle/>
+          <a:p>
+            <a:endParaRPr lang="en-US"/>
+          </a:p>
+        </p:txBody>
+      </p:sp>
+      <p:sp>
+        <p:nvSpPr>
+          <p:cNvPr id="7" name="Content Placeholder 6">
+            <a:extLst>
+              <a:ext uri="{FF2B5EF4-FFF2-40B4-BE49-F238E27FC236}">
+                <a16:creationId xmlns:a16="http://schemas.microsoft.com/office/drawing/2014/main" id="{05215830-5F08-2842-A2AD-2625CA29F9A6}"/>
+              </a:ext>
+            </a:extLst>
+          </p:cNvPr>
+          <p:cNvSpPr>
+            <a:spLocks noGrp="1"/>
+          </p:cNvSpPr>
+          <p:nvPr>
+            <p:ph sz="half" idx="11"/>
+          </p:nvPr>
+        </p:nvSpPr>
+        <p:spPr/>
+        <p:txBody>
+          <a:bodyPr/>
+          <a:lstStyle/>
+          <a:p>
+            <a:r>
+              <a:rPr lang="en-US"/>
+              <a:t>The Art Gallery Problem</a:t>
+            </a:r>
+            <a:endParaRPr lang="en-US" dirty="0"/>
+          </a:p>
+        </p:txBody>
+      </p:sp>
+    </p:spTree>
+    <p:extLst>
+      <p:ext uri="{BB962C8B-B14F-4D97-AF65-F5344CB8AC3E}">
+        <p14:creationId xmlns:p14="http://schemas.microsoft.com/office/powerpoint/2010/main" val="4092673612"/>
       </p:ext>
     </p:extLst>
   </p:cSld>
@@ -40470,7 +33611,7 @@
           <a:graphicData uri="http://schemas.openxmlformats.org/presentationml/2006/ole">
             <mc:AlternateContent xmlns:mc="http://schemas.openxmlformats.org/markup-compatibility/2006">
               <mc:Choice xmlns:v="urn:schemas-microsoft-com:vml" Requires="v">
-                <p:oleObj spid="_x0000_s11418" name="Equation" r:id="rId4" imgW="5054600" imgH="457200" progId="Equation.3">
+                <p:oleObj spid="_x0000_s11422" name="Equation" r:id="rId4" imgW="5054600" imgH="457200" progId="Equation.3">
                   <p:embed/>
                 </p:oleObj>
               </mc:Choice>
@@ -40564,7 +33705,7 @@
           <a:graphicData uri="http://schemas.openxmlformats.org/presentationml/2006/ole">
             <mc:AlternateContent xmlns:mc="http://schemas.openxmlformats.org/markup-compatibility/2006">
               <mc:Choice xmlns:v="urn:schemas-microsoft-com:vml" Requires="v">
-                <p:oleObj spid="_x0000_s11419" name="Equation" r:id="rId6" imgW="3149600" imgH="508000" progId="Equation.3">
+                <p:oleObj spid="_x0000_s11423" name="Equation" r:id="rId6" imgW="3149600" imgH="508000" progId="Equation.3">
                   <p:embed/>
                 </p:oleObj>
               </mc:Choice>
@@ -41609,7 +34750,7 @@
             <a:pPr eaLnBrk="1" hangingPunct="1"/>
             <a:r>
               <a:rPr lang="en-US" dirty="0"/>
-              <a:t>a 12 sided polygon?</a:t>
+              <a:t>a 12-sided polygon?</a:t>
             </a:r>
           </a:p>
         </p:txBody>
